--- a/src/Slide/Nhom12_expressjs_nodejs.pptx
+++ b/src/Slide/Nhom12_expressjs_nodejs.pptx
@@ -6,7 +6,7 @@
     <p:sldMasterId id="2147483661" r:id="rId2"/>
   </p:sldMasterIdLst>
   <p:notesMasterIdLst>
-    <p:notesMasterId r:id="rId60"/>
+    <p:notesMasterId r:id="rId63"/>
   </p:notesMasterIdLst>
   <p:sldIdLst>
     <p:sldId id="256" r:id="rId3"/>
@@ -31,41 +31,44 @@
     <p:sldId id="319" r:id="rId22"/>
     <p:sldId id="320" r:id="rId23"/>
     <p:sldId id="322" r:id="rId24"/>
-    <p:sldId id="323" r:id="rId25"/>
-    <p:sldId id="324" r:id="rId26"/>
-    <p:sldId id="325" r:id="rId27"/>
-    <p:sldId id="326" r:id="rId28"/>
-    <p:sldId id="327" r:id="rId29"/>
-    <p:sldId id="328" r:id="rId30"/>
-    <p:sldId id="329" r:id="rId31"/>
-    <p:sldId id="330" r:id="rId32"/>
-    <p:sldId id="331" r:id="rId33"/>
-    <p:sldId id="333" r:id="rId34"/>
-    <p:sldId id="335" r:id="rId35"/>
-    <p:sldId id="334" r:id="rId36"/>
-    <p:sldId id="336" r:id="rId37"/>
-    <p:sldId id="345" r:id="rId38"/>
-    <p:sldId id="346" r:id="rId39"/>
-    <p:sldId id="347" r:id="rId40"/>
-    <p:sldId id="337" r:id="rId41"/>
-    <p:sldId id="338" r:id="rId42"/>
-    <p:sldId id="340" r:id="rId43"/>
-    <p:sldId id="341" r:id="rId44"/>
-    <p:sldId id="342" r:id="rId45"/>
-    <p:sldId id="339" r:id="rId46"/>
-    <p:sldId id="348" r:id="rId47"/>
-    <p:sldId id="350" r:id="rId48"/>
-    <p:sldId id="351" r:id="rId49"/>
-    <p:sldId id="349" r:id="rId50"/>
-    <p:sldId id="352" r:id="rId51"/>
-    <p:sldId id="354" r:id="rId52"/>
-    <p:sldId id="355" r:id="rId53"/>
-    <p:sldId id="353" r:id="rId54"/>
-    <p:sldId id="356" r:id="rId55"/>
-    <p:sldId id="358" r:id="rId56"/>
-    <p:sldId id="359" r:id="rId57"/>
-    <p:sldId id="357" r:id="rId58"/>
-    <p:sldId id="306" r:id="rId59"/>
+    <p:sldId id="360" r:id="rId25"/>
+    <p:sldId id="362" r:id="rId26"/>
+    <p:sldId id="361" r:id="rId27"/>
+    <p:sldId id="323" r:id="rId28"/>
+    <p:sldId id="324" r:id="rId29"/>
+    <p:sldId id="325" r:id="rId30"/>
+    <p:sldId id="326" r:id="rId31"/>
+    <p:sldId id="327" r:id="rId32"/>
+    <p:sldId id="328" r:id="rId33"/>
+    <p:sldId id="329" r:id="rId34"/>
+    <p:sldId id="330" r:id="rId35"/>
+    <p:sldId id="331" r:id="rId36"/>
+    <p:sldId id="333" r:id="rId37"/>
+    <p:sldId id="335" r:id="rId38"/>
+    <p:sldId id="334" r:id="rId39"/>
+    <p:sldId id="336" r:id="rId40"/>
+    <p:sldId id="345" r:id="rId41"/>
+    <p:sldId id="346" r:id="rId42"/>
+    <p:sldId id="347" r:id="rId43"/>
+    <p:sldId id="337" r:id="rId44"/>
+    <p:sldId id="338" r:id="rId45"/>
+    <p:sldId id="340" r:id="rId46"/>
+    <p:sldId id="341" r:id="rId47"/>
+    <p:sldId id="342" r:id="rId48"/>
+    <p:sldId id="339" r:id="rId49"/>
+    <p:sldId id="348" r:id="rId50"/>
+    <p:sldId id="350" r:id="rId51"/>
+    <p:sldId id="351" r:id="rId52"/>
+    <p:sldId id="349" r:id="rId53"/>
+    <p:sldId id="352" r:id="rId54"/>
+    <p:sldId id="354" r:id="rId55"/>
+    <p:sldId id="355" r:id="rId56"/>
+    <p:sldId id="353" r:id="rId57"/>
+    <p:sldId id="356" r:id="rId58"/>
+    <p:sldId id="358" r:id="rId59"/>
+    <p:sldId id="359" r:id="rId60"/>
+    <p:sldId id="357" r:id="rId61"/>
+    <p:sldId id="306" r:id="rId62"/>
   </p:sldIdLst>
   <p:sldSz cx="12192000" cy="6858000"/>
   <p:notesSz cx="7559675" cy="10691813"/>
@@ -254,7 +257,7 @@
           <a:p>
             <a:fld id="{B6A92E65-837E-46E3-939D-9A3DB21820C2}" type="datetimeFigureOut">
               <a:rPr lang="en-US" smtClean="0"/>
-              <a:t>10/10/2021</a:t>
+              <a:t>10/13/2021</a:t>
             </a:fld>
             <a:endParaRPr lang="en-US"/>
           </a:p>
@@ -4670,7 +4673,7 @@
                 </a:solidFill>
                 <a:latin typeface="Rockwell"/>
               </a:rPr>
-              <a:t>10/10/2021</a:t>
+              <a:t>10/13/2021</a:t>
             </a:fld>
             <a:endParaRPr lang="en-US" sz="1800" b="0" strike="noStrike" spc="-1">
               <a:latin typeface="Times New Roman"/>
@@ -6208,7 +6211,7 @@
                 </a:solidFill>
                 <a:latin typeface="Rockwell"/>
               </a:rPr>
-              <a:t>10/10/2021</a:t>
+              <a:t>10/13/2021</a:t>
             </a:fld>
             <a:endParaRPr lang="en-US" sz="1800" b="0" strike="noStrike" spc="-1">
               <a:latin typeface="Times New Roman"/>
@@ -7217,7 +7220,7 @@
     <mc:Choice Requires="p14">
       <p:transition spd="slow" p14:dur="2000"/>
     </mc:Choice>
-    <mc:Fallback xmlns="" xmlns:p15="http://schemas.microsoft.com/office/powerpoint/2012/main">
+    <mc:Fallback xmlns:p15="http://schemas.microsoft.com/office/powerpoint/2012/main" xmlns="">
       <p:transition spd="slow"/>
     </mc:Fallback>
   </mc:AlternateContent>
@@ -7594,7 +7597,7 @@
     <mc:Choice Requires="p14">
       <p:transition spd="slow" p14:dur="2000"/>
     </mc:Choice>
-    <mc:Fallback xmlns="" xmlns:p15="http://schemas.microsoft.com/office/powerpoint/2012/main">
+    <mc:Fallback xmlns:p15="http://schemas.microsoft.com/office/powerpoint/2012/main" xmlns="">
       <p:transition spd="slow"/>
     </mc:Fallback>
   </mc:AlternateContent>
@@ -7922,7 +7925,7 @@
     <mc:Choice Requires="p14">
       <p:transition spd="slow" p14:dur="2000"/>
     </mc:Choice>
-    <mc:Fallback xmlns="" xmlns:p15="http://schemas.microsoft.com/office/powerpoint/2012/main">
+    <mc:Fallback xmlns:p15="http://schemas.microsoft.com/office/powerpoint/2012/main" xmlns="">
       <p:transition spd="slow"/>
     </mc:Fallback>
   </mc:AlternateContent>
@@ -8295,7 +8298,7 @@
     <mc:Choice Requires="p14">
       <p:transition spd="slow" p14:dur="2000"/>
     </mc:Choice>
-    <mc:Fallback xmlns="" xmlns:p15="http://schemas.microsoft.com/office/powerpoint/2012/main">
+    <mc:Fallback xmlns:p15="http://schemas.microsoft.com/office/powerpoint/2012/main" xmlns="">
       <p:transition spd="slow"/>
     </mc:Fallback>
   </mc:AlternateContent>
@@ -8644,7 +8647,7 @@
     <mc:Choice Requires="p14">
       <p:transition spd="slow" p14:dur="2000"/>
     </mc:Choice>
-    <mc:Fallback xmlns="" xmlns:p15="http://schemas.microsoft.com/office/powerpoint/2012/main">
+    <mc:Fallback xmlns:p15="http://schemas.microsoft.com/office/powerpoint/2012/main" xmlns="">
       <p:transition spd="slow"/>
     </mc:Fallback>
   </mc:AlternateContent>
@@ -8844,7 +8847,7 @@
     <mc:Choice Requires="p14">
       <p:transition spd="slow" p14:dur="2000"/>
     </mc:Choice>
-    <mc:Fallback xmlns="" xmlns:p15="http://schemas.microsoft.com/office/powerpoint/2012/main">
+    <mc:Fallback xmlns:p15="http://schemas.microsoft.com/office/powerpoint/2012/main" xmlns="">
       <p:transition spd="slow"/>
     </mc:Fallback>
   </mc:AlternateContent>
@@ -9230,7 +9233,7 @@
     <mc:Choice Requires="p14">
       <p:transition spd="slow" p14:dur="2000"/>
     </mc:Choice>
-    <mc:Fallback xmlns="" xmlns:p15="http://schemas.microsoft.com/office/powerpoint/2012/main">
+    <mc:Fallback xmlns:p15="http://schemas.microsoft.com/office/powerpoint/2012/main" xmlns="">
       <p:transition spd="slow"/>
     </mc:Fallback>
   </mc:AlternateContent>
@@ -9488,7 +9491,7 @@
     <mc:Choice Requires="p14">
       <p:transition spd="slow" p14:dur="2000"/>
     </mc:Choice>
-    <mc:Fallback xmlns="" xmlns:p15="http://schemas.microsoft.com/office/powerpoint/2012/main">
+    <mc:Fallback xmlns:p15="http://schemas.microsoft.com/office/powerpoint/2012/main" xmlns="">
       <p:transition spd="slow"/>
     </mc:Fallback>
   </mc:AlternateContent>
@@ -9632,7 +9635,7 @@
     <mc:Choice Requires="p14">
       <p:transition spd="slow" p14:dur="2000"/>
     </mc:Choice>
-    <mc:Fallback xmlns="" xmlns:p15="http://schemas.microsoft.com/office/powerpoint/2012/main">
+    <mc:Fallback xmlns:p15="http://schemas.microsoft.com/office/powerpoint/2012/main" xmlns="">
       <p:transition spd="slow"/>
     </mc:Fallback>
   </mc:AlternateContent>
@@ -9773,27 +9776,7 @@
                 <a:latin typeface="Times New Roman" panose="02020603050405020304" pitchFamily="18" charset="0"/>
                 <a:cs typeface="Times New Roman" panose="02020603050405020304" pitchFamily="18" charset="0"/>
               </a:rPr>
-              <a:t>Đăng </a:t>
-            </a:r>
-            <a:r>
-              <a:rPr lang="en-US" sz="2400" dirty="0" smtClean="0">
-                <a:solidFill>
-                  <a:schemeClr val="bg1"/>
-                </a:solidFill>
-                <a:latin typeface="Times New Roman" panose="02020603050405020304" pitchFamily="18" charset="0"/>
-                <a:cs typeface="Times New Roman" panose="02020603050405020304" pitchFamily="18" charset="0"/>
-              </a:rPr>
-              <a:t>ký tài </a:t>
-            </a:r>
-            <a:r>
-              <a:rPr lang="en-US" sz="2400" dirty="0" smtClean="0">
-                <a:solidFill>
-                  <a:schemeClr val="bg1"/>
-                </a:solidFill>
-                <a:latin typeface="Times New Roman" panose="02020603050405020304" pitchFamily="18" charset="0"/>
-                <a:cs typeface="Times New Roman" panose="02020603050405020304" pitchFamily="18" charset="0"/>
-              </a:rPr>
-              <a:t>khoản</a:t>
+              <a:t>Đăng ký tài khoản</a:t>
             </a:r>
             <a:endParaRPr lang="en-US" sz="2400" dirty="0">
               <a:solidFill>
@@ -9896,7 +9879,7 @@
     <mc:Choice Requires="p14">
       <p:transition spd="slow" p14:dur="2000"/>
     </mc:Choice>
-    <mc:Fallback xmlns="" xmlns:p15="http://schemas.microsoft.com/office/powerpoint/2012/main">
+    <mc:Fallback xmlns:p15="http://schemas.microsoft.com/office/powerpoint/2012/main" xmlns="">
       <p:transition spd="slow"/>
     </mc:Fallback>
   </mc:AlternateContent>
@@ -10037,27 +10020,7 @@
                 <a:latin typeface="Times New Roman" panose="02020603050405020304" pitchFamily="18" charset="0"/>
                 <a:cs typeface="Times New Roman" panose="02020603050405020304" pitchFamily="18" charset="0"/>
               </a:rPr>
-              <a:t>Đăng </a:t>
-            </a:r>
-            <a:r>
-              <a:rPr lang="en-US" sz="2400" dirty="0" smtClean="0">
-                <a:solidFill>
-                  <a:schemeClr val="bg1"/>
-                </a:solidFill>
-                <a:latin typeface="Times New Roman" panose="02020603050405020304" pitchFamily="18" charset="0"/>
-                <a:cs typeface="Times New Roman" panose="02020603050405020304" pitchFamily="18" charset="0"/>
-              </a:rPr>
-              <a:t>ký tài </a:t>
-            </a:r>
-            <a:r>
-              <a:rPr lang="en-US" sz="2400" dirty="0" smtClean="0">
-                <a:solidFill>
-                  <a:schemeClr val="bg1"/>
-                </a:solidFill>
-                <a:latin typeface="Times New Roman" panose="02020603050405020304" pitchFamily="18" charset="0"/>
-                <a:cs typeface="Times New Roman" panose="02020603050405020304" pitchFamily="18" charset="0"/>
-              </a:rPr>
-              <a:t>khoản</a:t>
+              <a:t>Đăng ký tài khoản</a:t>
             </a:r>
             <a:endParaRPr lang="en-US" sz="2400" dirty="0">
               <a:solidFill>
@@ -10165,7 +10128,7 @@
     <mc:Choice Requires="p14">
       <p:transition spd="slow" p14:dur="2000"/>
     </mc:Choice>
-    <mc:Fallback xmlns="" xmlns:p15="http://schemas.microsoft.com/office/powerpoint/2012/main">
+    <mc:Fallback xmlns:p15="http://schemas.microsoft.com/office/powerpoint/2012/main" xmlns="">
       <p:transition spd="slow"/>
     </mc:Fallback>
   </mc:AlternateContent>
@@ -10728,7 +10691,7 @@
     <mc:Choice Requires="p14">
       <p:transition spd="slow" p14:dur="2000"/>
     </mc:Choice>
-    <mc:Fallback xmlns="" xmlns:p15="http://schemas.microsoft.com/office/powerpoint/2012/main">
+    <mc:Fallback xmlns:p15="http://schemas.microsoft.com/office/powerpoint/2012/main" xmlns="">
       <p:transition spd="slow"/>
     </mc:Fallback>
   </mc:AlternateContent>
@@ -10869,27 +10832,7 @@
                 <a:latin typeface="Times New Roman" panose="02020603050405020304" pitchFamily="18" charset="0"/>
                 <a:cs typeface="Times New Roman" panose="02020603050405020304" pitchFamily="18" charset="0"/>
               </a:rPr>
-              <a:t>Đăng </a:t>
-            </a:r>
-            <a:r>
-              <a:rPr lang="en-US" sz="2400" dirty="0" smtClean="0">
-                <a:solidFill>
-                  <a:schemeClr val="bg1"/>
-                </a:solidFill>
-                <a:latin typeface="Times New Roman" panose="02020603050405020304" pitchFamily="18" charset="0"/>
-                <a:cs typeface="Times New Roman" panose="02020603050405020304" pitchFamily="18" charset="0"/>
-              </a:rPr>
-              <a:t>ký tài </a:t>
-            </a:r>
-            <a:r>
-              <a:rPr lang="en-US" sz="2400" dirty="0" smtClean="0">
-                <a:solidFill>
-                  <a:schemeClr val="bg1"/>
-                </a:solidFill>
-                <a:latin typeface="Times New Roman" panose="02020603050405020304" pitchFamily="18" charset="0"/>
-                <a:cs typeface="Times New Roman" panose="02020603050405020304" pitchFamily="18" charset="0"/>
-              </a:rPr>
-              <a:t>khoản</a:t>
+              <a:t>Đăng ký tài khoản</a:t>
             </a:r>
             <a:endParaRPr lang="en-US" sz="2400" dirty="0">
               <a:solidFill>
@@ -10941,7 +10884,77 @@
                 <a:latin typeface="Times New Roman" panose="02020603050405020304" pitchFamily="18" charset="0"/>
                 <a:cs typeface="Times New Roman" panose="02020603050405020304" pitchFamily="18" charset="0"/>
               </a:rPr>
-              <a:t>Biểu đồ lớp phân tích</a:t>
+              <a:t>Biểu </a:t>
+            </a:r>
+            <a:r>
+              <a:rPr lang="en-US" sz="2000" dirty="0" err="1" smtClean="0">
+                <a:solidFill>
+                  <a:schemeClr val="bg1"/>
+                </a:solidFill>
+                <a:latin typeface="Times New Roman" panose="02020603050405020304" pitchFamily="18" charset="0"/>
+                <a:cs typeface="Times New Roman" panose="02020603050405020304" pitchFamily="18" charset="0"/>
+              </a:rPr>
+              <a:t>đồ</a:t>
+            </a:r>
+            <a:r>
+              <a:rPr lang="en-US" sz="2000" dirty="0" smtClean="0">
+                <a:solidFill>
+                  <a:schemeClr val="bg1"/>
+                </a:solidFill>
+                <a:latin typeface="Times New Roman" panose="02020603050405020304" pitchFamily="18" charset="0"/>
+                <a:cs typeface="Times New Roman" panose="02020603050405020304" pitchFamily="18" charset="0"/>
+              </a:rPr>
+              <a:t> </a:t>
+            </a:r>
+            <a:r>
+              <a:rPr lang="en-US" sz="2000" dirty="0" err="1" smtClean="0">
+                <a:solidFill>
+                  <a:schemeClr val="bg1"/>
+                </a:solidFill>
+                <a:latin typeface="Times New Roman" panose="02020603050405020304" pitchFamily="18" charset="0"/>
+                <a:cs typeface="Times New Roman" panose="02020603050405020304" pitchFamily="18" charset="0"/>
+              </a:rPr>
+              <a:t>lớp</a:t>
+            </a:r>
+            <a:r>
+              <a:rPr lang="en-US" sz="2000" dirty="0" smtClean="0">
+                <a:solidFill>
+                  <a:schemeClr val="bg1"/>
+                </a:solidFill>
+                <a:latin typeface="Times New Roman" panose="02020603050405020304" pitchFamily="18" charset="0"/>
+                <a:cs typeface="Times New Roman" panose="02020603050405020304" pitchFamily="18" charset="0"/>
+              </a:rPr>
+              <a:t> </a:t>
+            </a:r>
+            <a:r>
+              <a:rPr lang="en-US" sz="2000" dirty="0" err="1" smtClean="0">
+                <a:solidFill>
+                  <a:schemeClr val="bg1"/>
+                </a:solidFill>
+                <a:latin typeface="Times New Roman" panose="02020603050405020304" pitchFamily="18" charset="0"/>
+                <a:cs typeface="Times New Roman" panose="02020603050405020304" pitchFamily="18" charset="0"/>
+              </a:rPr>
+              <a:t>phân</a:t>
+            </a:r>
+            <a:r>
+              <a:rPr lang="en-US" sz="2000" dirty="0" smtClean="0">
+                <a:solidFill>
+                  <a:schemeClr val="bg1"/>
+                </a:solidFill>
+                <a:latin typeface="Times New Roman" panose="02020603050405020304" pitchFamily="18" charset="0"/>
+                <a:cs typeface="Times New Roman" panose="02020603050405020304" pitchFamily="18" charset="0"/>
+              </a:rPr>
+              <a:t> </a:t>
+            </a:r>
+            <a:r>
+              <a:rPr lang="en-US" sz="2000" dirty="0" err="1" smtClean="0">
+                <a:solidFill>
+                  <a:schemeClr val="bg1"/>
+                </a:solidFill>
+                <a:latin typeface="Times New Roman" panose="02020603050405020304" pitchFamily="18" charset="0"/>
+                <a:cs typeface="Times New Roman" panose="02020603050405020304" pitchFamily="18" charset="0"/>
+              </a:rPr>
+              <a:t>tích</a:t>
             </a:r>
             <a:endParaRPr lang="en-US" dirty="0">
               <a:solidFill>
@@ -10958,7 +10971,7 @@
       </p:sp>
       <p:pic>
         <p:nvPicPr>
-          <p:cNvPr id="7" name="Picture 6"/>
+          <p:cNvPr id="8" name="Picture 7"/>
           <p:cNvPicPr>
             <a:picLocks noChangeAspect="1"/>
           </p:cNvPicPr>
@@ -10972,8 +10985,8 @@
         </p:blipFill>
         <p:spPr>
           <a:xfrm>
-            <a:off x="1905000" y="2328756"/>
-            <a:ext cx="8382000" cy="3500544"/>
+            <a:off x="1405364" y="2294141"/>
+            <a:ext cx="8820676" cy="3811386"/>
           </a:xfrm>
           <a:prstGeom prst="rect">
             <a:avLst/>
@@ -10994,7 +11007,7 @@
     <mc:Choice Requires="p14">
       <p:transition spd="slow" p14:dur="2000"/>
     </mc:Choice>
-    <mc:Fallback xmlns="" xmlns:p15="http://schemas.microsoft.com/office/powerpoint/2012/main">
+    <mc:Fallback xmlns:p15="http://schemas.microsoft.com/office/powerpoint/2012/main" xmlns="">
       <p:transition spd="slow"/>
     </mc:Fallback>
   </mc:AlternateContent>
@@ -11212,7 +11225,7 @@
         <p:spPr>
           <a:xfrm>
             <a:off x="1405364" y="1903564"/>
-            <a:ext cx="2172723" cy="677108"/>
+            <a:ext cx="2526556" cy="677108"/>
           </a:xfrm>
           <a:prstGeom prst="rect">
             <a:avLst/>
@@ -11259,7 +11272,7 @@
               <a:t>- </a:t>
             </a:r>
             <a:r>
-              <a:rPr kumimoji="0" lang="en-US" sz="2000" b="0" i="0" u="none" strike="noStrike" kern="1200" cap="none" spc="0" normalizeH="0" baseline="0" noProof="0" dirty="0">
+              <a:rPr kumimoji="0" lang="en-US" sz="2000" b="0" i="0" u="none" strike="noStrike" kern="1200" cap="none" spc="0" normalizeH="0" baseline="0" noProof="0" dirty="0" err="1">
                 <a:ln>
                   <a:noFill/>
                 </a:ln>
@@ -11288,8 +11301,77 @@
                 <a:latin typeface="Times New Roman" panose="02020603050405020304" pitchFamily="18" charset="0"/>
                 <a:cs typeface="Times New Roman" panose="02020603050405020304" pitchFamily="18" charset="0"/>
               </a:rPr>
-              <a:t> đồ trình tự</a:t>
-            </a:r>
+              <a:t> </a:t>
+            </a:r>
+            <a:r>
+              <a:rPr kumimoji="0" lang="en-US" sz="1800" b="0" i="0" u="none" strike="noStrike" kern="1200" cap="none" spc="0" normalizeH="0" baseline="0" noProof="0" dirty="0" err="1" smtClean="0">
+                <a:ln>
+                  <a:noFill/>
+                </a:ln>
+                <a:solidFill>
+                  <a:prstClr val="white"/>
+                </a:solidFill>
+                <a:effectLst/>
+                <a:uLnTx/>
+                <a:uFillTx/>
+                <a:latin typeface="Times New Roman" panose="02020603050405020304" pitchFamily="18" charset="0"/>
+                <a:cs typeface="Times New Roman" panose="02020603050405020304" pitchFamily="18" charset="0"/>
+              </a:rPr>
+              <a:t>đồ</a:t>
+            </a:r>
+            <a:r>
+              <a:rPr lang="en-US" dirty="0">
+                <a:solidFill>
+                  <a:prstClr val="white"/>
+                </a:solidFill>
+                <a:latin typeface="Times New Roman" panose="02020603050405020304" pitchFamily="18" charset="0"/>
+                <a:cs typeface="Times New Roman" panose="02020603050405020304" pitchFamily="18" charset="0"/>
+              </a:rPr>
+              <a:t> </a:t>
+            </a:r>
+            <a:r>
+              <a:rPr lang="en-US" dirty="0" err="1" smtClean="0">
+                <a:solidFill>
+                  <a:prstClr val="white"/>
+                </a:solidFill>
+                <a:latin typeface="Times New Roman" panose="02020603050405020304" pitchFamily="18" charset="0"/>
+                <a:cs typeface="Times New Roman" panose="02020603050405020304" pitchFamily="18" charset="0"/>
+              </a:rPr>
+              <a:t>trình</a:t>
+            </a:r>
+            <a:r>
+              <a:rPr lang="en-US" dirty="0" smtClean="0">
+                <a:solidFill>
+                  <a:prstClr val="white"/>
+                </a:solidFill>
+                <a:latin typeface="Times New Roman" panose="02020603050405020304" pitchFamily="18" charset="0"/>
+                <a:cs typeface="Times New Roman" panose="02020603050405020304" pitchFamily="18" charset="0"/>
+              </a:rPr>
+              <a:t> </a:t>
+            </a:r>
+            <a:r>
+              <a:rPr lang="en-US" dirty="0" err="1" smtClean="0">
+                <a:solidFill>
+                  <a:prstClr val="white"/>
+                </a:solidFill>
+                <a:latin typeface="Times New Roman" panose="02020603050405020304" pitchFamily="18" charset="0"/>
+                <a:cs typeface="Times New Roman" panose="02020603050405020304" pitchFamily="18" charset="0"/>
+              </a:rPr>
+              <a:t>tự</a:t>
+            </a:r>
+            <a:endParaRPr kumimoji="0" lang="en-US" sz="1800" b="0" i="0" u="none" strike="noStrike" kern="1200" cap="none" spc="0" normalizeH="0" baseline="0" noProof="0" dirty="0">
+              <a:ln>
+                <a:noFill/>
+              </a:ln>
+              <a:solidFill>
+                <a:prstClr val="white"/>
+              </a:solidFill>
+              <a:effectLst/>
+              <a:uLnTx/>
+              <a:uFillTx/>
+              <a:latin typeface="Times New Roman" panose="02020603050405020304" pitchFamily="18" charset="0"/>
+              <a:cs typeface="Times New Roman" panose="02020603050405020304" pitchFamily="18" charset="0"/>
+            </a:endParaRPr>
           </a:p>
           <a:p>
             <a:pPr marL="0" marR="0" lvl="0" indent="0" algn="l" defTabSz="914400" rtl="0" eaLnBrk="1" fontAlgn="auto" latinLnBrk="0" hangingPunct="1">
@@ -11326,7 +11408,7 @@
       </p:sp>
       <p:pic>
         <p:nvPicPr>
-          <p:cNvPr id="8" name="Picture 7"/>
+          <p:cNvPr id="5" name="Picture 4"/>
           <p:cNvPicPr>
             <a:picLocks noChangeAspect="1"/>
           </p:cNvPicPr>
@@ -11340,8 +11422,8 @@
         </p:blipFill>
         <p:spPr>
           <a:xfrm>
-            <a:off x="1905000" y="2328756"/>
-            <a:ext cx="8382000" cy="3500544"/>
+            <a:off x="1168057" y="2355101"/>
+            <a:ext cx="9459645" cy="3801859"/>
           </a:xfrm>
           <a:prstGeom prst="rect">
             <a:avLst/>
@@ -11362,7 +11444,7 @@
     <mc:Choice Requires="p14">
       <p:transition spd="slow" p14:dur="2000"/>
     </mc:Choice>
-    <mc:Fallback xmlns="" xmlns:p15="http://schemas.microsoft.com/office/powerpoint/2012/main">
+    <mc:Fallback xmlns:p15="http://schemas.microsoft.com/office/powerpoint/2012/main" xmlns="">
       <p:transition spd="slow"/>
     </mc:Fallback>
   </mc:AlternateContent>
@@ -11727,7 +11809,7 @@
     <mc:Choice Requires="p14">
       <p:transition spd="slow" p14:dur="2000"/>
     </mc:Choice>
-    <mc:Fallback xmlns="" xmlns:p15="http://schemas.microsoft.com/office/powerpoint/2012/main">
+    <mc:Fallback xmlns:p15="http://schemas.microsoft.com/office/powerpoint/2012/main" xmlns="">
       <p:transition spd="slow"/>
     </mc:Fallback>
   </mc:AlternateContent>
@@ -11905,7 +11987,7 @@
               <a:defRPr/>
             </a:pPr>
             <a:r>
-              <a:rPr kumimoji="0" lang="en-US" sz="2400" b="0" i="0" u="none" strike="noStrike" kern="1200" cap="none" spc="0" normalizeH="0" baseline="0" noProof="0" dirty="0" smtClean="0">
+              <a:rPr kumimoji="0" lang="en-US" sz="2400" b="0" i="0" u="none" strike="noStrike" kern="1200" cap="none" spc="0" normalizeH="0" baseline="0" noProof="0" dirty="0" err="1" smtClean="0">
                 <a:ln>
                   <a:noFill/>
                 </a:ln>
@@ -11918,7 +12000,7 @@
                 <a:latin typeface="Times New Roman" panose="02020603050405020304" pitchFamily="18" charset="0"/>
                 <a:cs typeface="Times New Roman" panose="02020603050405020304" pitchFamily="18" charset="0"/>
               </a:rPr>
-              <a:t>Xem sản</a:t>
+              <a:t>Thông</a:t>
             </a:r>
             <a:r>
               <a:rPr kumimoji="0" lang="en-US" sz="2400" b="0" i="0" u="none" strike="noStrike" kern="1200" cap="none" spc="0" normalizeH="0" noProof="0" dirty="0" smtClean="0">
@@ -11934,7 +12016,55 @@
                 <a:latin typeface="Times New Roman" panose="02020603050405020304" pitchFamily="18" charset="0"/>
                 <a:cs typeface="Times New Roman" panose="02020603050405020304" pitchFamily="18" charset="0"/>
               </a:rPr>
-              <a:t> phẩm theo danh mục</a:t>
+              <a:t> tin </a:t>
+            </a:r>
+            <a:r>
+              <a:rPr kumimoji="0" lang="en-US" sz="2400" b="0" i="0" u="none" strike="noStrike" kern="1200" cap="none" spc="0" normalizeH="0" noProof="0" dirty="0" err="1" smtClean="0">
+                <a:ln>
+                  <a:noFill/>
+                </a:ln>
+                <a:solidFill>
+                  <a:prstClr val="white"/>
+                </a:solidFill>
+                <a:effectLst/>
+                <a:uLnTx/>
+                <a:uFillTx/>
+                <a:latin typeface="Times New Roman" panose="02020603050405020304" pitchFamily="18" charset="0"/>
+                <a:cs typeface="Times New Roman" panose="02020603050405020304" pitchFamily="18" charset="0"/>
+              </a:rPr>
+              <a:t>người</a:t>
+            </a:r>
+            <a:r>
+              <a:rPr kumimoji="0" lang="en-US" sz="2400" b="0" i="0" u="none" strike="noStrike" kern="1200" cap="none" spc="0" normalizeH="0" noProof="0" dirty="0" smtClean="0">
+                <a:ln>
+                  <a:noFill/>
+                </a:ln>
+                <a:solidFill>
+                  <a:prstClr val="white"/>
+                </a:solidFill>
+                <a:effectLst/>
+                <a:uLnTx/>
+                <a:uFillTx/>
+                <a:latin typeface="Times New Roman" panose="02020603050405020304" pitchFamily="18" charset="0"/>
+                <a:cs typeface="Times New Roman" panose="02020603050405020304" pitchFamily="18" charset="0"/>
+              </a:rPr>
+              <a:t> </a:t>
+            </a:r>
+            <a:r>
+              <a:rPr kumimoji="0" lang="en-US" sz="2400" b="0" i="0" u="none" strike="noStrike" kern="1200" cap="none" spc="0" normalizeH="0" noProof="0" dirty="0" err="1" smtClean="0">
+                <a:ln>
+                  <a:noFill/>
+                </a:ln>
+                <a:solidFill>
+                  <a:prstClr val="white"/>
+                </a:solidFill>
+                <a:effectLst/>
+                <a:uLnTx/>
+                <a:uFillTx/>
+                <a:latin typeface="Times New Roman" panose="02020603050405020304" pitchFamily="18" charset="0"/>
+                <a:cs typeface="Times New Roman" panose="02020603050405020304" pitchFamily="18" charset="0"/>
+              </a:rPr>
+              <a:t>dùng</a:t>
             </a:r>
             <a:endParaRPr kumimoji="0" lang="en-US" sz="2400" b="0" i="0" u="none" strike="noStrike" kern="1200" cap="none" spc="0" normalizeH="0" baseline="0" noProof="0" dirty="0">
               <a:ln>
@@ -12075,7 +12205,7 @@
       </p:sp>
       <p:pic>
         <p:nvPicPr>
-          <p:cNvPr id="4" name="Picture 3"/>
+          <p:cNvPr id="5" name="Picture 4"/>
           <p:cNvPicPr>
             <a:picLocks noChangeAspect="1"/>
           </p:cNvPicPr>
@@ -12089,8 +12219,8 @@
         </p:blipFill>
         <p:spPr>
           <a:xfrm>
-            <a:off x="2009775" y="2365229"/>
-            <a:ext cx="8172450" cy="3704267"/>
+            <a:off x="1293769" y="2365229"/>
+            <a:ext cx="9237071" cy="3759722"/>
           </a:xfrm>
           <a:prstGeom prst="rect">
             <a:avLst/>
@@ -12100,7 +12230,7 @@
     </p:spTree>
     <p:extLst>
       <p:ext uri="{BB962C8B-B14F-4D97-AF65-F5344CB8AC3E}">
-        <p14:creationId xmlns:p14="http://schemas.microsoft.com/office/powerpoint/2010/main" val="1620215413"/>
+        <p14:creationId xmlns:p14="http://schemas.microsoft.com/office/powerpoint/2010/main" val="2208898949"/>
       </p:ext>
     </p:extLst>
   </p:cSld>
@@ -12111,7 +12241,7 @@
     <mc:Choice Requires="p14">
       <p:transition spd="slow" p14:dur="2000"/>
     </mc:Choice>
-    <mc:Fallback xmlns="" xmlns:p15="http://schemas.microsoft.com/office/powerpoint/2012/main">
+    <mc:Fallback xmlns:p15="http://schemas.microsoft.com/office/powerpoint/2012/main" xmlns="">
       <p:transition spd="slow"/>
     </mc:Fallback>
   </mc:AlternateContent>
@@ -12289,7 +12419,7 @@
               <a:defRPr/>
             </a:pPr>
             <a:r>
-              <a:rPr kumimoji="0" lang="en-US" sz="2400" b="0" i="0" u="none" strike="noStrike" kern="1200" cap="none" spc="0" normalizeH="0" baseline="0" noProof="0" dirty="0" smtClean="0">
+              <a:rPr kumimoji="0" lang="en-US" sz="2400" b="0" i="0" u="none" strike="noStrike" kern="1200" cap="none" spc="0" normalizeH="0" baseline="0" noProof="0" dirty="0" err="1" smtClean="0">
                 <a:ln>
                   <a:noFill/>
                 </a:ln>
@@ -12302,7 +12432,7 @@
                 <a:latin typeface="Times New Roman" panose="02020603050405020304" pitchFamily="18" charset="0"/>
                 <a:cs typeface="Times New Roman" panose="02020603050405020304" pitchFamily="18" charset="0"/>
               </a:rPr>
-              <a:t>Xem</a:t>
+              <a:t>Thông</a:t>
             </a:r>
             <a:r>
               <a:rPr kumimoji="0" lang="en-US" sz="2400" b="0" i="0" u="none" strike="noStrike" kern="1200" cap="none" spc="0" normalizeH="0" noProof="0" dirty="0" smtClean="0">
@@ -12318,7 +12448,55 @@
                 <a:latin typeface="Times New Roman" panose="02020603050405020304" pitchFamily="18" charset="0"/>
                 <a:cs typeface="Times New Roman" panose="02020603050405020304" pitchFamily="18" charset="0"/>
               </a:rPr>
-              <a:t> sản phẩm theo danh mục</a:t>
+              <a:t> tin </a:t>
+            </a:r>
+            <a:r>
+              <a:rPr kumimoji="0" lang="en-US" sz="2400" b="0" i="0" u="none" strike="noStrike" kern="1200" cap="none" spc="0" normalizeH="0" noProof="0" dirty="0" err="1" smtClean="0">
+                <a:ln>
+                  <a:noFill/>
+                </a:ln>
+                <a:solidFill>
+                  <a:prstClr val="white"/>
+                </a:solidFill>
+                <a:effectLst/>
+                <a:uLnTx/>
+                <a:uFillTx/>
+                <a:latin typeface="Times New Roman" panose="02020603050405020304" pitchFamily="18" charset="0"/>
+                <a:cs typeface="Times New Roman" panose="02020603050405020304" pitchFamily="18" charset="0"/>
+              </a:rPr>
+              <a:t>người</a:t>
+            </a:r>
+            <a:r>
+              <a:rPr kumimoji="0" lang="en-US" sz="2400" b="0" i="0" u="none" strike="noStrike" kern="1200" cap="none" spc="0" normalizeH="0" noProof="0" dirty="0" smtClean="0">
+                <a:ln>
+                  <a:noFill/>
+                </a:ln>
+                <a:solidFill>
+                  <a:prstClr val="white"/>
+                </a:solidFill>
+                <a:effectLst/>
+                <a:uLnTx/>
+                <a:uFillTx/>
+                <a:latin typeface="Times New Roman" panose="02020603050405020304" pitchFamily="18" charset="0"/>
+                <a:cs typeface="Times New Roman" panose="02020603050405020304" pitchFamily="18" charset="0"/>
+              </a:rPr>
+              <a:t> </a:t>
+            </a:r>
+            <a:r>
+              <a:rPr kumimoji="0" lang="en-US" sz="2400" b="0" i="0" u="none" strike="noStrike" kern="1200" cap="none" spc="0" normalizeH="0" noProof="0" dirty="0" err="1" smtClean="0">
+                <a:ln>
+                  <a:noFill/>
+                </a:ln>
+                <a:solidFill>
+                  <a:prstClr val="white"/>
+                </a:solidFill>
+                <a:effectLst/>
+                <a:uLnTx/>
+                <a:uFillTx/>
+                <a:latin typeface="Times New Roman" panose="02020603050405020304" pitchFamily="18" charset="0"/>
+                <a:cs typeface="Times New Roman" panose="02020603050405020304" pitchFamily="18" charset="0"/>
+              </a:rPr>
+              <a:t>dùng</a:t>
             </a:r>
             <a:endParaRPr kumimoji="0" lang="en-US" sz="2400" b="0" i="0" u="none" strike="noStrike" kern="1200" cap="none" spc="0" normalizeH="0" baseline="0" noProof="0" dirty="0">
               <a:ln>
@@ -12345,7 +12523,7 @@
         <p:spPr>
           <a:xfrm>
             <a:off x="1405364" y="1903564"/>
-            <a:ext cx="3961766" cy="677108"/>
+            <a:ext cx="2172723" cy="677108"/>
           </a:xfrm>
           <a:prstGeom prst="rect">
             <a:avLst/>
@@ -12392,7 +12570,7 @@
               <a:t>- </a:t>
             </a:r>
             <a:r>
-              <a:rPr kumimoji="0" lang="en-US" sz="2000" b="0" i="0" u="none" strike="noStrike" kern="1200" cap="none" spc="0" normalizeH="0" baseline="0" noProof="0" dirty="0" smtClean="0">
+              <a:rPr kumimoji="0" lang="en-US" sz="2000" b="0" i="0" u="none" strike="noStrike" kern="1200" cap="none" spc="0" normalizeH="0" baseline="0" noProof="0" dirty="0">
                 <a:ln>
                   <a:noFill/>
                 </a:ln>
@@ -12405,21 +12583,24 @@
                 <a:latin typeface="Times New Roman" panose="02020603050405020304" pitchFamily="18" charset="0"/>
                 <a:cs typeface="Times New Roman" panose="02020603050405020304" pitchFamily="18" charset="0"/>
               </a:rPr>
-              <a:t>Biểu đồ lớp phân tích</a:t>
-            </a:r>
-            <a:endParaRPr kumimoji="0" lang="en-US" sz="1800" b="0" i="0" u="none" strike="noStrike" kern="1200" cap="none" spc="0" normalizeH="0" baseline="0" noProof="0" dirty="0">
-              <a:ln>
-                <a:noFill/>
-              </a:ln>
-              <a:solidFill>
-                <a:prstClr val="white"/>
-              </a:solidFill>
-              <a:effectLst/>
-              <a:uLnTx/>
-              <a:uFillTx/>
-              <a:latin typeface="Times New Roman" panose="02020603050405020304" pitchFamily="18" charset="0"/>
-              <a:cs typeface="Times New Roman" panose="02020603050405020304" pitchFamily="18" charset="0"/>
-            </a:endParaRPr>
+              <a:t>Biểu</a:t>
+            </a:r>
+            <a:r>
+              <a:rPr kumimoji="0" lang="en-US" sz="1800" b="0" i="0" u="none" strike="noStrike" kern="1200" cap="none" spc="0" normalizeH="0" baseline="0" noProof="0" dirty="0">
+                <a:ln>
+                  <a:noFill/>
+                </a:ln>
+                <a:solidFill>
+                  <a:prstClr val="white"/>
+                </a:solidFill>
+                <a:effectLst/>
+                <a:uLnTx/>
+                <a:uFillTx/>
+                <a:latin typeface="Times New Roman" panose="02020603050405020304" pitchFamily="18" charset="0"/>
+                <a:cs typeface="Times New Roman" panose="02020603050405020304" pitchFamily="18" charset="0"/>
+              </a:rPr>
+              <a:t> đồ trình tự</a:t>
+            </a:r>
           </a:p>
           <a:p>
             <a:pPr marL="0" marR="0" lvl="0" indent="0" algn="l" defTabSz="914400" rtl="0" eaLnBrk="1" fontAlgn="auto" latinLnBrk="0" hangingPunct="1">
@@ -12456,7 +12637,7 @@
       </p:sp>
       <p:pic>
         <p:nvPicPr>
-          <p:cNvPr id="5" name="Picture 4"/>
+          <p:cNvPr id="4" name="Picture 3"/>
           <p:cNvPicPr>
             <a:picLocks noChangeAspect="1"/>
           </p:cNvPicPr>
@@ -12470,8 +12651,8 @@
         </p:blipFill>
         <p:spPr>
           <a:xfrm>
-            <a:off x="2133600" y="2339419"/>
-            <a:ext cx="7924800" cy="3728005"/>
+            <a:off x="1456677" y="2242118"/>
+            <a:ext cx="8815083" cy="3838642"/>
           </a:xfrm>
           <a:prstGeom prst="rect">
             <a:avLst/>
@@ -12481,7 +12662,7 @@
     </p:spTree>
     <p:extLst>
       <p:ext uri="{BB962C8B-B14F-4D97-AF65-F5344CB8AC3E}">
-        <p14:creationId xmlns:p14="http://schemas.microsoft.com/office/powerpoint/2010/main" val="1070020997"/>
+        <p14:creationId xmlns:p14="http://schemas.microsoft.com/office/powerpoint/2010/main" val="1698996358"/>
       </p:ext>
     </p:extLst>
   </p:cSld>
@@ -12492,7 +12673,7 @@
     <mc:Choice Requires="p14">
       <p:transition spd="slow" p14:dur="2000"/>
     </mc:Choice>
-    <mc:Fallback xmlns="" xmlns:p15="http://schemas.microsoft.com/office/powerpoint/2012/main">
+    <mc:Fallback xmlns:p15="http://schemas.microsoft.com/office/powerpoint/2012/main" xmlns="">
       <p:transition spd="slow"/>
     </mc:Fallback>
   </mc:AlternateContent>
@@ -12670,7 +12851,7 @@
               <a:defRPr/>
             </a:pPr>
             <a:r>
-              <a:rPr kumimoji="0" lang="en-US" sz="2400" b="0" i="0" u="none" strike="noStrike" kern="1200" cap="none" spc="0" normalizeH="0" baseline="0" noProof="0" dirty="0" smtClean="0">
+              <a:rPr kumimoji="0" lang="en-US" sz="2400" b="0" i="0" u="none" strike="noStrike" kern="1200" cap="none" spc="0" normalizeH="0" baseline="0" noProof="0" dirty="0" err="1" smtClean="0">
                 <a:ln>
                   <a:noFill/>
                 </a:ln>
@@ -12683,7 +12864,7 @@
                 <a:latin typeface="Times New Roman" panose="02020603050405020304" pitchFamily="18" charset="0"/>
                 <a:cs typeface="Times New Roman" panose="02020603050405020304" pitchFamily="18" charset="0"/>
               </a:rPr>
-              <a:t>Xem chi tiết</a:t>
+              <a:t>Thông</a:t>
             </a:r>
             <a:r>
               <a:rPr kumimoji="0" lang="en-US" sz="2400" b="0" i="0" u="none" strike="noStrike" kern="1200" cap="none" spc="0" normalizeH="0" noProof="0" dirty="0" smtClean="0">
@@ -12699,7 +12880,55 @@
                 <a:latin typeface="Times New Roman" panose="02020603050405020304" pitchFamily="18" charset="0"/>
                 <a:cs typeface="Times New Roman" panose="02020603050405020304" pitchFamily="18" charset="0"/>
               </a:rPr>
-              <a:t> sản phẩm</a:t>
+              <a:t> tin </a:t>
+            </a:r>
+            <a:r>
+              <a:rPr kumimoji="0" lang="en-US" sz="2400" b="0" i="0" u="none" strike="noStrike" kern="1200" cap="none" spc="0" normalizeH="0" noProof="0" dirty="0" err="1" smtClean="0">
+                <a:ln>
+                  <a:noFill/>
+                </a:ln>
+                <a:solidFill>
+                  <a:prstClr val="white"/>
+                </a:solidFill>
+                <a:effectLst/>
+                <a:uLnTx/>
+                <a:uFillTx/>
+                <a:latin typeface="Times New Roman" panose="02020603050405020304" pitchFamily="18" charset="0"/>
+                <a:cs typeface="Times New Roman" panose="02020603050405020304" pitchFamily="18" charset="0"/>
+              </a:rPr>
+              <a:t>người</a:t>
+            </a:r>
+            <a:r>
+              <a:rPr kumimoji="0" lang="en-US" sz="2400" b="0" i="0" u="none" strike="noStrike" kern="1200" cap="none" spc="0" normalizeH="0" noProof="0" dirty="0" smtClean="0">
+                <a:ln>
+                  <a:noFill/>
+                </a:ln>
+                <a:solidFill>
+                  <a:prstClr val="white"/>
+                </a:solidFill>
+                <a:effectLst/>
+                <a:uLnTx/>
+                <a:uFillTx/>
+                <a:latin typeface="Times New Roman" panose="02020603050405020304" pitchFamily="18" charset="0"/>
+                <a:cs typeface="Times New Roman" panose="02020603050405020304" pitchFamily="18" charset="0"/>
+              </a:rPr>
+              <a:t> </a:t>
+            </a:r>
+            <a:r>
+              <a:rPr kumimoji="0" lang="en-US" sz="2400" b="0" i="0" u="none" strike="noStrike" kern="1200" cap="none" spc="0" normalizeH="0" noProof="0" dirty="0" err="1" smtClean="0">
+                <a:ln>
+                  <a:noFill/>
+                </a:ln>
+                <a:solidFill>
+                  <a:prstClr val="white"/>
+                </a:solidFill>
+                <a:effectLst/>
+                <a:uLnTx/>
+                <a:uFillTx/>
+                <a:latin typeface="Times New Roman" panose="02020603050405020304" pitchFamily="18" charset="0"/>
+                <a:cs typeface="Times New Roman" panose="02020603050405020304" pitchFamily="18" charset="0"/>
+              </a:rPr>
+              <a:t>dùng</a:t>
             </a:r>
             <a:endParaRPr kumimoji="0" lang="en-US" sz="2400" b="0" i="0" u="none" strike="noStrike" kern="1200" cap="none" spc="0" normalizeH="0" baseline="0" noProof="0" dirty="0">
               <a:ln>
@@ -12726,7 +12955,7 @@
         <p:spPr>
           <a:xfrm>
             <a:off x="1405364" y="1903564"/>
-            <a:ext cx="2172723" cy="677108"/>
+            <a:ext cx="3961766" cy="677108"/>
           </a:xfrm>
           <a:prstGeom prst="rect">
             <a:avLst/>
@@ -12773,7 +13002,7 @@
               <a:t>- </a:t>
             </a:r>
             <a:r>
-              <a:rPr kumimoji="0" lang="en-US" sz="2000" b="0" i="0" u="none" strike="noStrike" kern="1200" cap="none" spc="0" normalizeH="0" baseline="0" noProof="0" dirty="0">
+              <a:rPr kumimoji="0" lang="en-US" sz="2000" b="0" i="0" u="none" strike="noStrike" kern="1200" cap="none" spc="0" normalizeH="0" baseline="0" noProof="0" dirty="0" smtClean="0">
                 <a:ln>
                   <a:noFill/>
                 </a:ln>
@@ -12786,24 +13015,21 @@
                 <a:latin typeface="Times New Roman" panose="02020603050405020304" pitchFamily="18" charset="0"/>
                 <a:cs typeface="Times New Roman" panose="02020603050405020304" pitchFamily="18" charset="0"/>
               </a:rPr>
-              <a:t>Biểu</a:t>
-            </a:r>
-            <a:r>
-              <a:rPr kumimoji="0" lang="en-US" sz="1800" b="0" i="0" u="none" strike="noStrike" kern="1200" cap="none" spc="0" normalizeH="0" baseline="0" noProof="0" dirty="0">
-                <a:ln>
-                  <a:noFill/>
-                </a:ln>
-                <a:solidFill>
-                  <a:prstClr val="white"/>
-                </a:solidFill>
-                <a:effectLst/>
-                <a:uLnTx/>
-                <a:uFillTx/>
-                <a:latin typeface="Times New Roman" panose="02020603050405020304" pitchFamily="18" charset="0"/>
-                <a:cs typeface="Times New Roman" panose="02020603050405020304" pitchFamily="18" charset="0"/>
-              </a:rPr>
-              <a:t> đồ trình tự</a:t>
-            </a:r>
+              <a:t>Biểu đồ lớp phân tích</a:t>
+            </a:r>
+            <a:endParaRPr kumimoji="0" lang="en-US" sz="1800" b="0" i="0" u="none" strike="noStrike" kern="1200" cap="none" spc="0" normalizeH="0" baseline="0" noProof="0" dirty="0">
+              <a:ln>
+                <a:noFill/>
+              </a:ln>
+              <a:solidFill>
+                <a:prstClr val="white"/>
+              </a:solidFill>
+              <a:effectLst/>
+              <a:uLnTx/>
+              <a:uFillTx/>
+              <a:latin typeface="Times New Roman" panose="02020603050405020304" pitchFamily="18" charset="0"/>
+              <a:cs typeface="Times New Roman" panose="02020603050405020304" pitchFamily="18" charset="0"/>
+            </a:endParaRPr>
           </a:p>
           <a:p>
             <a:pPr marL="0" marR="0" lvl="0" indent="0" algn="l" defTabSz="914400" rtl="0" eaLnBrk="1" fontAlgn="auto" latinLnBrk="0" hangingPunct="1">
@@ -12854,8 +13080,8 @@
         </p:blipFill>
         <p:spPr>
           <a:xfrm>
-            <a:off x="2209800" y="2365228"/>
-            <a:ext cx="7772400" cy="3483121"/>
+            <a:off x="1331814" y="2339420"/>
+            <a:ext cx="9412013" cy="3771820"/>
           </a:xfrm>
           <a:prstGeom prst="rect">
             <a:avLst/>
@@ -12865,7 +13091,7 @@
     </p:spTree>
     <p:extLst>
       <p:ext uri="{BB962C8B-B14F-4D97-AF65-F5344CB8AC3E}">
-        <p14:creationId xmlns:p14="http://schemas.microsoft.com/office/powerpoint/2010/main" val="4228237379"/>
+        <p14:creationId xmlns:p14="http://schemas.microsoft.com/office/powerpoint/2010/main" val="2342494604"/>
       </p:ext>
     </p:extLst>
   </p:cSld>
@@ -12876,7 +13102,7 @@
     <mc:Choice Requires="p14">
       <p:transition spd="slow" p14:dur="2000"/>
     </mc:Choice>
-    <mc:Fallback xmlns="" xmlns:p15="http://schemas.microsoft.com/office/powerpoint/2012/main">
+    <mc:Fallback xmlns:p15="http://schemas.microsoft.com/office/powerpoint/2012/main" xmlns="">
       <p:transition spd="slow"/>
     </mc:Fallback>
   </mc:AlternateContent>
@@ -13067,7 +13293,7 @@
                 <a:latin typeface="Times New Roman" panose="02020603050405020304" pitchFamily="18" charset="0"/>
                 <a:cs typeface="Times New Roman" panose="02020603050405020304" pitchFamily="18" charset="0"/>
               </a:rPr>
-              <a:t>Xem</a:t>
+              <a:t>Xem sản</a:t>
             </a:r>
             <a:r>
               <a:rPr kumimoji="0" lang="en-US" sz="2400" b="0" i="0" u="none" strike="noStrike" kern="1200" cap="none" spc="0" normalizeH="0" noProof="0" dirty="0" smtClean="0">
@@ -13083,7 +13309,7 @@
                 <a:latin typeface="Times New Roman" panose="02020603050405020304" pitchFamily="18" charset="0"/>
                 <a:cs typeface="Times New Roman" panose="02020603050405020304" pitchFamily="18" charset="0"/>
               </a:rPr>
-              <a:t> chi tiết sản phẩm</a:t>
+              <a:t> phẩm theo danh mục</a:t>
             </a:r>
             <a:endParaRPr kumimoji="0" lang="en-US" sz="2400" b="0" i="0" u="none" strike="noStrike" kern="1200" cap="none" spc="0" normalizeH="0" baseline="0" noProof="0" dirty="0">
               <a:ln>
@@ -13110,7 +13336,7 @@
         <p:spPr>
           <a:xfrm>
             <a:off x="1405364" y="1903564"/>
-            <a:ext cx="3961766" cy="677108"/>
+            <a:ext cx="2172723" cy="677108"/>
           </a:xfrm>
           <a:prstGeom prst="rect">
             <a:avLst/>
@@ -13157,7 +13383,7 @@
               <a:t>- </a:t>
             </a:r>
             <a:r>
-              <a:rPr kumimoji="0" lang="en-US" sz="2000" b="0" i="0" u="none" strike="noStrike" kern="1200" cap="none" spc="0" normalizeH="0" baseline="0" noProof="0" dirty="0" smtClean="0">
+              <a:rPr kumimoji="0" lang="en-US" sz="2000" b="0" i="0" u="none" strike="noStrike" kern="1200" cap="none" spc="0" normalizeH="0" baseline="0" noProof="0" dirty="0">
                 <a:ln>
                   <a:noFill/>
                 </a:ln>
@@ -13170,21 +13396,24 @@
                 <a:latin typeface="Times New Roman" panose="02020603050405020304" pitchFamily="18" charset="0"/>
                 <a:cs typeface="Times New Roman" panose="02020603050405020304" pitchFamily="18" charset="0"/>
               </a:rPr>
-              <a:t>Biểu đồ lớp phân tích</a:t>
-            </a:r>
-            <a:endParaRPr kumimoji="0" lang="en-US" sz="1800" b="0" i="0" u="none" strike="noStrike" kern="1200" cap="none" spc="0" normalizeH="0" baseline="0" noProof="0" dirty="0">
-              <a:ln>
-                <a:noFill/>
-              </a:ln>
-              <a:solidFill>
-                <a:prstClr val="white"/>
-              </a:solidFill>
-              <a:effectLst/>
-              <a:uLnTx/>
-              <a:uFillTx/>
-              <a:latin typeface="Times New Roman" panose="02020603050405020304" pitchFamily="18" charset="0"/>
-              <a:cs typeface="Times New Roman" panose="02020603050405020304" pitchFamily="18" charset="0"/>
-            </a:endParaRPr>
+              <a:t>Biểu</a:t>
+            </a:r>
+            <a:r>
+              <a:rPr kumimoji="0" lang="en-US" sz="1800" b="0" i="0" u="none" strike="noStrike" kern="1200" cap="none" spc="0" normalizeH="0" baseline="0" noProof="0" dirty="0">
+                <a:ln>
+                  <a:noFill/>
+                </a:ln>
+                <a:solidFill>
+                  <a:prstClr val="white"/>
+                </a:solidFill>
+                <a:effectLst/>
+                <a:uLnTx/>
+                <a:uFillTx/>
+                <a:latin typeface="Times New Roman" panose="02020603050405020304" pitchFamily="18" charset="0"/>
+                <a:cs typeface="Times New Roman" panose="02020603050405020304" pitchFamily="18" charset="0"/>
+              </a:rPr>
+              <a:t> đồ trình tự</a:t>
+            </a:r>
           </a:p>
           <a:p>
             <a:pPr marL="0" marR="0" lvl="0" indent="0" algn="l" defTabSz="914400" rtl="0" eaLnBrk="1" fontAlgn="auto" latinLnBrk="0" hangingPunct="1">
@@ -13221,7 +13450,7 @@
       </p:sp>
       <p:pic>
         <p:nvPicPr>
-          <p:cNvPr id="6" name="Picture 5"/>
+          <p:cNvPr id="4" name="Picture 3"/>
           <p:cNvPicPr>
             <a:picLocks noChangeAspect="1"/>
           </p:cNvPicPr>
@@ -13235,8 +13464,8 @@
         </p:blipFill>
         <p:spPr>
           <a:xfrm>
-            <a:off x="2632006" y="2242118"/>
-            <a:ext cx="7458075" cy="3800873"/>
+            <a:off x="2009775" y="2365229"/>
+            <a:ext cx="8172450" cy="3704267"/>
           </a:xfrm>
           <a:prstGeom prst="rect">
             <a:avLst/>
@@ -13246,7 +13475,7 @@
     </p:spTree>
     <p:extLst>
       <p:ext uri="{BB962C8B-B14F-4D97-AF65-F5344CB8AC3E}">
-        <p14:creationId xmlns:p14="http://schemas.microsoft.com/office/powerpoint/2010/main" val="3342292692"/>
+        <p14:creationId xmlns:p14="http://schemas.microsoft.com/office/powerpoint/2010/main" val="1620215413"/>
       </p:ext>
     </p:extLst>
   </p:cSld>
@@ -13257,7 +13486,7 @@
     <mc:Choice Requires="p14">
       <p:transition spd="slow" p14:dur="2000"/>
     </mc:Choice>
-    <mc:Fallback xmlns="" xmlns:p15="http://schemas.microsoft.com/office/powerpoint/2012/main">
+    <mc:Fallback xmlns:p15="http://schemas.microsoft.com/office/powerpoint/2012/main" xmlns="">
       <p:transition spd="slow"/>
     </mc:Fallback>
   </mc:AlternateContent>
@@ -13448,7 +13677,7 @@
                 <a:latin typeface="Times New Roman" panose="02020603050405020304" pitchFamily="18" charset="0"/>
                 <a:cs typeface="Times New Roman" panose="02020603050405020304" pitchFamily="18" charset="0"/>
               </a:rPr>
-              <a:t>Tìm</a:t>
+              <a:t>Xem</a:t>
             </a:r>
             <a:r>
               <a:rPr kumimoji="0" lang="en-US" sz="2400" b="0" i="0" u="none" strike="noStrike" kern="1200" cap="none" spc="0" normalizeH="0" noProof="0" dirty="0" smtClean="0">
@@ -13464,7 +13693,7 @@
                 <a:latin typeface="Times New Roman" panose="02020603050405020304" pitchFamily="18" charset="0"/>
                 <a:cs typeface="Times New Roman" panose="02020603050405020304" pitchFamily="18" charset="0"/>
               </a:rPr>
-              <a:t> kiếm sản phẩm</a:t>
+              <a:t> sản phẩm theo danh mục</a:t>
             </a:r>
             <a:endParaRPr kumimoji="0" lang="en-US" sz="2400" b="0" i="0" u="none" strike="noStrike" kern="1200" cap="none" spc="0" normalizeH="0" baseline="0" noProof="0" dirty="0">
               <a:ln>
@@ -13491,7 +13720,7 @@
         <p:spPr>
           <a:xfrm>
             <a:off x="1405364" y="1903564"/>
-            <a:ext cx="2172723" cy="677108"/>
+            <a:ext cx="3961766" cy="677108"/>
           </a:xfrm>
           <a:prstGeom prst="rect">
             <a:avLst/>
@@ -13538,7 +13767,7 @@
               <a:t>- </a:t>
             </a:r>
             <a:r>
-              <a:rPr kumimoji="0" lang="en-US" sz="2000" b="0" i="0" u="none" strike="noStrike" kern="1200" cap="none" spc="0" normalizeH="0" baseline="0" noProof="0" dirty="0">
+              <a:rPr kumimoji="0" lang="en-US" sz="2000" b="0" i="0" u="none" strike="noStrike" kern="1200" cap="none" spc="0" normalizeH="0" baseline="0" noProof="0" dirty="0" smtClean="0">
                 <a:ln>
                   <a:noFill/>
                 </a:ln>
@@ -13551,24 +13780,21 @@
                 <a:latin typeface="Times New Roman" panose="02020603050405020304" pitchFamily="18" charset="0"/>
                 <a:cs typeface="Times New Roman" panose="02020603050405020304" pitchFamily="18" charset="0"/>
               </a:rPr>
-              <a:t>Biểu</a:t>
-            </a:r>
-            <a:r>
-              <a:rPr kumimoji="0" lang="en-US" sz="1800" b="0" i="0" u="none" strike="noStrike" kern="1200" cap="none" spc="0" normalizeH="0" baseline="0" noProof="0" dirty="0">
-                <a:ln>
-                  <a:noFill/>
-                </a:ln>
-                <a:solidFill>
-                  <a:prstClr val="white"/>
-                </a:solidFill>
-                <a:effectLst/>
-                <a:uLnTx/>
-                <a:uFillTx/>
-                <a:latin typeface="Times New Roman" panose="02020603050405020304" pitchFamily="18" charset="0"/>
-                <a:cs typeface="Times New Roman" panose="02020603050405020304" pitchFamily="18" charset="0"/>
-              </a:rPr>
-              <a:t> đồ trình tự</a:t>
-            </a:r>
+              <a:t>Biểu đồ lớp phân tích</a:t>
+            </a:r>
+            <a:endParaRPr kumimoji="0" lang="en-US" sz="1800" b="0" i="0" u="none" strike="noStrike" kern="1200" cap="none" spc="0" normalizeH="0" baseline="0" noProof="0" dirty="0">
+              <a:ln>
+                <a:noFill/>
+              </a:ln>
+              <a:solidFill>
+                <a:prstClr val="white"/>
+              </a:solidFill>
+              <a:effectLst/>
+              <a:uLnTx/>
+              <a:uFillTx/>
+              <a:latin typeface="Times New Roman" panose="02020603050405020304" pitchFamily="18" charset="0"/>
+              <a:cs typeface="Times New Roman" panose="02020603050405020304" pitchFamily="18" charset="0"/>
+            </a:endParaRPr>
           </a:p>
           <a:p>
             <a:pPr marL="0" marR="0" lvl="0" indent="0" algn="l" defTabSz="914400" rtl="0" eaLnBrk="1" fontAlgn="auto" latinLnBrk="0" hangingPunct="1">
@@ -13605,7 +13831,7 @@
       </p:sp>
       <p:pic>
         <p:nvPicPr>
-          <p:cNvPr id="4" name="Picture 3"/>
+          <p:cNvPr id="5" name="Picture 4"/>
           <p:cNvPicPr>
             <a:picLocks noChangeAspect="1"/>
           </p:cNvPicPr>
@@ -13619,8 +13845,8 @@
         </p:blipFill>
         <p:spPr>
           <a:xfrm>
-            <a:off x="2228850" y="2365228"/>
-            <a:ext cx="7734300" cy="3597421"/>
+            <a:off x="2133600" y="2339419"/>
+            <a:ext cx="7924800" cy="3728005"/>
           </a:xfrm>
           <a:prstGeom prst="rect">
             <a:avLst/>
@@ -13630,7 +13856,7 @@
     </p:spTree>
     <p:extLst>
       <p:ext uri="{BB962C8B-B14F-4D97-AF65-F5344CB8AC3E}">
-        <p14:creationId xmlns:p14="http://schemas.microsoft.com/office/powerpoint/2010/main" val="449508041"/>
+        <p14:creationId xmlns:p14="http://schemas.microsoft.com/office/powerpoint/2010/main" val="1070020997"/>
       </p:ext>
     </p:extLst>
   </p:cSld>
@@ -13641,7 +13867,7 @@
     <mc:Choice Requires="p14">
       <p:transition spd="slow" p14:dur="2000"/>
     </mc:Choice>
-    <mc:Fallback xmlns="" xmlns:p15="http://schemas.microsoft.com/office/powerpoint/2012/main">
+    <mc:Fallback xmlns:p15="http://schemas.microsoft.com/office/powerpoint/2012/main" xmlns="">
       <p:transition spd="slow"/>
     </mc:Fallback>
   </mc:AlternateContent>
@@ -13832,7 +14058,7 @@
                 <a:latin typeface="Times New Roman" panose="02020603050405020304" pitchFamily="18" charset="0"/>
                 <a:cs typeface="Times New Roman" panose="02020603050405020304" pitchFamily="18" charset="0"/>
               </a:rPr>
-              <a:t>Tìm</a:t>
+              <a:t>Xem chi tiết</a:t>
             </a:r>
             <a:r>
               <a:rPr kumimoji="0" lang="en-US" sz="2400" b="0" i="0" u="none" strike="noStrike" kern="1200" cap="none" spc="0" normalizeH="0" noProof="0" dirty="0" smtClean="0">
@@ -13848,7 +14074,7 @@
                 <a:latin typeface="Times New Roman" panose="02020603050405020304" pitchFamily="18" charset="0"/>
                 <a:cs typeface="Times New Roman" panose="02020603050405020304" pitchFamily="18" charset="0"/>
               </a:rPr>
-              <a:t> kiếm sản phẩm</a:t>
+              <a:t> sản phẩm</a:t>
             </a:r>
             <a:endParaRPr kumimoji="0" lang="en-US" sz="2400" b="0" i="0" u="none" strike="noStrike" kern="1200" cap="none" spc="0" normalizeH="0" baseline="0" noProof="0" dirty="0">
               <a:ln>
@@ -13875,7 +14101,7 @@
         <p:spPr>
           <a:xfrm>
             <a:off x="1405364" y="1903564"/>
-            <a:ext cx="3961766" cy="677108"/>
+            <a:ext cx="2172723" cy="677108"/>
           </a:xfrm>
           <a:prstGeom prst="rect">
             <a:avLst/>
@@ -13922,7 +14148,7 @@
               <a:t>- </a:t>
             </a:r>
             <a:r>
-              <a:rPr kumimoji="0" lang="en-US" sz="2000" b="0" i="0" u="none" strike="noStrike" kern="1200" cap="none" spc="0" normalizeH="0" baseline="0" noProof="0" dirty="0" smtClean="0">
+              <a:rPr kumimoji="0" lang="en-US" sz="2000" b="0" i="0" u="none" strike="noStrike" kern="1200" cap="none" spc="0" normalizeH="0" baseline="0" noProof="0" dirty="0">
                 <a:ln>
                   <a:noFill/>
                 </a:ln>
@@ -13935,21 +14161,24 @@
                 <a:latin typeface="Times New Roman" panose="02020603050405020304" pitchFamily="18" charset="0"/>
                 <a:cs typeface="Times New Roman" panose="02020603050405020304" pitchFamily="18" charset="0"/>
               </a:rPr>
-              <a:t>Biểu đồ lớp phân tích</a:t>
-            </a:r>
-            <a:endParaRPr kumimoji="0" lang="en-US" sz="1800" b="0" i="0" u="none" strike="noStrike" kern="1200" cap="none" spc="0" normalizeH="0" baseline="0" noProof="0" dirty="0">
-              <a:ln>
-                <a:noFill/>
-              </a:ln>
-              <a:solidFill>
-                <a:prstClr val="white"/>
-              </a:solidFill>
-              <a:effectLst/>
-              <a:uLnTx/>
-              <a:uFillTx/>
-              <a:latin typeface="Times New Roman" panose="02020603050405020304" pitchFamily="18" charset="0"/>
-              <a:cs typeface="Times New Roman" panose="02020603050405020304" pitchFamily="18" charset="0"/>
-            </a:endParaRPr>
+              <a:t>Biểu</a:t>
+            </a:r>
+            <a:r>
+              <a:rPr kumimoji="0" lang="en-US" sz="1800" b="0" i="0" u="none" strike="noStrike" kern="1200" cap="none" spc="0" normalizeH="0" baseline="0" noProof="0" dirty="0">
+                <a:ln>
+                  <a:noFill/>
+                </a:ln>
+                <a:solidFill>
+                  <a:prstClr val="white"/>
+                </a:solidFill>
+                <a:effectLst/>
+                <a:uLnTx/>
+                <a:uFillTx/>
+                <a:latin typeface="Times New Roman" panose="02020603050405020304" pitchFamily="18" charset="0"/>
+                <a:cs typeface="Times New Roman" panose="02020603050405020304" pitchFamily="18" charset="0"/>
+              </a:rPr>
+              <a:t> đồ trình tự</a:t>
+            </a:r>
           </a:p>
           <a:p>
             <a:pPr marL="0" marR="0" lvl="0" indent="0" algn="l" defTabSz="914400" rtl="0" eaLnBrk="1" fontAlgn="auto" latinLnBrk="0" hangingPunct="1">
@@ -14000,8 +14229,8 @@
         </p:blipFill>
         <p:spPr>
           <a:xfrm>
-            <a:off x="2262187" y="2226365"/>
-            <a:ext cx="7667625" cy="3644348"/>
+            <a:off x="2209800" y="2365228"/>
+            <a:ext cx="7772400" cy="3483121"/>
           </a:xfrm>
           <a:prstGeom prst="rect">
             <a:avLst/>
@@ -14011,7 +14240,7 @@
     </p:spTree>
     <p:extLst>
       <p:ext uri="{BB962C8B-B14F-4D97-AF65-F5344CB8AC3E}">
-        <p14:creationId xmlns:p14="http://schemas.microsoft.com/office/powerpoint/2010/main" val="886097603"/>
+        <p14:creationId xmlns:p14="http://schemas.microsoft.com/office/powerpoint/2010/main" val="4228237379"/>
       </p:ext>
     </p:extLst>
   </p:cSld>
@@ -14022,7 +14251,7 @@
     <mc:Choice Requires="p14">
       <p:transition spd="slow" p14:dur="2000"/>
     </mc:Choice>
-    <mc:Fallback xmlns="" xmlns:p15="http://schemas.microsoft.com/office/powerpoint/2012/main">
+    <mc:Fallback xmlns:p15="http://schemas.microsoft.com/office/powerpoint/2012/main" xmlns="">
       <p:transition spd="slow"/>
     </mc:Fallback>
   </mc:AlternateContent>
@@ -14200,14 +14429,36 @@
               <a:defRPr/>
             </a:pPr>
             <a:r>
-              <a:rPr lang="en-US" sz="2400" dirty="0" smtClean="0">
+              <a:rPr kumimoji="0" lang="en-US" sz="2400" b="0" i="0" u="none" strike="noStrike" kern="1200" cap="none" spc="0" normalizeH="0" baseline="0" noProof="0" dirty="0" smtClean="0">
+                <a:ln>
+                  <a:noFill/>
+                </a:ln>
                 <a:solidFill>
                   <a:prstClr val="white"/>
                 </a:solidFill>
+                <a:effectLst/>
+                <a:uLnTx/>
+                <a:uFillTx/>
                 <a:latin typeface="Times New Roman" panose="02020603050405020304" pitchFamily="18" charset="0"/>
                 <a:cs typeface="Times New Roman" panose="02020603050405020304" pitchFamily="18" charset="0"/>
               </a:rPr>
-              <a:t>Đăng kí nhận thông tin</a:t>
+              <a:t>Xem</a:t>
+            </a:r>
+            <a:r>
+              <a:rPr kumimoji="0" lang="en-US" sz="2400" b="0" i="0" u="none" strike="noStrike" kern="1200" cap="none" spc="0" normalizeH="0" noProof="0" dirty="0" smtClean="0">
+                <a:ln>
+                  <a:noFill/>
+                </a:ln>
+                <a:solidFill>
+                  <a:prstClr val="white"/>
+                </a:solidFill>
+                <a:effectLst/>
+                <a:uLnTx/>
+                <a:uFillTx/>
+                <a:latin typeface="Times New Roman" panose="02020603050405020304" pitchFamily="18" charset="0"/>
+                <a:cs typeface="Times New Roman" panose="02020603050405020304" pitchFamily="18" charset="0"/>
+              </a:rPr>
+              <a:t> chi tiết sản phẩm</a:t>
             </a:r>
             <a:endParaRPr kumimoji="0" lang="en-US" sz="2400" b="0" i="0" u="none" strike="noStrike" kern="1200" cap="none" spc="0" normalizeH="0" baseline="0" noProof="0" dirty="0">
               <a:ln>
@@ -14234,7 +14485,7 @@
         <p:spPr>
           <a:xfrm>
             <a:off x="1405364" y="1903564"/>
-            <a:ext cx="2172723" cy="677108"/>
+            <a:ext cx="3961766" cy="677108"/>
           </a:xfrm>
           <a:prstGeom prst="rect">
             <a:avLst/>
@@ -14281,7 +14532,7 @@
               <a:t>- </a:t>
             </a:r>
             <a:r>
-              <a:rPr kumimoji="0" lang="en-US" sz="2000" b="0" i="0" u="none" strike="noStrike" kern="1200" cap="none" spc="0" normalizeH="0" baseline="0" noProof="0" dirty="0">
+              <a:rPr kumimoji="0" lang="en-US" sz="2000" b="0" i="0" u="none" strike="noStrike" kern="1200" cap="none" spc="0" normalizeH="0" baseline="0" noProof="0" dirty="0" smtClean="0">
                 <a:ln>
                   <a:noFill/>
                 </a:ln>
@@ -14294,24 +14545,21 @@
                 <a:latin typeface="Times New Roman" panose="02020603050405020304" pitchFamily="18" charset="0"/>
                 <a:cs typeface="Times New Roman" panose="02020603050405020304" pitchFamily="18" charset="0"/>
               </a:rPr>
-              <a:t>Biểu</a:t>
-            </a:r>
-            <a:r>
-              <a:rPr kumimoji="0" lang="en-US" sz="1800" b="0" i="0" u="none" strike="noStrike" kern="1200" cap="none" spc="0" normalizeH="0" baseline="0" noProof="0" dirty="0">
-                <a:ln>
-                  <a:noFill/>
-                </a:ln>
-                <a:solidFill>
-                  <a:prstClr val="white"/>
-                </a:solidFill>
-                <a:effectLst/>
-                <a:uLnTx/>
-                <a:uFillTx/>
-                <a:latin typeface="Times New Roman" panose="02020603050405020304" pitchFamily="18" charset="0"/>
-                <a:cs typeface="Times New Roman" panose="02020603050405020304" pitchFamily="18" charset="0"/>
-              </a:rPr>
-              <a:t> đồ trình tự</a:t>
-            </a:r>
+              <a:t>Biểu đồ lớp phân tích</a:t>
+            </a:r>
+            <a:endParaRPr kumimoji="0" lang="en-US" sz="1800" b="0" i="0" u="none" strike="noStrike" kern="1200" cap="none" spc="0" normalizeH="0" baseline="0" noProof="0" dirty="0">
+              <a:ln>
+                <a:noFill/>
+              </a:ln>
+              <a:solidFill>
+                <a:prstClr val="white"/>
+              </a:solidFill>
+              <a:effectLst/>
+              <a:uLnTx/>
+              <a:uFillTx/>
+              <a:latin typeface="Times New Roman" panose="02020603050405020304" pitchFamily="18" charset="0"/>
+              <a:cs typeface="Times New Roman" panose="02020603050405020304" pitchFamily="18" charset="0"/>
+            </a:endParaRPr>
           </a:p>
           <a:p>
             <a:pPr marL="0" marR="0" lvl="0" indent="0" algn="l" defTabSz="914400" rtl="0" eaLnBrk="1" fontAlgn="auto" latinLnBrk="0" hangingPunct="1">
@@ -14348,7 +14596,7 @@
       </p:sp>
       <p:pic>
         <p:nvPicPr>
-          <p:cNvPr id="5" name="Picture 4"/>
+          <p:cNvPr id="6" name="Picture 5"/>
           <p:cNvPicPr>
             <a:picLocks noChangeAspect="1"/>
           </p:cNvPicPr>
@@ -14362,8 +14610,8 @@
         </p:blipFill>
         <p:spPr>
           <a:xfrm>
-            <a:off x="1966912" y="2365228"/>
-            <a:ext cx="8258175" cy="3692671"/>
+            <a:off x="2632006" y="2242118"/>
+            <a:ext cx="7458075" cy="3800873"/>
           </a:xfrm>
           <a:prstGeom prst="rect">
             <a:avLst/>
@@ -14373,7 +14621,7 @@
     </p:spTree>
     <p:extLst>
       <p:ext uri="{BB962C8B-B14F-4D97-AF65-F5344CB8AC3E}">
-        <p14:creationId xmlns:p14="http://schemas.microsoft.com/office/powerpoint/2010/main" val="1414748006"/>
+        <p14:creationId xmlns:p14="http://schemas.microsoft.com/office/powerpoint/2010/main" val="3342292692"/>
       </p:ext>
     </p:extLst>
   </p:cSld>
@@ -14384,7 +14632,7 @@
     <mc:Choice Requires="p14">
       <p:transition spd="slow" p14:dur="2000"/>
     </mc:Choice>
-    <mc:Fallback xmlns="" xmlns:p15="http://schemas.microsoft.com/office/powerpoint/2012/main">
+    <mc:Fallback xmlns:p15="http://schemas.microsoft.com/office/powerpoint/2012/main" xmlns="">
       <p:transition spd="slow"/>
     </mc:Fallback>
   </mc:AlternateContent>
@@ -14734,7 +14982,7 @@
     <mc:Choice Requires="p14">
       <p:transition spd="slow" p14:dur="2000"/>
     </mc:Choice>
-    <mc:Fallback xmlns="" xmlns:p15="http://schemas.microsoft.com/office/powerpoint/2012/main">
+    <mc:Fallback xmlns:p15="http://schemas.microsoft.com/office/powerpoint/2012/main" xmlns="">
       <p:transition spd="slow"/>
     </mc:Fallback>
   </mc:AlternateContent>
@@ -14912,14 +15160,36 @@
               <a:defRPr/>
             </a:pPr>
             <a:r>
-              <a:rPr lang="en-US" sz="2400" dirty="0" smtClean="0">
+              <a:rPr kumimoji="0" lang="en-US" sz="2400" b="0" i="0" u="none" strike="noStrike" kern="1200" cap="none" spc="0" normalizeH="0" baseline="0" noProof="0" dirty="0" smtClean="0">
+                <a:ln>
+                  <a:noFill/>
+                </a:ln>
                 <a:solidFill>
                   <a:prstClr val="white"/>
                 </a:solidFill>
+                <a:effectLst/>
+                <a:uLnTx/>
+                <a:uFillTx/>
                 <a:latin typeface="Times New Roman" panose="02020603050405020304" pitchFamily="18" charset="0"/>
                 <a:cs typeface="Times New Roman" panose="02020603050405020304" pitchFamily="18" charset="0"/>
               </a:rPr>
-              <a:t>Đăng kí nhận thông tin</a:t>
+              <a:t>Tìm</a:t>
+            </a:r>
+            <a:r>
+              <a:rPr kumimoji="0" lang="en-US" sz="2400" b="0" i="0" u="none" strike="noStrike" kern="1200" cap="none" spc="0" normalizeH="0" noProof="0" dirty="0" smtClean="0">
+                <a:ln>
+                  <a:noFill/>
+                </a:ln>
+                <a:solidFill>
+                  <a:prstClr val="white"/>
+                </a:solidFill>
+                <a:effectLst/>
+                <a:uLnTx/>
+                <a:uFillTx/>
+                <a:latin typeface="Times New Roman" panose="02020603050405020304" pitchFamily="18" charset="0"/>
+                <a:cs typeface="Times New Roman" panose="02020603050405020304" pitchFamily="18" charset="0"/>
+              </a:rPr>
+              <a:t> kiếm sản phẩm</a:t>
             </a:r>
             <a:endParaRPr kumimoji="0" lang="en-US" sz="2400" b="0" i="0" u="none" strike="noStrike" kern="1200" cap="none" spc="0" normalizeH="0" baseline="0" noProof="0" dirty="0">
               <a:ln>
@@ -14946,7 +15216,7 @@
         <p:spPr>
           <a:xfrm>
             <a:off x="1405364" y="1903564"/>
-            <a:ext cx="3961766" cy="677108"/>
+            <a:ext cx="2172723" cy="677108"/>
           </a:xfrm>
           <a:prstGeom prst="rect">
             <a:avLst/>
@@ -14993,7 +15263,7 @@
               <a:t>- </a:t>
             </a:r>
             <a:r>
-              <a:rPr kumimoji="0" lang="en-US" sz="2000" b="0" i="0" u="none" strike="noStrike" kern="1200" cap="none" spc="0" normalizeH="0" baseline="0" noProof="0" dirty="0" smtClean="0">
+              <a:rPr kumimoji="0" lang="en-US" sz="2000" b="0" i="0" u="none" strike="noStrike" kern="1200" cap="none" spc="0" normalizeH="0" baseline="0" noProof="0" dirty="0">
                 <a:ln>
                   <a:noFill/>
                 </a:ln>
@@ -15006,21 +15276,24 @@
                 <a:latin typeface="Times New Roman" panose="02020603050405020304" pitchFamily="18" charset="0"/>
                 <a:cs typeface="Times New Roman" panose="02020603050405020304" pitchFamily="18" charset="0"/>
               </a:rPr>
-              <a:t>Biểu đồ lớp phân tích</a:t>
-            </a:r>
-            <a:endParaRPr kumimoji="0" lang="en-US" sz="1800" b="0" i="0" u="none" strike="noStrike" kern="1200" cap="none" spc="0" normalizeH="0" baseline="0" noProof="0" dirty="0">
-              <a:ln>
-                <a:noFill/>
-              </a:ln>
-              <a:solidFill>
-                <a:prstClr val="white"/>
-              </a:solidFill>
-              <a:effectLst/>
-              <a:uLnTx/>
-              <a:uFillTx/>
-              <a:latin typeface="Times New Roman" panose="02020603050405020304" pitchFamily="18" charset="0"/>
-              <a:cs typeface="Times New Roman" panose="02020603050405020304" pitchFamily="18" charset="0"/>
-            </a:endParaRPr>
+              <a:t>Biểu</a:t>
+            </a:r>
+            <a:r>
+              <a:rPr kumimoji="0" lang="en-US" sz="1800" b="0" i="0" u="none" strike="noStrike" kern="1200" cap="none" spc="0" normalizeH="0" baseline="0" noProof="0" dirty="0">
+                <a:ln>
+                  <a:noFill/>
+                </a:ln>
+                <a:solidFill>
+                  <a:prstClr val="white"/>
+                </a:solidFill>
+                <a:effectLst/>
+                <a:uLnTx/>
+                <a:uFillTx/>
+                <a:latin typeface="Times New Roman" panose="02020603050405020304" pitchFamily="18" charset="0"/>
+                <a:cs typeface="Times New Roman" panose="02020603050405020304" pitchFamily="18" charset="0"/>
+              </a:rPr>
+              <a:t> đồ trình tự</a:t>
+            </a:r>
           </a:p>
           <a:p>
             <a:pPr marL="0" marR="0" lvl="0" indent="0" algn="l" defTabSz="914400" rtl="0" eaLnBrk="1" fontAlgn="auto" latinLnBrk="0" hangingPunct="1">
@@ -15071,8 +15344,8 @@
         </p:blipFill>
         <p:spPr>
           <a:xfrm>
-            <a:off x="2471736" y="2242119"/>
-            <a:ext cx="7248525" cy="3734612"/>
+            <a:off x="2228850" y="2365228"/>
+            <a:ext cx="7734300" cy="3597421"/>
           </a:xfrm>
           <a:prstGeom prst="rect">
             <a:avLst/>
@@ -15082,7 +15355,7 @@
     </p:spTree>
     <p:extLst>
       <p:ext uri="{BB962C8B-B14F-4D97-AF65-F5344CB8AC3E}">
-        <p14:creationId xmlns:p14="http://schemas.microsoft.com/office/powerpoint/2010/main" val="811708155"/>
+        <p14:creationId xmlns:p14="http://schemas.microsoft.com/office/powerpoint/2010/main" val="449508041"/>
       </p:ext>
     </p:extLst>
   </p:cSld>
@@ -15093,7 +15366,7 @@
     <mc:Choice Requires="p14">
       <p:transition spd="slow" p14:dur="2000"/>
     </mc:Choice>
-    <mc:Fallback xmlns="" xmlns:p15="http://schemas.microsoft.com/office/powerpoint/2012/main">
+    <mc:Fallback xmlns:p15="http://schemas.microsoft.com/office/powerpoint/2012/main" xmlns="">
       <p:transition spd="slow"/>
     </mc:Fallback>
   </mc:AlternateContent>
@@ -15284,7 +15557,23 @@
                 <a:latin typeface="Times New Roman" panose="02020603050405020304" pitchFamily="18" charset="0"/>
                 <a:cs typeface="Times New Roman" panose="02020603050405020304" pitchFamily="18" charset="0"/>
               </a:rPr>
-              <a:t>Đăng kí nhận thông tin</a:t>
+              <a:t>Tìm</a:t>
+            </a:r>
+            <a:r>
+              <a:rPr kumimoji="0" lang="en-US" sz="2400" b="0" i="0" u="none" strike="noStrike" kern="1200" cap="none" spc="0" normalizeH="0" noProof="0" dirty="0" smtClean="0">
+                <a:ln>
+                  <a:noFill/>
+                </a:ln>
+                <a:solidFill>
+                  <a:prstClr val="white"/>
+                </a:solidFill>
+                <a:effectLst/>
+                <a:uLnTx/>
+                <a:uFillTx/>
+                <a:latin typeface="Times New Roman" panose="02020603050405020304" pitchFamily="18" charset="0"/>
+                <a:cs typeface="Times New Roman" panose="02020603050405020304" pitchFamily="18" charset="0"/>
+              </a:rPr>
+              <a:t> kiếm sản phẩm</a:t>
             </a:r>
             <a:endParaRPr kumimoji="0" lang="en-US" sz="2400" b="0" i="0" u="none" strike="noStrike" kern="1200" cap="none" spc="0" normalizeH="0" baseline="0" noProof="0" dirty="0">
               <a:ln>
@@ -15311,7 +15600,7 @@
         <p:spPr>
           <a:xfrm>
             <a:off x="1405364" y="1903564"/>
-            <a:ext cx="2172723" cy="677108"/>
+            <a:ext cx="3961766" cy="677108"/>
           </a:xfrm>
           <a:prstGeom prst="rect">
             <a:avLst/>
@@ -15358,7 +15647,7 @@
               <a:t>- </a:t>
             </a:r>
             <a:r>
-              <a:rPr kumimoji="0" lang="en-US" sz="2000" b="0" i="0" u="none" strike="noStrike" kern="1200" cap="none" spc="0" normalizeH="0" baseline="0" noProof="0" dirty="0">
+              <a:rPr kumimoji="0" lang="en-US" sz="2000" b="0" i="0" u="none" strike="noStrike" kern="1200" cap="none" spc="0" normalizeH="0" baseline="0" noProof="0" dirty="0" smtClean="0">
                 <a:ln>
                   <a:noFill/>
                 </a:ln>
@@ -15371,24 +15660,21 @@
                 <a:latin typeface="Times New Roman" panose="02020603050405020304" pitchFamily="18" charset="0"/>
                 <a:cs typeface="Times New Roman" panose="02020603050405020304" pitchFamily="18" charset="0"/>
               </a:rPr>
-              <a:t>Biểu</a:t>
-            </a:r>
-            <a:r>
-              <a:rPr kumimoji="0" lang="en-US" sz="1800" b="0" i="0" u="none" strike="noStrike" kern="1200" cap="none" spc="0" normalizeH="0" baseline="0" noProof="0" dirty="0">
-                <a:ln>
-                  <a:noFill/>
-                </a:ln>
-                <a:solidFill>
-                  <a:prstClr val="white"/>
-                </a:solidFill>
-                <a:effectLst/>
-                <a:uLnTx/>
-                <a:uFillTx/>
-                <a:latin typeface="Times New Roman" panose="02020603050405020304" pitchFamily="18" charset="0"/>
-                <a:cs typeface="Times New Roman" panose="02020603050405020304" pitchFamily="18" charset="0"/>
-              </a:rPr>
-              <a:t> đồ trình tự</a:t>
-            </a:r>
+              <a:t>Biểu đồ lớp phân tích</a:t>
+            </a:r>
+            <a:endParaRPr kumimoji="0" lang="en-US" sz="1800" b="0" i="0" u="none" strike="noStrike" kern="1200" cap="none" spc="0" normalizeH="0" baseline="0" noProof="0" dirty="0">
+              <a:ln>
+                <a:noFill/>
+              </a:ln>
+              <a:solidFill>
+                <a:prstClr val="white"/>
+              </a:solidFill>
+              <a:effectLst/>
+              <a:uLnTx/>
+              <a:uFillTx/>
+              <a:latin typeface="Times New Roman" panose="02020603050405020304" pitchFamily="18" charset="0"/>
+              <a:cs typeface="Times New Roman" panose="02020603050405020304" pitchFamily="18" charset="0"/>
+            </a:endParaRPr>
           </a:p>
           <a:p>
             <a:pPr marL="0" marR="0" lvl="0" indent="0" algn="l" defTabSz="914400" rtl="0" eaLnBrk="1" fontAlgn="auto" latinLnBrk="0" hangingPunct="1">
@@ -15425,7 +15711,7 @@
       </p:sp>
       <p:pic>
         <p:nvPicPr>
-          <p:cNvPr id="7" name="Picture 6"/>
+          <p:cNvPr id="5" name="Picture 4"/>
           <p:cNvPicPr>
             <a:picLocks noChangeAspect="1"/>
           </p:cNvPicPr>
@@ -15439,8 +15725,8 @@
         </p:blipFill>
         <p:spPr>
           <a:xfrm>
-            <a:off x="2471736" y="2242119"/>
-            <a:ext cx="7248525" cy="3734612"/>
+            <a:off x="2262187" y="2226365"/>
+            <a:ext cx="7667625" cy="3644348"/>
           </a:xfrm>
           <a:prstGeom prst="rect">
             <a:avLst/>
@@ -15450,7 +15736,7 @@
     </p:spTree>
     <p:extLst>
       <p:ext uri="{BB962C8B-B14F-4D97-AF65-F5344CB8AC3E}">
-        <p14:creationId xmlns:p14="http://schemas.microsoft.com/office/powerpoint/2010/main" val="1314027357"/>
+        <p14:creationId xmlns:p14="http://schemas.microsoft.com/office/powerpoint/2010/main" val="886097603"/>
       </p:ext>
     </p:extLst>
   </p:cSld>
@@ -15461,7 +15747,7 @@
     <mc:Choice Requires="p14">
       <p:transition spd="slow" p14:dur="2000"/>
     </mc:Choice>
-    <mc:Fallback xmlns="" xmlns:p15="http://schemas.microsoft.com/office/powerpoint/2012/main">
+    <mc:Fallback xmlns:p15="http://schemas.microsoft.com/office/powerpoint/2012/main" xmlns="">
       <p:transition spd="slow"/>
     </mc:Fallback>
   </mc:AlternateContent>
@@ -15639,14 +15925,14 @@
               <a:defRPr/>
             </a:pPr>
             <a:r>
-              <a:rPr lang="en-US" sz="2400" noProof="0" dirty="0" smtClean="0">
+              <a:rPr lang="en-US" sz="2400" dirty="0" smtClean="0">
                 <a:solidFill>
                   <a:prstClr val="white"/>
                 </a:solidFill>
                 <a:latin typeface="Times New Roman" panose="02020603050405020304" pitchFamily="18" charset="0"/>
                 <a:cs typeface="Times New Roman" panose="02020603050405020304" pitchFamily="18" charset="0"/>
               </a:rPr>
-              <a:t>Đặt hàng</a:t>
+              <a:t>Đăng kí nhận thông tin</a:t>
             </a:r>
             <a:endParaRPr kumimoji="0" lang="en-US" sz="2400" b="0" i="0" u="none" strike="noStrike" kern="1200" cap="none" spc="0" normalizeH="0" baseline="0" noProof="0" dirty="0">
               <a:ln>
@@ -15787,7 +16073,7 @@
       </p:sp>
       <p:pic>
         <p:nvPicPr>
-          <p:cNvPr id="4" name="Picture 3"/>
+          <p:cNvPr id="5" name="Picture 4"/>
           <p:cNvPicPr>
             <a:picLocks noChangeAspect="1"/>
           </p:cNvPicPr>
@@ -15801,8 +16087,8 @@
         </p:blipFill>
         <p:spPr>
           <a:xfrm>
-            <a:off x="1890712" y="2365229"/>
-            <a:ext cx="8410575" cy="3584997"/>
+            <a:off x="1966912" y="2365228"/>
+            <a:ext cx="8258175" cy="3692671"/>
           </a:xfrm>
           <a:prstGeom prst="rect">
             <a:avLst/>
@@ -15812,7 +16098,7 @@
     </p:spTree>
     <p:extLst>
       <p:ext uri="{BB962C8B-B14F-4D97-AF65-F5344CB8AC3E}">
-        <p14:creationId xmlns:p14="http://schemas.microsoft.com/office/powerpoint/2010/main" val="444798182"/>
+        <p14:creationId xmlns:p14="http://schemas.microsoft.com/office/powerpoint/2010/main" val="1414748006"/>
       </p:ext>
     </p:extLst>
   </p:cSld>
@@ -15823,7 +16109,7 @@
     <mc:Choice Requires="p14">
       <p:transition spd="slow" p14:dur="2000"/>
     </mc:Choice>
-    <mc:Fallback xmlns="" xmlns:p15="http://schemas.microsoft.com/office/powerpoint/2012/main">
+    <mc:Fallback xmlns:p15="http://schemas.microsoft.com/office/powerpoint/2012/main" xmlns="">
       <p:transition spd="slow"/>
     </mc:Fallback>
   </mc:AlternateContent>
@@ -16001,14 +16287,14 @@
               <a:defRPr/>
             </a:pPr>
             <a:r>
-              <a:rPr lang="en-US" sz="2400" noProof="0" dirty="0" smtClean="0">
+              <a:rPr lang="en-US" sz="2400" dirty="0" smtClean="0">
                 <a:solidFill>
                   <a:prstClr val="white"/>
                 </a:solidFill>
                 <a:latin typeface="Times New Roman" panose="02020603050405020304" pitchFamily="18" charset="0"/>
                 <a:cs typeface="Times New Roman" panose="02020603050405020304" pitchFamily="18" charset="0"/>
               </a:rPr>
-              <a:t>Đặt hàng</a:t>
+              <a:t>Đăng kí nhận thông tin</a:t>
             </a:r>
             <a:endParaRPr kumimoji="0" lang="en-US" sz="2400" b="0" i="0" u="none" strike="noStrike" kern="1200" cap="none" spc="0" normalizeH="0" baseline="0" noProof="0" dirty="0">
               <a:ln>
@@ -16035,7 +16321,7 @@
         <p:spPr>
           <a:xfrm>
             <a:off x="1405364" y="1903564"/>
-            <a:ext cx="2172723" cy="677108"/>
+            <a:ext cx="3961766" cy="677108"/>
           </a:xfrm>
           <a:prstGeom prst="rect">
             <a:avLst/>
@@ -16082,7 +16368,7 @@
               <a:t>- </a:t>
             </a:r>
             <a:r>
-              <a:rPr kumimoji="0" lang="en-US" sz="2000" b="0" i="0" u="none" strike="noStrike" kern="1200" cap="none" spc="0" normalizeH="0" baseline="0" noProof="0" dirty="0">
+              <a:rPr kumimoji="0" lang="en-US" sz="2000" b="0" i="0" u="none" strike="noStrike" kern="1200" cap="none" spc="0" normalizeH="0" baseline="0" noProof="0" dirty="0" smtClean="0">
                 <a:ln>
                   <a:noFill/>
                 </a:ln>
@@ -16095,24 +16381,21 @@
                 <a:latin typeface="Times New Roman" panose="02020603050405020304" pitchFamily="18" charset="0"/>
                 <a:cs typeface="Times New Roman" panose="02020603050405020304" pitchFamily="18" charset="0"/>
               </a:rPr>
-              <a:t>Biểu</a:t>
-            </a:r>
-            <a:r>
-              <a:rPr kumimoji="0" lang="en-US" sz="1800" b="0" i="0" u="none" strike="noStrike" kern="1200" cap="none" spc="0" normalizeH="0" baseline="0" noProof="0" dirty="0">
-                <a:ln>
-                  <a:noFill/>
-                </a:ln>
-                <a:solidFill>
-                  <a:prstClr val="white"/>
-                </a:solidFill>
-                <a:effectLst/>
-                <a:uLnTx/>
-                <a:uFillTx/>
-                <a:latin typeface="Times New Roman" panose="02020603050405020304" pitchFamily="18" charset="0"/>
-                <a:cs typeface="Times New Roman" panose="02020603050405020304" pitchFamily="18" charset="0"/>
-              </a:rPr>
-              <a:t> đồ trình tự</a:t>
-            </a:r>
+              <a:t>Biểu đồ lớp phân tích</a:t>
+            </a:r>
+            <a:endParaRPr kumimoji="0" lang="en-US" sz="1800" b="0" i="0" u="none" strike="noStrike" kern="1200" cap="none" spc="0" normalizeH="0" baseline="0" noProof="0" dirty="0">
+              <a:ln>
+                <a:noFill/>
+              </a:ln>
+              <a:solidFill>
+                <a:prstClr val="white"/>
+              </a:solidFill>
+              <a:effectLst/>
+              <a:uLnTx/>
+              <a:uFillTx/>
+              <a:latin typeface="Times New Roman" panose="02020603050405020304" pitchFamily="18" charset="0"/>
+              <a:cs typeface="Times New Roman" panose="02020603050405020304" pitchFamily="18" charset="0"/>
+            </a:endParaRPr>
           </a:p>
           <a:p>
             <a:pPr marL="0" marR="0" lvl="0" indent="0" algn="l" defTabSz="914400" rtl="0" eaLnBrk="1" fontAlgn="auto" latinLnBrk="0" hangingPunct="1">
@@ -16149,7 +16432,7 @@
       </p:sp>
       <p:pic>
         <p:nvPicPr>
-          <p:cNvPr id="5" name="Picture 4"/>
+          <p:cNvPr id="4" name="Picture 3"/>
           <p:cNvPicPr>
             <a:picLocks noChangeAspect="1"/>
           </p:cNvPicPr>
@@ -16163,8 +16446,8 @@
         </p:blipFill>
         <p:spPr>
           <a:xfrm>
-            <a:off x="1852612" y="2365228"/>
-            <a:ext cx="8486775" cy="3651259"/>
+            <a:off x="2471736" y="2242119"/>
+            <a:ext cx="7248525" cy="3734612"/>
           </a:xfrm>
           <a:prstGeom prst="rect">
             <a:avLst/>
@@ -16174,7 +16457,7 @@
     </p:spTree>
     <p:extLst>
       <p:ext uri="{BB962C8B-B14F-4D97-AF65-F5344CB8AC3E}">
-        <p14:creationId xmlns:p14="http://schemas.microsoft.com/office/powerpoint/2010/main" val="4015691864"/>
+        <p14:creationId xmlns:p14="http://schemas.microsoft.com/office/powerpoint/2010/main" val="811708155"/>
       </p:ext>
     </p:extLst>
   </p:cSld>
@@ -16185,7 +16468,7 @@
     <mc:Choice Requires="p14">
       <p:transition spd="slow" p14:dur="2000"/>
     </mc:Choice>
-    <mc:Fallback xmlns="" xmlns:p15="http://schemas.microsoft.com/office/powerpoint/2012/main">
+    <mc:Fallback xmlns:p15="http://schemas.microsoft.com/office/powerpoint/2012/main" xmlns="">
       <p:transition spd="slow"/>
     </mc:Fallback>
   </mc:AlternateContent>
@@ -16363,14 +16646,20 @@
               <a:defRPr/>
             </a:pPr>
             <a:r>
-              <a:rPr lang="en-US" sz="2400" noProof="0" dirty="0" smtClean="0">
+              <a:rPr kumimoji="0" lang="en-US" sz="2400" b="0" i="0" u="none" strike="noStrike" kern="1200" cap="none" spc="0" normalizeH="0" baseline="0" noProof="0" dirty="0" smtClean="0">
+                <a:ln>
+                  <a:noFill/>
+                </a:ln>
                 <a:solidFill>
                   <a:prstClr val="white"/>
                 </a:solidFill>
+                <a:effectLst/>
+                <a:uLnTx/>
+                <a:uFillTx/>
                 <a:latin typeface="Times New Roman" panose="02020603050405020304" pitchFamily="18" charset="0"/>
                 <a:cs typeface="Times New Roman" panose="02020603050405020304" pitchFamily="18" charset="0"/>
               </a:rPr>
-              <a:t>Đặt hàng</a:t>
+              <a:t>Đăng kí nhận thông tin</a:t>
             </a:r>
             <a:endParaRPr kumimoji="0" lang="en-US" sz="2400" b="0" i="0" u="none" strike="noStrike" kern="1200" cap="none" spc="0" normalizeH="0" baseline="0" noProof="0" dirty="0">
               <a:ln>
@@ -16397,7 +16686,7 @@
         <p:spPr>
           <a:xfrm>
             <a:off x="1405364" y="1903564"/>
-            <a:ext cx="3961766" cy="677108"/>
+            <a:ext cx="2172723" cy="677108"/>
           </a:xfrm>
           <a:prstGeom prst="rect">
             <a:avLst/>
@@ -16444,7 +16733,7 @@
               <a:t>- </a:t>
             </a:r>
             <a:r>
-              <a:rPr kumimoji="0" lang="en-US" sz="2000" b="0" i="0" u="none" strike="noStrike" kern="1200" cap="none" spc="0" normalizeH="0" baseline="0" noProof="0" dirty="0" smtClean="0">
+              <a:rPr kumimoji="0" lang="en-US" sz="2000" b="0" i="0" u="none" strike="noStrike" kern="1200" cap="none" spc="0" normalizeH="0" baseline="0" noProof="0" dirty="0">
                 <a:ln>
                   <a:noFill/>
                 </a:ln>
@@ -16457,21 +16746,24 @@
                 <a:latin typeface="Times New Roman" panose="02020603050405020304" pitchFamily="18" charset="0"/>
                 <a:cs typeface="Times New Roman" panose="02020603050405020304" pitchFamily="18" charset="0"/>
               </a:rPr>
-              <a:t>Biểu đồ lớp phân tích</a:t>
-            </a:r>
-            <a:endParaRPr kumimoji="0" lang="en-US" sz="1800" b="0" i="0" u="none" strike="noStrike" kern="1200" cap="none" spc="0" normalizeH="0" baseline="0" noProof="0" dirty="0">
-              <a:ln>
-                <a:noFill/>
-              </a:ln>
-              <a:solidFill>
-                <a:prstClr val="white"/>
-              </a:solidFill>
-              <a:effectLst/>
-              <a:uLnTx/>
-              <a:uFillTx/>
-              <a:latin typeface="Times New Roman" panose="02020603050405020304" pitchFamily="18" charset="0"/>
-              <a:cs typeface="Times New Roman" panose="02020603050405020304" pitchFamily="18" charset="0"/>
-            </a:endParaRPr>
+              <a:t>Biểu</a:t>
+            </a:r>
+            <a:r>
+              <a:rPr kumimoji="0" lang="en-US" sz="1800" b="0" i="0" u="none" strike="noStrike" kern="1200" cap="none" spc="0" normalizeH="0" baseline="0" noProof="0" dirty="0">
+                <a:ln>
+                  <a:noFill/>
+                </a:ln>
+                <a:solidFill>
+                  <a:prstClr val="white"/>
+                </a:solidFill>
+                <a:effectLst/>
+                <a:uLnTx/>
+                <a:uFillTx/>
+                <a:latin typeface="Times New Roman" panose="02020603050405020304" pitchFamily="18" charset="0"/>
+                <a:cs typeface="Times New Roman" panose="02020603050405020304" pitchFamily="18" charset="0"/>
+              </a:rPr>
+              <a:t> đồ trình tự</a:t>
+            </a:r>
           </a:p>
           <a:p>
             <a:pPr marL="0" marR="0" lvl="0" indent="0" algn="l" defTabSz="914400" rtl="0" eaLnBrk="1" fontAlgn="auto" latinLnBrk="0" hangingPunct="1">
@@ -16508,7 +16800,7 @@
       </p:sp>
       <p:pic>
         <p:nvPicPr>
-          <p:cNvPr id="5" name="Picture 4"/>
+          <p:cNvPr id="7" name="Picture 6"/>
           <p:cNvPicPr>
             <a:picLocks noChangeAspect="1"/>
           </p:cNvPicPr>
@@ -16522,8 +16814,8 @@
         </p:blipFill>
         <p:spPr>
           <a:xfrm>
-            <a:off x="2000250" y="2339420"/>
-            <a:ext cx="8191500" cy="3650563"/>
+            <a:off x="2471736" y="2242119"/>
+            <a:ext cx="7248525" cy="3734612"/>
           </a:xfrm>
           <a:prstGeom prst="rect">
             <a:avLst/>
@@ -16533,7 +16825,7 @@
     </p:spTree>
     <p:extLst>
       <p:ext uri="{BB962C8B-B14F-4D97-AF65-F5344CB8AC3E}">
-        <p14:creationId xmlns:p14="http://schemas.microsoft.com/office/powerpoint/2010/main" val="4124212329"/>
+        <p14:creationId xmlns:p14="http://schemas.microsoft.com/office/powerpoint/2010/main" val="1314027357"/>
       </p:ext>
     </p:extLst>
   </p:cSld>
@@ -16544,7 +16836,7 @@
     <mc:Choice Requires="p14">
       <p:transition spd="slow" p14:dur="2000"/>
     </mc:Choice>
-    <mc:Fallback xmlns="" xmlns:p15="http://schemas.microsoft.com/office/powerpoint/2012/main">
+    <mc:Fallback xmlns:p15="http://schemas.microsoft.com/office/powerpoint/2012/main" xmlns="">
       <p:transition spd="slow"/>
     </mc:Fallback>
   </mc:AlternateContent>
@@ -16722,14 +17014,14 @@
               <a:defRPr/>
             </a:pPr>
             <a:r>
-              <a:rPr lang="en-US" sz="2400" dirty="0" smtClean="0">
+              <a:rPr lang="en-US" sz="2400" noProof="0" dirty="0" smtClean="0">
                 <a:solidFill>
                   <a:prstClr val="white"/>
                 </a:solidFill>
                 <a:latin typeface="Times New Roman" panose="02020603050405020304" pitchFamily="18" charset="0"/>
                 <a:cs typeface="Times New Roman" panose="02020603050405020304" pitchFamily="18" charset="0"/>
               </a:rPr>
-              <a:t>Quản lí danh mục</a:t>
+              <a:t>Đặt hàng</a:t>
             </a:r>
             <a:endParaRPr kumimoji="0" lang="en-US" sz="2400" b="0" i="0" u="none" strike="noStrike" kern="1200" cap="none" spc="0" normalizeH="0" baseline="0" noProof="0" dirty="0">
               <a:ln>
@@ -16870,7 +17162,7 @@
       </p:sp>
       <p:pic>
         <p:nvPicPr>
-          <p:cNvPr id="6" name="Picture 5"/>
+          <p:cNvPr id="4" name="Picture 3"/>
           <p:cNvPicPr>
             <a:picLocks noChangeAspect="1"/>
           </p:cNvPicPr>
@@ -16884,8 +17176,8 @@
         </p:blipFill>
         <p:spPr>
           <a:xfrm>
-            <a:off x="2009775" y="2399521"/>
-            <a:ext cx="8172450" cy="3630218"/>
+            <a:off x="1890712" y="2365229"/>
+            <a:ext cx="8410575" cy="3584997"/>
           </a:xfrm>
           <a:prstGeom prst="rect">
             <a:avLst/>
@@ -16895,7 +17187,7 @@
     </p:spTree>
     <p:extLst>
       <p:ext uri="{BB962C8B-B14F-4D97-AF65-F5344CB8AC3E}">
-        <p14:creationId xmlns:p14="http://schemas.microsoft.com/office/powerpoint/2010/main" val="3335344120"/>
+        <p14:creationId xmlns:p14="http://schemas.microsoft.com/office/powerpoint/2010/main" val="444798182"/>
       </p:ext>
     </p:extLst>
   </p:cSld>
@@ -16906,7 +17198,7 @@
     <mc:Choice Requires="p14">
       <p:transition spd="slow" p14:dur="2000"/>
     </mc:Choice>
-    <mc:Fallback xmlns="" xmlns:p15="http://schemas.microsoft.com/office/powerpoint/2012/main">
+    <mc:Fallback xmlns:p15="http://schemas.microsoft.com/office/powerpoint/2012/main" xmlns="">
       <p:transition spd="slow"/>
     </mc:Fallback>
   </mc:AlternateContent>
@@ -17084,14 +17376,14 @@
               <a:defRPr/>
             </a:pPr>
             <a:r>
-              <a:rPr lang="en-US" sz="2400" dirty="0" smtClean="0">
+              <a:rPr lang="en-US" sz="2400" noProof="0" dirty="0" smtClean="0">
                 <a:solidFill>
                   <a:prstClr val="white"/>
                 </a:solidFill>
                 <a:latin typeface="Times New Roman" panose="02020603050405020304" pitchFamily="18" charset="0"/>
                 <a:cs typeface="Times New Roman" panose="02020603050405020304" pitchFamily="18" charset="0"/>
               </a:rPr>
-              <a:t>Quản lí danh mục</a:t>
+              <a:t>Đặt hàng</a:t>
             </a:r>
             <a:endParaRPr kumimoji="0" lang="en-US" sz="2400" b="0" i="0" u="none" strike="noStrike" kern="1200" cap="none" spc="0" normalizeH="0" baseline="0" noProof="0" dirty="0">
               <a:ln>
@@ -17232,7 +17524,7 @@
       </p:sp>
       <p:pic>
         <p:nvPicPr>
-          <p:cNvPr id="4" name="Picture 3"/>
+          <p:cNvPr id="5" name="Picture 4"/>
           <p:cNvPicPr>
             <a:picLocks noChangeAspect="1"/>
           </p:cNvPicPr>
@@ -17246,8 +17538,8 @@
         </p:blipFill>
         <p:spPr>
           <a:xfrm>
-            <a:off x="2138362" y="2399522"/>
-            <a:ext cx="7915275" cy="3643470"/>
+            <a:off x="1852612" y="2365228"/>
+            <a:ext cx="8486775" cy="3651259"/>
           </a:xfrm>
           <a:prstGeom prst="rect">
             <a:avLst/>
@@ -17257,7 +17549,7 @@
     </p:spTree>
     <p:extLst>
       <p:ext uri="{BB962C8B-B14F-4D97-AF65-F5344CB8AC3E}">
-        <p14:creationId xmlns:p14="http://schemas.microsoft.com/office/powerpoint/2010/main" val="854064031"/>
+        <p14:creationId xmlns:p14="http://schemas.microsoft.com/office/powerpoint/2010/main" val="4015691864"/>
       </p:ext>
     </p:extLst>
   </p:cSld>
@@ -17268,7 +17560,7 @@
     <mc:Choice Requires="p14">
       <p:transition spd="slow" p14:dur="2000"/>
     </mc:Choice>
-    <mc:Fallback xmlns="" xmlns:p15="http://schemas.microsoft.com/office/powerpoint/2012/main">
+    <mc:Fallback xmlns:p15="http://schemas.microsoft.com/office/powerpoint/2012/main" xmlns="">
       <p:transition spd="slow"/>
     </mc:Fallback>
   </mc:AlternateContent>
@@ -17446,14 +17738,14 @@
               <a:defRPr/>
             </a:pPr>
             <a:r>
-              <a:rPr lang="en-US" sz="2400" dirty="0" smtClean="0">
+              <a:rPr lang="en-US" sz="2400" noProof="0" dirty="0" smtClean="0">
                 <a:solidFill>
                   <a:prstClr val="white"/>
                 </a:solidFill>
                 <a:latin typeface="Times New Roman" panose="02020603050405020304" pitchFamily="18" charset="0"/>
                 <a:cs typeface="Times New Roman" panose="02020603050405020304" pitchFamily="18" charset="0"/>
               </a:rPr>
-              <a:t>Quản lí danh mục</a:t>
+              <a:t>Đặt hàng</a:t>
             </a:r>
             <a:endParaRPr kumimoji="0" lang="en-US" sz="2400" b="0" i="0" u="none" strike="noStrike" kern="1200" cap="none" spc="0" normalizeH="0" baseline="0" noProof="0" dirty="0">
               <a:ln>
@@ -17480,7 +17772,7 @@
         <p:spPr>
           <a:xfrm>
             <a:off x="1405364" y="1903564"/>
-            <a:ext cx="2172723" cy="677108"/>
+            <a:ext cx="3961766" cy="677108"/>
           </a:xfrm>
           <a:prstGeom prst="rect">
             <a:avLst/>
@@ -17527,7 +17819,7 @@
               <a:t>- </a:t>
             </a:r>
             <a:r>
-              <a:rPr kumimoji="0" lang="en-US" sz="2000" b="0" i="0" u="none" strike="noStrike" kern="1200" cap="none" spc="0" normalizeH="0" baseline="0" noProof="0" dirty="0">
+              <a:rPr kumimoji="0" lang="en-US" sz="2000" b="0" i="0" u="none" strike="noStrike" kern="1200" cap="none" spc="0" normalizeH="0" baseline="0" noProof="0" dirty="0" smtClean="0">
                 <a:ln>
                   <a:noFill/>
                 </a:ln>
@@ -17540,24 +17832,21 @@
                 <a:latin typeface="Times New Roman" panose="02020603050405020304" pitchFamily="18" charset="0"/>
                 <a:cs typeface="Times New Roman" panose="02020603050405020304" pitchFamily="18" charset="0"/>
               </a:rPr>
-              <a:t>Biểu</a:t>
-            </a:r>
-            <a:r>
-              <a:rPr kumimoji="0" lang="en-US" sz="1800" b="0" i="0" u="none" strike="noStrike" kern="1200" cap="none" spc="0" normalizeH="0" baseline="0" noProof="0" dirty="0">
-                <a:ln>
-                  <a:noFill/>
-                </a:ln>
-                <a:solidFill>
-                  <a:prstClr val="white"/>
-                </a:solidFill>
-                <a:effectLst/>
-                <a:uLnTx/>
-                <a:uFillTx/>
-                <a:latin typeface="Times New Roman" panose="02020603050405020304" pitchFamily="18" charset="0"/>
-                <a:cs typeface="Times New Roman" panose="02020603050405020304" pitchFamily="18" charset="0"/>
-              </a:rPr>
-              <a:t> đồ trình tự</a:t>
-            </a:r>
+              <a:t>Biểu đồ lớp phân tích</a:t>
+            </a:r>
+            <a:endParaRPr kumimoji="0" lang="en-US" sz="1800" b="0" i="0" u="none" strike="noStrike" kern="1200" cap="none" spc="0" normalizeH="0" baseline="0" noProof="0" dirty="0">
+              <a:ln>
+                <a:noFill/>
+              </a:ln>
+              <a:solidFill>
+                <a:prstClr val="white"/>
+              </a:solidFill>
+              <a:effectLst/>
+              <a:uLnTx/>
+              <a:uFillTx/>
+              <a:latin typeface="Times New Roman" panose="02020603050405020304" pitchFamily="18" charset="0"/>
+              <a:cs typeface="Times New Roman" panose="02020603050405020304" pitchFamily="18" charset="0"/>
+            </a:endParaRPr>
           </a:p>
           <a:p>
             <a:pPr marL="0" marR="0" lvl="0" indent="0" algn="l" defTabSz="914400" rtl="0" eaLnBrk="1" fontAlgn="auto" latinLnBrk="0" hangingPunct="1">
@@ -17608,8 +17897,8 @@
         </p:blipFill>
         <p:spPr>
           <a:xfrm>
-            <a:off x="2166937" y="2365229"/>
-            <a:ext cx="7858125" cy="3658379"/>
+            <a:off x="2000250" y="2339420"/>
+            <a:ext cx="8191500" cy="3650563"/>
           </a:xfrm>
           <a:prstGeom prst="rect">
             <a:avLst/>
@@ -17619,7 +17908,7 @@
     </p:spTree>
     <p:extLst>
       <p:ext uri="{BB962C8B-B14F-4D97-AF65-F5344CB8AC3E}">
-        <p14:creationId xmlns:p14="http://schemas.microsoft.com/office/powerpoint/2010/main" val="494988987"/>
+        <p14:creationId xmlns:p14="http://schemas.microsoft.com/office/powerpoint/2010/main" val="4124212329"/>
       </p:ext>
     </p:extLst>
   </p:cSld>
@@ -17630,7 +17919,7 @@
     <mc:Choice Requires="p14">
       <p:transition spd="slow" p14:dur="2000"/>
     </mc:Choice>
-    <mc:Fallback xmlns="" xmlns:p15="http://schemas.microsoft.com/office/powerpoint/2012/main">
+    <mc:Fallback xmlns:p15="http://schemas.microsoft.com/office/powerpoint/2012/main" xmlns="">
       <p:transition spd="slow"/>
     </mc:Fallback>
   </mc:AlternateContent>
@@ -17956,7 +18245,7 @@
       </p:sp>
       <p:pic>
         <p:nvPicPr>
-          <p:cNvPr id="4" name="Picture 3"/>
+          <p:cNvPr id="6" name="Picture 5"/>
           <p:cNvPicPr>
             <a:picLocks noChangeAspect="1"/>
           </p:cNvPicPr>
@@ -17970,8 +18259,8 @@
         </p:blipFill>
         <p:spPr>
           <a:xfrm>
-            <a:off x="2233612" y="2399520"/>
-            <a:ext cx="7724775" cy="3601229"/>
+            <a:off x="2009775" y="2399521"/>
+            <a:ext cx="8172450" cy="3630218"/>
           </a:xfrm>
           <a:prstGeom prst="rect">
             <a:avLst/>
@@ -17981,7 +18270,7 @@
     </p:spTree>
     <p:extLst>
       <p:ext uri="{BB962C8B-B14F-4D97-AF65-F5344CB8AC3E}">
-        <p14:creationId xmlns:p14="http://schemas.microsoft.com/office/powerpoint/2010/main" val="1026856704"/>
+        <p14:creationId xmlns:p14="http://schemas.microsoft.com/office/powerpoint/2010/main" val="3335344120"/>
       </p:ext>
     </p:extLst>
   </p:cSld>
@@ -17992,7 +18281,7 @@
     <mc:Choice Requires="p14">
       <p:transition spd="slow" p14:dur="2000"/>
     </mc:Choice>
-    <mc:Fallback xmlns="" xmlns:p15="http://schemas.microsoft.com/office/powerpoint/2012/main">
+    <mc:Fallback xmlns:p15="http://schemas.microsoft.com/office/powerpoint/2012/main" xmlns="">
       <p:transition spd="slow"/>
     </mc:Fallback>
   </mc:AlternateContent>
@@ -18170,36 +18459,14 @@
               <a:defRPr/>
             </a:pPr>
             <a:r>
-              <a:rPr kumimoji="0" lang="en-US" sz="2400" b="0" i="0" u="none" strike="noStrike" kern="1200" cap="none" spc="0" normalizeH="0" baseline="0" noProof="0" dirty="0" smtClean="0">
-                <a:ln>
-                  <a:noFill/>
-                </a:ln>
+              <a:rPr lang="en-US" sz="2400" dirty="0" smtClean="0">
                 <a:solidFill>
                   <a:prstClr val="white"/>
                 </a:solidFill>
-                <a:effectLst/>
-                <a:uLnTx/>
-                <a:uFillTx/>
                 <a:latin typeface="Times New Roman" panose="02020603050405020304" pitchFamily="18" charset="0"/>
                 <a:cs typeface="Times New Roman" panose="02020603050405020304" pitchFamily="18" charset="0"/>
               </a:rPr>
-              <a:t>Quản</a:t>
-            </a:r>
-            <a:r>
-              <a:rPr kumimoji="0" lang="en-US" sz="2400" b="0" i="0" u="none" strike="noStrike" kern="1200" cap="none" spc="0" normalizeH="0" noProof="0" dirty="0" smtClean="0">
-                <a:ln>
-                  <a:noFill/>
-                </a:ln>
-                <a:solidFill>
-                  <a:prstClr val="white"/>
-                </a:solidFill>
-                <a:effectLst/>
-                <a:uLnTx/>
-                <a:uFillTx/>
-                <a:latin typeface="Times New Roman" panose="02020603050405020304" pitchFamily="18" charset="0"/>
-                <a:cs typeface="Times New Roman" panose="02020603050405020304" pitchFamily="18" charset="0"/>
-              </a:rPr>
-              <a:t> lí danh mục</a:t>
+              <a:t>Quản lí danh mục</a:t>
             </a:r>
             <a:endParaRPr kumimoji="0" lang="en-US" sz="2400" b="0" i="0" u="none" strike="noStrike" kern="1200" cap="none" spc="0" normalizeH="0" baseline="0" noProof="0" dirty="0">
               <a:ln>
@@ -18226,7 +18493,7 @@
         <p:spPr>
           <a:xfrm>
             <a:off x="1405364" y="1903564"/>
-            <a:ext cx="3961766" cy="677108"/>
+            <a:ext cx="2172723" cy="677108"/>
           </a:xfrm>
           <a:prstGeom prst="rect">
             <a:avLst/>
@@ -18273,7 +18540,7 @@
               <a:t>- </a:t>
             </a:r>
             <a:r>
-              <a:rPr kumimoji="0" lang="en-US" sz="2000" b="0" i="0" u="none" strike="noStrike" kern="1200" cap="none" spc="0" normalizeH="0" baseline="0" noProof="0" dirty="0" smtClean="0">
+              <a:rPr kumimoji="0" lang="en-US" sz="2000" b="0" i="0" u="none" strike="noStrike" kern="1200" cap="none" spc="0" normalizeH="0" baseline="0" noProof="0" dirty="0">
                 <a:ln>
                   <a:noFill/>
                 </a:ln>
@@ -18286,21 +18553,24 @@
                 <a:latin typeface="Times New Roman" panose="02020603050405020304" pitchFamily="18" charset="0"/>
                 <a:cs typeface="Times New Roman" panose="02020603050405020304" pitchFamily="18" charset="0"/>
               </a:rPr>
-              <a:t>Biểu đồ lớp phân tích</a:t>
-            </a:r>
-            <a:endParaRPr kumimoji="0" lang="en-US" sz="1800" b="0" i="0" u="none" strike="noStrike" kern="1200" cap="none" spc="0" normalizeH="0" baseline="0" noProof="0" dirty="0">
-              <a:ln>
-                <a:noFill/>
-              </a:ln>
-              <a:solidFill>
-                <a:prstClr val="white"/>
-              </a:solidFill>
-              <a:effectLst/>
-              <a:uLnTx/>
-              <a:uFillTx/>
-              <a:latin typeface="Times New Roman" panose="02020603050405020304" pitchFamily="18" charset="0"/>
-              <a:cs typeface="Times New Roman" panose="02020603050405020304" pitchFamily="18" charset="0"/>
-            </a:endParaRPr>
+              <a:t>Biểu</a:t>
+            </a:r>
+            <a:r>
+              <a:rPr kumimoji="0" lang="en-US" sz="1800" b="0" i="0" u="none" strike="noStrike" kern="1200" cap="none" spc="0" normalizeH="0" baseline="0" noProof="0" dirty="0">
+                <a:ln>
+                  <a:noFill/>
+                </a:ln>
+                <a:solidFill>
+                  <a:prstClr val="white"/>
+                </a:solidFill>
+                <a:effectLst/>
+                <a:uLnTx/>
+                <a:uFillTx/>
+                <a:latin typeface="Times New Roman" panose="02020603050405020304" pitchFamily="18" charset="0"/>
+                <a:cs typeface="Times New Roman" panose="02020603050405020304" pitchFamily="18" charset="0"/>
+              </a:rPr>
+              <a:t> đồ trình tự</a:t>
+            </a:r>
           </a:p>
           <a:p>
             <a:pPr marL="0" marR="0" lvl="0" indent="0" algn="l" defTabSz="914400" rtl="0" eaLnBrk="1" fontAlgn="auto" latinLnBrk="0" hangingPunct="1">
@@ -18337,7 +18607,7 @@
       </p:sp>
       <p:pic>
         <p:nvPicPr>
-          <p:cNvPr id="6" name="Picture 5"/>
+          <p:cNvPr id="4" name="Picture 3"/>
           <p:cNvPicPr>
             <a:picLocks noChangeAspect="1"/>
           </p:cNvPicPr>
@@ -18351,8 +18621,8 @@
         </p:blipFill>
         <p:spPr>
           <a:xfrm>
-            <a:off x="2076449" y="2399521"/>
-            <a:ext cx="8039100" cy="3337480"/>
+            <a:off x="2138362" y="2399522"/>
+            <a:ext cx="7915275" cy="3643470"/>
           </a:xfrm>
           <a:prstGeom prst="rect">
             <a:avLst/>
@@ -18362,7 +18632,7 @@
     </p:spTree>
     <p:extLst>
       <p:ext uri="{BB962C8B-B14F-4D97-AF65-F5344CB8AC3E}">
-        <p14:creationId xmlns:p14="http://schemas.microsoft.com/office/powerpoint/2010/main" val="907120314"/>
+        <p14:creationId xmlns:p14="http://schemas.microsoft.com/office/powerpoint/2010/main" val="854064031"/>
       </p:ext>
     </p:extLst>
   </p:cSld>
@@ -18373,7 +18643,7 @@
     <mc:Choice Requires="p14">
       <p:transition spd="slow" p14:dur="2000"/>
     </mc:Choice>
-    <mc:Fallback xmlns="" xmlns:p15="http://schemas.microsoft.com/office/powerpoint/2012/main">
+    <mc:Fallback xmlns:p15="http://schemas.microsoft.com/office/powerpoint/2012/main" xmlns="">
       <p:transition spd="slow"/>
     </mc:Fallback>
   </mc:AlternateContent>
@@ -18526,7 +18796,7 @@
     <mc:Choice Requires="p14">
       <p:transition spd="slow" p14:dur="2000"/>
     </mc:Choice>
-    <mc:Fallback xmlns="" xmlns:p15="http://schemas.microsoft.com/office/powerpoint/2012/main">
+    <mc:Fallback xmlns:p15="http://schemas.microsoft.com/office/powerpoint/2012/main" xmlns="">
       <p:transition spd="slow"/>
     </mc:Fallback>
   </mc:AlternateContent>
@@ -18711,7 +18981,7 @@
                 <a:latin typeface="Times New Roman" panose="02020603050405020304" pitchFamily="18" charset="0"/>
                 <a:cs typeface="Times New Roman" panose="02020603050405020304" pitchFamily="18" charset="0"/>
               </a:rPr>
-              <a:t>Quản lí sản phẩm</a:t>
+              <a:t>Quản lí danh mục</a:t>
             </a:r>
             <a:endParaRPr kumimoji="0" lang="en-US" sz="2400" b="0" i="0" u="none" strike="noStrike" kern="1200" cap="none" spc="0" normalizeH="0" baseline="0" noProof="0" dirty="0">
               <a:ln>
@@ -18866,8 +19136,8 @@
         </p:blipFill>
         <p:spPr>
           <a:xfrm>
-            <a:off x="2090737" y="2399520"/>
-            <a:ext cx="8010525" cy="3630219"/>
+            <a:off x="2166937" y="2365229"/>
+            <a:ext cx="7858125" cy="3658379"/>
           </a:xfrm>
           <a:prstGeom prst="rect">
             <a:avLst/>
@@ -18877,7 +19147,7 @@
     </p:spTree>
     <p:extLst>
       <p:ext uri="{BB962C8B-B14F-4D97-AF65-F5344CB8AC3E}">
-        <p14:creationId xmlns:p14="http://schemas.microsoft.com/office/powerpoint/2010/main" val="3303188778"/>
+        <p14:creationId xmlns:p14="http://schemas.microsoft.com/office/powerpoint/2010/main" val="494988987"/>
       </p:ext>
     </p:extLst>
   </p:cSld>
@@ -18888,7 +19158,7 @@
     <mc:Choice Requires="p14">
       <p:transition spd="slow" p14:dur="2000"/>
     </mc:Choice>
-    <mc:Fallback xmlns="" xmlns:p15="http://schemas.microsoft.com/office/powerpoint/2012/main">
+    <mc:Fallback xmlns:p15="http://schemas.microsoft.com/office/powerpoint/2012/main" xmlns="">
       <p:transition spd="slow"/>
     </mc:Fallback>
   </mc:AlternateContent>
@@ -19073,7 +19343,7 @@
                 <a:latin typeface="Times New Roman" panose="02020603050405020304" pitchFamily="18" charset="0"/>
                 <a:cs typeface="Times New Roman" panose="02020603050405020304" pitchFamily="18" charset="0"/>
               </a:rPr>
-              <a:t>Quản lí sản phẩm</a:t>
+              <a:t>Quản lí danh mục</a:t>
             </a:r>
             <a:endParaRPr kumimoji="0" lang="en-US" sz="2400" b="0" i="0" u="none" strike="noStrike" kern="1200" cap="none" spc="0" normalizeH="0" baseline="0" noProof="0" dirty="0">
               <a:ln>
@@ -19228,8 +19498,8 @@
         </p:blipFill>
         <p:spPr>
           <a:xfrm>
-            <a:off x="2085975" y="2266122"/>
-            <a:ext cx="8020050" cy="3723861"/>
+            <a:off x="2233612" y="2399520"/>
+            <a:ext cx="7724775" cy="3601229"/>
           </a:xfrm>
           <a:prstGeom prst="rect">
             <a:avLst/>
@@ -19239,7 +19509,7 @@
     </p:spTree>
     <p:extLst>
       <p:ext uri="{BB962C8B-B14F-4D97-AF65-F5344CB8AC3E}">
-        <p14:creationId xmlns:p14="http://schemas.microsoft.com/office/powerpoint/2010/main" val="2940633202"/>
+        <p14:creationId xmlns:p14="http://schemas.microsoft.com/office/powerpoint/2010/main" val="1026856704"/>
       </p:ext>
     </p:extLst>
   </p:cSld>
@@ -19250,7 +19520,7 @@
     <mc:Choice Requires="p14">
       <p:transition spd="slow" p14:dur="2000"/>
     </mc:Choice>
-    <mc:Fallback xmlns="" xmlns:p15="http://schemas.microsoft.com/office/powerpoint/2012/main">
+    <mc:Fallback xmlns:p15="http://schemas.microsoft.com/office/powerpoint/2012/main" xmlns="">
       <p:transition spd="slow"/>
     </mc:Fallback>
   </mc:AlternateContent>
@@ -19428,14 +19698,36 @@
               <a:defRPr/>
             </a:pPr>
             <a:r>
-              <a:rPr lang="en-US" sz="2400" dirty="0" smtClean="0">
+              <a:rPr kumimoji="0" lang="en-US" sz="2400" b="0" i="0" u="none" strike="noStrike" kern="1200" cap="none" spc="0" normalizeH="0" baseline="0" noProof="0" dirty="0" smtClean="0">
+                <a:ln>
+                  <a:noFill/>
+                </a:ln>
                 <a:solidFill>
                   <a:prstClr val="white"/>
                 </a:solidFill>
+                <a:effectLst/>
+                <a:uLnTx/>
+                <a:uFillTx/>
                 <a:latin typeface="Times New Roman" panose="02020603050405020304" pitchFamily="18" charset="0"/>
                 <a:cs typeface="Times New Roman" panose="02020603050405020304" pitchFamily="18" charset="0"/>
               </a:rPr>
-              <a:t>Quản lí sản phẩm</a:t>
+              <a:t>Quản</a:t>
+            </a:r>
+            <a:r>
+              <a:rPr kumimoji="0" lang="en-US" sz="2400" b="0" i="0" u="none" strike="noStrike" kern="1200" cap="none" spc="0" normalizeH="0" noProof="0" dirty="0" smtClean="0">
+                <a:ln>
+                  <a:noFill/>
+                </a:ln>
+                <a:solidFill>
+                  <a:prstClr val="white"/>
+                </a:solidFill>
+                <a:effectLst/>
+                <a:uLnTx/>
+                <a:uFillTx/>
+                <a:latin typeface="Times New Roman" panose="02020603050405020304" pitchFamily="18" charset="0"/>
+                <a:cs typeface="Times New Roman" panose="02020603050405020304" pitchFamily="18" charset="0"/>
+              </a:rPr>
+              <a:t> lí danh mục</a:t>
             </a:r>
             <a:endParaRPr kumimoji="0" lang="en-US" sz="2400" b="0" i="0" u="none" strike="noStrike" kern="1200" cap="none" spc="0" normalizeH="0" baseline="0" noProof="0" dirty="0">
               <a:ln>
@@ -19462,7 +19754,7 @@
         <p:spPr>
           <a:xfrm>
             <a:off x="1405364" y="1903564"/>
-            <a:ext cx="2172723" cy="677108"/>
+            <a:ext cx="3961766" cy="677108"/>
           </a:xfrm>
           <a:prstGeom prst="rect">
             <a:avLst/>
@@ -19509,7 +19801,7 @@
               <a:t>- </a:t>
             </a:r>
             <a:r>
-              <a:rPr kumimoji="0" lang="en-US" sz="2000" b="0" i="0" u="none" strike="noStrike" kern="1200" cap="none" spc="0" normalizeH="0" baseline="0" noProof="0" dirty="0">
+              <a:rPr kumimoji="0" lang="en-US" sz="2000" b="0" i="0" u="none" strike="noStrike" kern="1200" cap="none" spc="0" normalizeH="0" baseline="0" noProof="0" dirty="0" smtClean="0">
                 <a:ln>
                   <a:noFill/>
                 </a:ln>
@@ -19522,24 +19814,21 @@
                 <a:latin typeface="Times New Roman" panose="02020603050405020304" pitchFamily="18" charset="0"/>
                 <a:cs typeface="Times New Roman" panose="02020603050405020304" pitchFamily="18" charset="0"/>
               </a:rPr>
-              <a:t>Biểu</a:t>
-            </a:r>
-            <a:r>
-              <a:rPr kumimoji="0" lang="en-US" sz="1800" b="0" i="0" u="none" strike="noStrike" kern="1200" cap="none" spc="0" normalizeH="0" baseline="0" noProof="0" dirty="0">
-                <a:ln>
-                  <a:noFill/>
-                </a:ln>
-                <a:solidFill>
-                  <a:prstClr val="white"/>
-                </a:solidFill>
-                <a:effectLst/>
-                <a:uLnTx/>
-                <a:uFillTx/>
-                <a:latin typeface="Times New Roman" panose="02020603050405020304" pitchFamily="18" charset="0"/>
-                <a:cs typeface="Times New Roman" panose="02020603050405020304" pitchFamily="18" charset="0"/>
-              </a:rPr>
-              <a:t> đồ trình tự</a:t>
-            </a:r>
+              <a:t>Biểu đồ lớp phân tích</a:t>
+            </a:r>
+            <a:endParaRPr kumimoji="0" lang="en-US" sz="1800" b="0" i="0" u="none" strike="noStrike" kern="1200" cap="none" spc="0" normalizeH="0" baseline="0" noProof="0" dirty="0">
+              <a:ln>
+                <a:noFill/>
+              </a:ln>
+              <a:solidFill>
+                <a:prstClr val="white"/>
+              </a:solidFill>
+              <a:effectLst/>
+              <a:uLnTx/>
+              <a:uFillTx/>
+              <a:latin typeface="Times New Roman" panose="02020603050405020304" pitchFamily="18" charset="0"/>
+              <a:cs typeface="Times New Roman" panose="02020603050405020304" pitchFamily="18" charset="0"/>
+            </a:endParaRPr>
           </a:p>
           <a:p>
             <a:pPr marL="0" marR="0" lvl="0" indent="0" algn="l" defTabSz="914400" rtl="0" eaLnBrk="1" fontAlgn="auto" latinLnBrk="0" hangingPunct="1">
@@ -19576,7 +19865,7 @@
       </p:sp>
       <p:pic>
         <p:nvPicPr>
-          <p:cNvPr id="5" name="Picture 4"/>
+          <p:cNvPr id="6" name="Picture 5"/>
           <p:cNvPicPr>
             <a:picLocks noChangeAspect="1"/>
           </p:cNvPicPr>
@@ -19590,8 +19879,8 @@
         </p:blipFill>
         <p:spPr>
           <a:xfrm>
-            <a:off x="2024062" y="2266122"/>
-            <a:ext cx="8143875" cy="3776869"/>
+            <a:off x="2076449" y="2399521"/>
+            <a:ext cx="8039100" cy="3337480"/>
           </a:xfrm>
           <a:prstGeom prst="rect">
             <a:avLst/>
@@ -19601,7 +19890,7 @@
     </p:spTree>
     <p:extLst>
       <p:ext uri="{BB962C8B-B14F-4D97-AF65-F5344CB8AC3E}">
-        <p14:creationId xmlns:p14="http://schemas.microsoft.com/office/powerpoint/2010/main" val="1861906476"/>
+        <p14:creationId xmlns:p14="http://schemas.microsoft.com/office/powerpoint/2010/main" val="907120314"/>
       </p:ext>
     </p:extLst>
   </p:cSld>
@@ -19612,7 +19901,7 @@
     <mc:Choice Requires="p14">
       <p:transition spd="slow" p14:dur="2000"/>
     </mc:Choice>
-    <mc:Fallback xmlns="" xmlns:p15="http://schemas.microsoft.com/office/powerpoint/2012/main">
+    <mc:Fallback xmlns:p15="http://schemas.microsoft.com/office/powerpoint/2012/main" xmlns="">
       <p:transition spd="slow"/>
     </mc:Fallback>
   </mc:AlternateContent>
@@ -19938,7 +20227,7 @@
       </p:sp>
       <p:pic>
         <p:nvPicPr>
-          <p:cNvPr id="4" name="Picture 3"/>
+          <p:cNvPr id="5" name="Picture 4"/>
           <p:cNvPicPr>
             <a:picLocks noChangeAspect="1"/>
           </p:cNvPicPr>
@@ -19952,8 +20241,8 @@
         </p:blipFill>
         <p:spPr>
           <a:xfrm>
-            <a:off x="2024061" y="2365228"/>
-            <a:ext cx="8143875" cy="3624755"/>
+            <a:off x="2090737" y="2399520"/>
+            <a:ext cx="8010525" cy="3630219"/>
           </a:xfrm>
           <a:prstGeom prst="rect">
             <a:avLst/>
@@ -19963,7 +20252,7 @@
     </p:spTree>
     <p:extLst>
       <p:ext uri="{BB962C8B-B14F-4D97-AF65-F5344CB8AC3E}">
-        <p14:creationId xmlns:p14="http://schemas.microsoft.com/office/powerpoint/2010/main" val="3122472411"/>
+        <p14:creationId xmlns:p14="http://schemas.microsoft.com/office/powerpoint/2010/main" val="3303188778"/>
       </p:ext>
     </p:extLst>
   </p:cSld>
@@ -19974,7 +20263,7 @@
     <mc:Choice Requires="p14">
       <p:transition spd="slow" p14:dur="2000"/>
     </mc:Choice>
-    <mc:Fallback xmlns="" xmlns:p15="http://schemas.microsoft.com/office/powerpoint/2012/main">
+    <mc:Fallback xmlns:p15="http://schemas.microsoft.com/office/powerpoint/2012/main" xmlns="">
       <p:transition spd="slow"/>
     </mc:Fallback>
   </mc:AlternateContent>
@@ -20152,36 +20441,14 @@
               <a:defRPr/>
             </a:pPr>
             <a:r>
-              <a:rPr kumimoji="0" lang="en-US" sz="2400" b="0" i="0" u="none" strike="noStrike" kern="1200" cap="none" spc="0" normalizeH="0" baseline="0" noProof="0" dirty="0" smtClean="0">
-                <a:ln>
-                  <a:noFill/>
-                </a:ln>
+              <a:rPr lang="en-US" sz="2400" dirty="0" smtClean="0">
                 <a:solidFill>
                   <a:prstClr val="white"/>
                 </a:solidFill>
-                <a:effectLst/>
-                <a:uLnTx/>
-                <a:uFillTx/>
                 <a:latin typeface="Times New Roman" panose="02020603050405020304" pitchFamily="18" charset="0"/>
                 <a:cs typeface="Times New Roman" panose="02020603050405020304" pitchFamily="18" charset="0"/>
               </a:rPr>
-              <a:t>Quản</a:t>
-            </a:r>
-            <a:r>
-              <a:rPr kumimoji="0" lang="en-US" sz="2400" b="0" i="0" u="none" strike="noStrike" kern="1200" cap="none" spc="0" normalizeH="0" noProof="0" dirty="0" smtClean="0">
-                <a:ln>
-                  <a:noFill/>
-                </a:ln>
-                <a:solidFill>
-                  <a:prstClr val="white"/>
-                </a:solidFill>
-                <a:effectLst/>
-                <a:uLnTx/>
-                <a:uFillTx/>
-                <a:latin typeface="Times New Roman" panose="02020603050405020304" pitchFamily="18" charset="0"/>
-                <a:cs typeface="Times New Roman" panose="02020603050405020304" pitchFamily="18" charset="0"/>
-              </a:rPr>
-              <a:t> lí sản phẩm</a:t>
+              <a:t>Quản lí sản phẩm</a:t>
             </a:r>
             <a:endParaRPr kumimoji="0" lang="en-US" sz="2400" b="0" i="0" u="none" strike="noStrike" kern="1200" cap="none" spc="0" normalizeH="0" baseline="0" noProof="0" dirty="0">
               <a:ln>
@@ -20208,7 +20475,7 @@
         <p:spPr>
           <a:xfrm>
             <a:off x="1405364" y="1903564"/>
-            <a:ext cx="3961766" cy="677108"/>
+            <a:ext cx="2172723" cy="677108"/>
           </a:xfrm>
           <a:prstGeom prst="rect">
             <a:avLst/>
@@ -20255,7 +20522,7 @@
               <a:t>- </a:t>
             </a:r>
             <a:r>
-              <a:rPr kumimoji="0" lang="en-US" sz="2000" b="0" i="0" u="none" strike="noStrike" kern="1200" cap="none" spc="0" normalizeH="0" baseline="0" noProof="0" dirty="0" smtClean="0">
+              <a:rPr kumimoji="0" lang="en-US" sz="2000" b="0" i="0" u="none" strike="noStrike" kern="1200" cap="none" spc="0" normalizeH="0" baseline="0" noProof="0" dirty="0">
                 <a:ln>
                   <a:noFill/>
                 </a:ln>
@@ -20268,21 +20535,24 @@
                 <a:latin typeface="Times New Roman" panose="02020603050405020304" pitchFamily="18" charset="0"/>
                 <a:cs typeface="Times New Roman" panose="02020603050405020304" pitchFamily="18" charset="0"/>
               </a:rPr>
-              <a:t>Biểu đồ lớp phân tích</a:t>
-            </a:r>
-            <a:endParaRPr kumimoji="0" lang="en-US" sz="1800" b="0" i="0" u="none" strike="noStrike" kern="1200" cap="none" spc="0" normalizeH="0" baseline="0" noProof="0" dirty="0">
-              <a:ln>
-                <a:noFill/>
-              </a:ln>
-              <a:solidFill>
-                <a:prstClr val="white"/>
-              </a:solidFill>
-              <a:effectLst/>
-              <a:uLnTx/>
-              <a:uFillTx/>
-              <a:latin typeface="Times New Roman" panose="02020603050405020304" pitchFamily="18" charset="0"/>
-              <a:cs typeface="Times New Roman" panose="02020603050405020304" pitchFamily="18" charset="0"/>
-            </a:endParaRPr>
+              <a:t>Biểu</a:t>
+            </a:r>
+            <a:r>
+              <a:rPr kumimoji="0" lang="en-US" sz="1800" b="0" i="0" u="none" strike="noStrike" kern="1200" cap="none" spc="0" normalizeH="0" baseline="0" noProof="0" dirty="0">
+                <a:ln>
+                  <a:noFill/>
+                </a:ln>
+                <a:solidFill>
+                  <a:prstClr val="white"/>
+                </a:solidFill>
+                <a:effectLst/>
+                <a:uLnTx/>
+                <a:uFillTx/>
+                <a:latin typeface="Times New Roman" panose="02020603050405020304" pitchFamily="18" charset="0"/>
+                <a:cs typeface="Times New Roman" panose="02020603050405020304" pitchFamily="18" charset="0"/>
+              </a:rPr>
+              <a:t> đồ trình tự</a:t>
+            </a:r>
           </a:p>
           <a:p>
             <a:pPr marL="0" marR="0" lvl="0" indent="0" algn="l" defTabSz="914400" rtl="0" eaLnBrk="1" fontAlgn="auto" latinLnBrk="0" hangingPunct="1">
@@ -20319,7 +20589,7 @@
       </p:sp>
       <p:pic>
         <p:nvPicPr>
-          <p:cNvPr id="5" name="Picture 4"/>
+          <p:cNvPr id="4" name="Picture 3"/>
           <p:cNvPicPr>
             <a:picLocks noChangeAspect="1"/>
           </p:cNvPicPr>
@@ -20333,8 +20603,8 @@
         </p:blipFill>
         <p:spPr>
           <a:xfrm>
-            <a:off x="2238375" y="2399520"/>
-            <a:ext cx="7715250" cy="3544079"/>
+            <a:off x="2085975" y="2266122"/>
+            <a:ext cx="8020050" cy="3723861"/>
           </a:xfrm>
           <a:prstGeom prst="rect">
             <a:avLst/>
@@ -20344,7 +20614,7 @@
     </p:spTree>
     <p:extLst>
       <p:ext uri="{BB962C8B-B14F-4D97-AF65-F5344CB8AC3E}">
-        <p14:creationId xmlns:p14="http://schemas.microsoft.com/office/powerpoint/2010/main" val="1130965102"/>
+        <p14:creationId xmlns:p14="http://schemas.microsoft.com/office/powerpoint/2010/main" val="2940633202"/>
       </p:ext>
     </p:extLst>
   </p:cSld>
@@ -20355,7 +20625,7 @@
     <mc:Choice Requires="p14">
       <p:transition spd="slow" p14:dur="2000"/>
     </mc:Choice>
-    <mc:Fallback xmlns="" xmlns:p15="http://schemas.microsoft.com/office/powerpoint/2012/main">
+    <mc:Fallback xmlns:p15="http://schemas.microsoft.com/office/powerpoint/2012/main" xmlns="">
       <p:transition spd="slow"/>
     </mc:Fallback>
   </mc:AlternateContent>
@@ -20540,7 +20810,7 @@
                 <a:latin typeface="Times New Roman" panose="02020603050405020304" pitchFamily="18" charset="0"/>
                 <a:cs typeface="Times New Roman" panose="02020603050405020304" pitchFamily="18" charset="0"/>
               </a:rPr>
-              <a:t>Quản lí đặt hàng</a:t>
+              <a:t>Quản lí sản phẩm</a:t>
             </a:r>
             <a:endParaRPr kumimoji="0" lang="en-US" sz="2400" b="0" i="0" u="none" strike="noStrike" kern="1200" cap="none" spc="0" normalizeH="0" baseline="0" noProof="0" dirty="0">
               <a:ln>
@@ -20695,8 +20965,8 @@
         </p:blipFill>
         <p:spPr>
           <a:xfrm>
-            <a:off x="1943100" y="2399520"/>
-            <a:ext cx="8305800" cy="3643471"/>
+            <a:off x="2024062" y="2266122"/>
+            <a:ext cx="8143875" cy="3776869"/>
           </a:xfrm>
           <a:prstGeom prst="rect">
             <a:avLst/>
@@ -20706,7 +20976,7 @@
     </p:spTree>
     <p:extLst>
       <p:ext uri="{BB962C8B-B14F-4D97-AF65-F5344CB8AC3E}">
-        <p14:creationId xmlns:p14="http://schemas.microsoft.com/office/powerpoint/2010/main" val="982424855"/>
+        <p14:creationId xmlns:p14="http://schemas.microsoft.com/office/powerpoint/2010/main" val="1861906476"/>
       </p:ext>
     </p:extLst>
   </p:cSld>
@@ -20717,7 +20987,7 @@
     <mc:Choice Requires="p14">
       <p:transition spd="slow" p14:dur="2000"/>
     </mc:Choice>
-    <mc:Fallback xmlns="" xmlns:p15="http://schemas.microsoft.com/office/powerpoint/2012/main">
+    <mc:Fallback xmlns:p15="http://schemas.microsoft.com/office/powerpoint/2012/main" xmlns="">
       <p:transition spd="slow"/>
     </mc:Fallback>
   </mc:AlternateContent>
@@ -20902,7 +21172,7 @@
                 <a:latin typeface="Times New Roman" panose="02020603050405020304" pitchFamily="18" charset="0"/>
                 <a:cs typeface="Times New Roman" panose="02020603050405020304" pitchFamily="18" charset="0"/>
               </a:rPr>
-              <a:t>Quản lí đặt hàng</a:t>
+              <a:t>Quản lí sản phẩm</a:t>
             </a:r>
             <a:endParaRPr kumimoji="0" lang="en-US" sz="2400" b="0" i="0" u="none" strike="noStrike" kern="1200" cap="none" spc="0" normalizeH="0" baseline="0" noProof="0" dirty="0">
               <a:ln>
@@ -21057,8 +21327,8 @@
         </p:blipFill>
         <p:spPr>
           <a:xfrm>
-            <a:off x="1919287" y="2399521"/>
-            <a:ext cx="8353425" cy="3616966"/>
+            <a:off x="2024061" y="2365228"/>
+            <a:ext cx="8143875" cy="3624755"/>
           </a:xfrm>
           <a:prstGeom prst="rect">
             <a:avLst/>
@@ -21068,7 +21338,7 @@
     </p:spTree>
     <p:extLst>
       <p:ext uri="{BB962C8B-B14F-4D97-AF65-F5344CB8AC3E}">
-        <p14:creationId xmlns:p14="http://schemas.microsoft.com/office/powerpoint/2010/main" val="1714840472"/>
+        <p14:creationId xmlns:p14="http://schemas.microsoft.com/office/powerpoint/2010/main" val="3122472411"/>
       </p:ext>
     </p:extLst>
   </p:cSld>
@@ -21079,7 +21349,7 @@
     <mc:Choice Requires="p14">
       <p:transition spd="slow" p14:dur="2000"/>
     </mc:Choice>
-    <mc:Fallback xmlns="" xmlns:p15="http://schemas.microsoft.com/office/powerpoint/2012/main">
+    <mc:Fallback xmlns:p15="http://schemas.microsoft.com/office/powerpoint/2012/main" xmlns="">
       <p:transition spd="slow"/>
     </mc:Fallback>
   </mc:AlternateContent>
@@ -21257,14 +21527,36 @@
               <a:defRPr/>
             </a:pPr>
             <a:r>
-              <a:rPr lang="en-US" sz="2400" dirty="0" smtClean="0">
+              <a:rPr kumimoji="0" lang="en-US" sz="2400" b="0" i="0" u="none" strike="noStrike" kern="1200" cap="none" spc="0" normalizeH="0" baseline="0" noProof="0" dirty="0" smtClean="0">
+                <a:ln>
+                  <a:noFill/>
+                </a:ln>
                 <a:solidFill>
                   <a:prstClr val="white"/>
                 </a:solidFill>
+                <a:effectLst/>
+                <a:uLnTx/>
+                <a:uFillTx/>
                 <a:latin typeface="Times New Roman" panose="02020603050405020304" pitchFamily="18" charset="0"/>
                 <a:cs typeface="Times New Roman" panose="02020603050405020304" pitchFamily="18" charset="0"/>
               </a:rPr>
-              <a:t>Quản lí đặt hàng</a:t>
+              <a:t>Quản</a:t>
+            </a:r>
+            <a:r>
+              <a:rPr kumimoji="0" lang="en-US" sz="2400" b="0" i="0" u="none" strike="noStrike" kern="1200" cap="none" spc="0" normalizeH="0" noProof="0" dirty="0" smtClean="0">
+                <a:ln>
+                  <a:noFill/>
+                </a:ln>
+                <a:solidFill>
+                  <a:prstClr val="white"/>
+                </a:solidFill>
+                <a:effectLst/>
+                <a:uLnTx/>
+                <a:uFillTx/>
+                <a:latin typeface="Times New Roman" panose="02020603050405020304" pitchFamily="18" charset="0"/>
+                <a:cs typeface="Times New Roman" panose="02020603050405020304" pitchFamily="18" charset="0"/>
+              </a:rPr>
+              <a:t> lí sản phẩm</a:t>
             </a:r>
             <a:endParaRPr kumimoji="0" lang="en-US" sz="2400" b="0" i="0" u="none" strike="noStrike" kern="1200" cap="none" spc="0" normalizeH="0" baseline="0" noProof="0" dirty="0">
               <a:ln>
@@ -21291,7 +21583,7 @@
         <p:spPr>
           <a:xfrm>
             <a:off x="1405364" y="1903564"/>
-            <a:ext cx="2172723" cy="677108"/>
+            <a:ext cx="3961766" cy="677108"/>
           </a:xfrm>
           <a:prstGeom prst="rect">
             <a:avLst/>
@@ -21338,7 +21630,7 @@
               <a:t>- </a:t>
             </a:r>
             <a:r>
-              <a:rPr kumimoji="0" lang="en-US" sz="2000" b="0" i="0" u="none" strike="noStrike" kern="1200" cap="none" spc="0" normalizeH="0" baseline="0" noProof="0" dirty="0">
+              <a:rPr kumimoji="0" lang="en-US" sz="2000" b="0" i="0" u="none" strike="noStrike" kern="1200" cap="none" spc="0" normalizeH="0" baseline="0" noProof="0" dirty="0" smtClean="0">
                 <a:ln>
                   <a:noFill/>
                 </a:ln>
@@ -21351,24 +21643,21 @@
                 <a:latin typeface="Times New Roman" panose="02020603050405020304" pitchFamily="18" charset="0"/>
                 <a:cs typeface="Times New Roman" panose="02020603050405020304" pitchFamily="18" charset="0"/>
               </a:rPr>
-              <a:t>Biểu</a:t>
-            </a:r>
-            <a:r>
-              <a:rPr kumimoji="0" lang="en-US" sz="1800" b="0" i="0" u="none" strike="noStrike" kern="1200" cap="none" spc="0" normalizeH="0" baseline="0" noProof="0" dirty="0">
-                <a:ln>
-                  <a:noFill/>
-                </a:ln>
-                <a:solidFill>
-                  <a:prstClr val="white"/>
-                </a:solidFill>
-                <a:effectLst/>
-                <a:uLnTx/>
-                <a:uFillTx/>
-                <a:latin typeface="Times New Roman" panose="02020603050405020304" pitchFamily="18" charset="0"/>
-                <a:cs typeface="Times New Roman" panose="02020603050405020304" pitchFamily="18" charset="0"/>
-              </a:rPr>
-              <a:t> đồ trình tự</a:t>
-            </a:r>
+              <a:t>Biểu đồ lớp phân tích</a:t>
+            </a:r>
+            <a:endParaRPr kumimoji="0" lang="en-US" sz="1800" b="0" i="0" u="none" strike="noStrike" kern="1200" cap="none" spc="0" normalizeH="0" baseline="0" noProof="0" dirty="0">
+              <a:ln>
+                <a:noFill/>
+              </a:ln>
+              <a:solidFill>
+                <a:prstClr val="white"/>
+              </a:solidFill>
+              <a:effectLst/>
+              <a:uLnTx/>
+              <a:uFillTx/>
+              <a:latin typeface="Times New Roman" panose="02020603050405020304" pitchFamily="18" charset="0"/>
+              <a:cs typeface="Times New Roman" panose="02020603050405020304" pitchFamily="18" charset="0"/>
+            </a:endParaRPr>
           </a:p>
           <a:p>
             <a:pPr marL="0" marR="0" lvl="0" indent="0" algn="l" defTabSz="914400" rtl="0" eaLnBrk="1" fontAlgn="auto" latinLnBrk="0" hangingPunct="1">
@@ -21419,8 +21708,8 @@
         </p:blipFill>
         <p:spPr>
           <a:xfrm>
-            <a:off x="1843087" y="2399521"/>
-            <a:ext cx="8505825" cy="3563958"/>
+            <a:off x="2238375" y="2399520"/>
+            <a:ext cx="7715250" cy="3544079"/>
           </a:xfrm>
           <a:prstGeom prst="rect">
             <a:avLst/>
@@ -21430,7 +21719,7 @@
     </p:spTree>
     <p:extLst>
       <p:ext uri="{BB962C8B-B14F-4D97-AF65-F5344CB8AC3E}">
-        <p14:creationId xmlns:p14="http://schemas.microsoft.com/office/powerpoint/2010/main" val="4291451881"/>
+        <p14:creationId xmlns:p14="http://schemas.microsoft.com/office/powerpoint/2010/main" val="1130965102"/>
       </p:ext>
     </p:extLst>
   </p:cSld>
@@ -21441,7 +21730,7 @@
     <mc:Choice Requires="p14">
       <p:transition spd="slow" p14:dur="2000"/>
     </mc:Choice>
-    <mc:Fallback xmlns="" xmlns:p15="http://schemas.microsoft.com/office/powerpoint/2012/main">
+    <mc:Fallback xmlns:p15="http://schemas.microsoft.com/office/powerpoint/2012/main" xmlns="">
       <p:transition spd="slow"/>
     </mc:Fallback>
   </mc:AlternateContent>
@@ -21619,36 +21908,14 @@
               <a:defRPr/>
             </a:pPr>
             <a:r>
-              <a:rPr kumimoji="0" lang="en-US" sz="2400" b="0" i="0" u="none" strike="noStrike" kern="1200" cap="none" spc="0" normalizeH="0" baseline="0" noProof="0" dirty="0" smtClean="0">
-                <a:ln>
-                  <a:noFill/>
-                </a:ln>
+              <a:rPr lang="en-US" sz="2400" dirty="0" smtClean="0">
                 <a:solidFill>
                   <a:prstClr val="white"/>
                 </a:solidFill>
-                <a:effectLst/>
-                <a:uLnTx/>
-                <a:uFillTx/>
                 <a:latin typeface="Times New Roman" panose="02020603050405020304" pitchFamily="18" charset="0"/>
                 <a:cs typeface="Times New Roman" panose="02020603050405020304" pitchFamily="18" charset="0"/>
               </a:rPr>
-              <a:t>Quản</a:t>
-            </a:r>
-            <a:r>
-              <a:rPr kumimoji="0" lang="en-US" sz="2400" b="0" i="0" u="none" strike="noStrike" kern="1200" cap="none" spc="0" normalizeH="0" noProof="0" dirty="0" smtClean="0">
-                <a:ln>
-                  <a:noFill/>
-                </a:ln>
-                <a:solidFill>
-                  <a:prstClr val="white"/>
-                </a:solidFill>
-                <a:effectLst/>
-                <a:uLnTx/>
-                <a:uFillTx/>
-                <a:latin typeface="Times New Roman" panose="02020603050405020304" pitchFamily="18" charset="0"/>
-                <a:cs typeface="Times New Roman" panose="02020603050405020304" pitchFamily="18" charset="0"/>
-              </a:rPr>
-              <a:t> lí đặt hàng</a:t>
+              <a:t>Quản lí đặt hàng</a:t>
             </a:r>
             <a:endParaRPr kumimoji="0" lang="en-US" sz="2400" b="0" i="0" u="none" strike="noStrike" kern="1200" cap="none" spc="0" normalizeH="0" baseline="0" noProof="0" dirty="0">
               <a:ln>
@@ -21675,7 +21942,7 @@
         <p:spPr>
           <a:xfrm>
             <a:off x="1405364" y="1903564"/>
-            <a:ext cx="3961766" cy="677108"/>
+            <a:ext cx="2172723" cy="677108"/>
           </a:xfrm>
           <a:prstGeom prst="rect">
             <a:avLst/>
@@ -21722,7 +21989,7 @@
               <a:t>- </a:t>
             </a:r>
             <a:r>
-              <a:rPr kumimoji="0" lang="en-US" sz="2000" b="0" i="0" u="none" strike="noStrike" kern="1200" cap="none" spc="0" normalizeH="0" baseline="0" noProof="0" dirty="0" smtClean="0">
+              <a:rPr kumimoji="0" lang="en-US" sz="2000" b="0" i="0" u="none" strike="noStrike" kern="1200" cap="none" spc="0" normalizeH="0" baseline="0" noProof="0" dirty="0">
                 <a:ln>
                   <a:noFill/>
                 </a:ln>
@@ -21735,21 +22002,24 @@
                 <a:latin typeface="Times New Roman" panose="02020603050405020304" pitchFamily="18" charset="0"/>
                 <a:cs typeface="Times New Roman" panose="02020603050405020304" pitchFamily="18" charset="0"/>
               </a:rPr>
-              <a:t>Biểu đồ lớp phân tích</a:t>
-            </a:r>
-            <a:endParaRPr kumimoji="0" lang="en-US" sz="1800" b="0" i="0" u="none" strike="noStrike" kern="1200" cap="none" spc="0" normalizeH="0" baseline="0" noProof="0" dirty="0">
-              <a:ln>
-                <a:noFill/>
-              </a:ln>
-              <a:solidFill>
-                <a:prstClr val="white"/>
-              </a:solidFill>
-              <a:effectLst/>
-              <a:uLnTx/>
-              <a:uFillTx/>
-              <a:latin typeface="Times New Roman" panose="02020603050405020304" pitchFamily="18" charset="0"/>
-              <a:cs typeface="Times New Roman" panose="02020603050405020304" pitchFamily="18" charset="0"/>
-            </a:endParaRPr>
+              <a:t>Biểu</a:t>
+            </a:r>
+            <a:r>
+              <a:rPr kumimoji="0" lang="en-US" sz="1800" b="0" i="0" u="none" strike="noStrike" kern="1200" cap="none" spc="0" normalizeH="0" baseline="0" noProof="0" dirty="0">
+                <a:ln>
+                  <a:noFill/>
+                </a:ln>
+                <a:solidFill>
+                  <a:prstClr val="white"/>
+                </a:solidFill>
+                <a:effectLst/>
+                <a:uLnTx/>
+                <a:uFillTx/>
+                <a:latin typeface="Times New Roman" panose="02020603050405020304" pitchFamily="18" charset="0"/>
+                <a:cs typeface="Times New Roman" panose="02020603050405020304" pitchFamily="18" charset="0"/>
+              </a:rPr>
+              <a:t> đồ trình tự</a:t>
+            </a:r>
           </a:p>
           <a:p>
             <a:pPr marL="0" marR="0" lvl="0" indent="0" algn="l" defTabSz="914400" rtl="0" eaLnBrk="1" fontAlgn="auto" latinLnBrk="0" hangingPunct="1">
@@ -21786,7 +22056,7 @@
       </p:sp>
       <p:pic>
         <p:nvPicPr>
-          <p:cNvPr id="4" name="Picture 3"/>
+          <p:cNvPr id="5" name="Picture 4"/>
           <p:cNvPicPr>
             <a:picLocks noChangeAspect="1"/>
           </p:cNvPicPr>
@@ -21800,8 +22070,8 @@
         </p:blipFill>
         <p:spPr>
           <a:xfrm>
-            <a:off x="2214562" y="2399521"/>
-            <a:ext cx="7762875" cy="3577209"/>
+            <a:off x="1943100" y="2399520"/>
+            <a:ext cx="8305800" cy="3643471"/>
           </a:xfrm>
           <a:prstGeom prst="rect">
             <a:avLst/>
@@ -21811,7 +22081,7 @@
     </p:spTree>
     <p:extLst>
       <p:ext uri="{BB962C8B-B14F-4D97-AF65-F5344CB8AC3E}">
-        <p14:creationId xmlns:p14="http://schemas.microsoft.com/office/powerpoint/2010/main" val="2189107864"/>
+        <p14:creationId xmlns:p14="http://schemas.microsoft.com/office/powerpoint/2010/main" val="982424855"/>
       </p:ext>
     </p:extLst>
   </p:cSld>
@@ -21822,7 +22092,7 @@
     <mc:Choice Requires="p14">
       <p:transition spd="slow" p14:dur="2000"/>
     </mc:Choice>
-    <mc:Fallback xmlns="" xmlns:p15="http://schemas.microsoft.com/office/powerpoint/2012/main">
+    <mc:Fallback xmlns:p15="http://schemas.microsoft.com/office/powerpoint/2012/main" xmlns="">
       <p:transition spd="slow"/>
     </mc:Fallback>
   </mc:AlternateContent>
@@ -22007,7 +22277,7 @@
                 <a:latin typeface="Times New Roman" panose="02020603050405020304" pitchFamily="18" charset="0"/>
                 <a:cs typeface="Times New Roman" panose="02020603050405020304" pitchFamily="18" charset="0"/>
               </a:rPr>
-              <a:t>Quản lí tài khoản</a:t>
+              <a:t>Quản lí đặt hàng</a:t>
             </a:r>
             <a:endParaRPr kumimoji="0" lang="en-US" sz="2400" b="0" i="0" u="none" strike="noStrike" kern="1200" cap="none" spc="0" normalizeH="0" baseline="0" noProof="0" dirty="0">
               <a:ln>
@@ -22162,8 +22432,8 @@
         </p:blipFill>
         <p:spPr>
           <a:xfrm>
-            <a:off x="2009775" y="2365229"/>
-            <a:ext cx="8172450" cy="3598249"/>
+            <a:off x="1919287" y="2399521"/>
+            <a:ext cx="8353425" cy="3616966"/>
           </a:xfrm>
           <a:prstGeom prst="rect">
             <a:avLst/>
@@ -22173,7 +22443,7 @@
     </p:spTree>
     <p:extLst>
       <p:ext uri="{BB962C8B-B14F-4D97-AF65-F5344CB8AC3E}">
-        <p14:creationId xmlns:p14="http://schemas.microsoft.com/office/powerpoint/2010/main" val="3427094805"/>
+        <p14:creationId xmlns:p14="http://schemas.microsoft.com/office/powerpoint/2010/main" val="1714840472"/>
       </p:ext>
     </p:extLst>
   </p:cSld>
@@ -22184,7 +22454,7 @@
     <mc:Choice Requires="p14">
       <p:transition spd="slow" p14:dur="2000"/>
     </mc:Choice>
-    <mc:Fallback xmlns="" xmlns:p15="http://schemas.microsoft.com/office/powerpoint/2012/main">
+    <mc:Fallback xmlns:p15="http://schemas.microsoft.com/office/powerpoint/2012/main" xmlns="">
       <p:transition spd="slow"/>
     </mc:Fallback>
   </mc:AlternateContent>
@@ -22463,7 +22733,7 @@
     <mc:Choice Requires="p14">
       <p:transition spd="slow" p14:dur="2000"/>
     </mc:Choice>
-    <mc:Fallback xmlns="" xmlns:p15="http://schemas.microsoft.com/office/powerpoint/2012/main">
+    <mc:Fallback xmlns:p15="http://schemas.microsoft.com/office/powerpoint/2012/main" xmlns="">
       <p:transition spd="slow"/>
     </mc:Fallback>
   </mc:AlternateContent>
@@ -22648,7 +22918,7 @@
                 <a:latin typeface="Times New Roman" panose="02020603050405020304" pitchFamily="18" charset="0"/>
                 <a:cs typeface="Times New Roman" panose="02020603050405020304" pitchFamily="18" charset="0"/>
               </a:rPr>
-              <a:t>Quản lí tài khoản</a:t>
+              <a:t>Quản lí đặt hàng</a:t>
             </a:r>
             <a:endParaRPr kumimoji="0" lang="en-US" sz="2400" b="0" i="0" u="none" strike="noStrike" kern="1200" cap="none" spc="0" normalizeH="0" baseline="0" noProof="0" dirty="0">
               <a:ln>
@@ -22789,7 +23059,7 @@
       </p:sp>
       <p:pic>
         <p:nvPicPr>
-          <p:cNvPr id="6" name="Picture 5"/>
+          <p:cNvPr id="5" name="Picture 4"/>
           <p:cNvPicPr>
             <a:picLocks noChangeAspect="1"/>
           </p:cNvPicPr>
@@ -22803,8 +23073,8 @@
         </p:blipFill>
         <p:spPr>
           <a:xfrm>
-            <a:off x="2147887" y="2365229"/>
-            <a:ext cx="7896225" cy="3691014"/>
+            <a:off x="1843087" y="2399521"/>
+            <a:ext cx="8505825" cy="3563958"/>
           </a:xfrm>
           <a:prstGeom prst="rect">
             <a:avLst/>
@@ -22814,7 +23084,7 @@
     </p:spTree>
     <p:extLst>
       <p:ext uri="{BB962C8B-B14F-4D97-AF65-F5344CB8AC3E}">
-        <p14:creationId xmlns:p14="http://schemas.microsoft.com/office/powerpoint/2010/main" val="295273485"/>
+        <p14:creationId xmlns:p14="http://schemas.microsoft.com/office/powerpoint/2010/main" val="4291451881"/>
       </p:ext>
     </p:extLst>
   </p:cSld>
@@ -22825,7 +23095,7 @@
     <mc:Choice Requires="p14">
       <p:transition spd="slow" p14:dur="2000"/>
     </mc:Choice>
-    <mc:Fallback xmlns="" xmlns:p15="http://schemas.microsoft.com/office/powerpoint/2012/main">
+    <mc:Fallback xmlns:p15="http://schemas.microsoft.com/office/powerpoint/2012/main" xmlns="">
       <p:transition spd="slow"/>
     </mc:Fallback>
   </mc:AlternateContent>
@@ -23003,14 +23273,36 @@
               <a:defRPr/>
             </a:pPr>
             <a:r>
-              <a:rPr lang="en-US" sz="2400" dirty="0" smtClean="0">
+              <a:rPr kumimoji="0" lang="en-US" sz="2400" b="0" i="0" u="none" strike="noStrike" kern="1200" cap="none" spc="0" normalizeH="0" baseline="0" noProof="0" dirty="0" smtClean="0">
+                <a:ln>
+                  <a:noFill/>
+                </a:ln>
                 <a:solidFill>
                   <a:prstClr val="white"/>
                 </a:solidFill>
+                <a:effectLst/>
+                <a:uLnTx/>
+                <a:uFillTx/>
                 <a:latin typeface="Times New Roman" panose="02020603050405020304" pitchFamily="18" charset="0"/>
                 <a:cs typeface="Times New Roman" panose="02020603050405020304" pitchFamily="18" charset="0"/>
               </a:rPr>
-              <a:t>Quản lí tài khoản</a:t>
+              <a:t>Quản</a:t>
+            </a:r>
+            <a:r>
+              <a:rPr kumimoji="0" lang="en-US" sz="2400" b="0" i="0" u="none" strike="noStrike" kern="1200" cap="none" spc="0" normalizeH="0" noProof="0" dirty="0" smtClean="0">
+                <a:ln>
+                  <a:noFill/>
+                </a:ln>
+                <a:solidFill>
+                  <a:prstClr val="white"/>
+                </a:solidFill>
+                <a:effectLst/>
+                <a:uLnTx/>
+                <a:uFillTx/>
+                <a:latin typeface="Times New Roman" panose="02020603050405020304" pitchFamily="18" charset="0"/>
+                <a:cs typeface="Times New Roman" panose="02020603050405020304" pitchFamily="18" charset="0"/>
+              </a:rPr>
+              <a:t> lí đặt hàng</a:t>
             </a:r>
             <a:endParaRPr kumimoji="0" lang="en-US" sz="2400" b="0" i="0" u="none" strike="noStrike" kern="1200" cap="none" spc="0" normalizeH="0" baseline="0" noProof="0" dirty="0">
               <a:ln>
@@ -23037,7 +23329,7 @@
         <p:spPr>
           <a:xfrm>
             <a:off x="1405364" y="1903564"/>
-            <a:ext cx="2172723" cy="677108"/>
+            <a:ext cx="3961766" cy="677108"/>
           </a:xfrm>
           <a:prstGeom prst="rect">
             <a:avLst/>
@@ -23084,7 +23376,7 @@
               <a:t>- </a:t>
             </a:r>
             <a:r>
-              <a:rPr kumimoji="0" lang="en-US" sz="2000" b="0" i="0" u="none" strike="noStrike" kern="1200" cap="none" spc="0" normalizeH="0" baseline="0" noProof="0" dirty="0">
+              <a:rPr kumimoji="0" lang="en-US" sz="2000" b="0" i="0" u="none" strike="noStrike" kern="1200" cap="none" spc="0" normalizeH="0" baseline="0" noProof="0" dirty="0" smtClean="0">
                 <a:ln>
                   <a:noFill/>
                 </a:ln>
@@ -23097,24 +23389,21 @@
                 <a:latin typeface="Times New Roman" panose="02020603050405020304" pitchFamily="18" charset="0"/>
                 <a:cs typeface="Times New Roman" panose="02020603050405020304" pitchFamily="18" charset="0"/>
               </a:rPr>
-              <a:t>Biểu</a:t>
-            </a:r>
-            <a:r>
-              <a:rPr kumimoji="0" lang="en-US" sz="1800" b="0" i="0" u="none" strike="noStrike" kern="1200" cap="none" spc="0" normalizeH="0" baseline="0" noProof="0" dirty="0">
-                <a:ln>
-                  <a:noFill/>
-                </a:ln>
-                <a:solidFill>
-                  <a:prstClr val="white"/>
-                </a:solidFill>
-                <a:effectLst/>
-                <a:uLnTx/>
-                <a:uFillTx/>
-                <a:latin typeface="Times New Roman" panose="02020603050405020304" pitchFamily="18" charset="0"/>
-                <a:cs typeface="Times New Roman" panose="02020603050405020304" pitchFamily="18" charset="0"/>
-              </a:rPr>
-              <a:t> đồ trình tự</a:t>
-            </a:r>
+              <a:t>Biểu đồ lớp phân tích</a:t>
+            </a:r>
+            <a:endParaRPr kumimoji="0" lang="en-US" sz="1800" b="0" i="0" u="none" strike="noStrike" kern="1200" cap="none" spc="0" normalizeH="0" baseline="0" noProof="0" dirty="0">
+              <a:ln>
+                <a:noFill/>
+              </a:ln>
+              <a:solidFill>
+                <a:prstClr val="white"/>
+              </a:solidFill>
+              <a:effectLst/>
+              <a:uLnTx/>
+              <a:uFillTx/>
+              <a:latin typeface="Times New Roman" panose="02020603050405020304" pitchFamily="18" charset="0"/>
+              <a:cs typeface="Times New Roman" panose="02020603050405020304" pitchFamily="18" charset="0"/>
+            </a:endParaRPr>
           </a:p>
           <a:p>
             <a:pPr marL="0" marR="0" lvl="0" indent="0" algn="l" defTabSz="914400" rtl="0" eaLnBrk="1" fontAlgn="auto" latinLnBrk="0" hangingPunct="1">
@@ -23165,8 +23454,8 @@
         </p:blipFill>
         <p:spPr>
           <a:xfrm>
-            <a:off x="1948070" y="2252870"/>
-            <a:ext cx="8547652" cy="3869633"/>
+            <a:off x="2214562" y="2399521"/>
+            <a:ext cx="7762875" cy="3577209"/>
           </a:xfrm>
           <a:prstGeom prst="rect">
             <a:avLst/>
@@ -23176,7 +23465,7 @@
     </p:spTree>
     <p:extLst>
       <p:ext uri="{BB962C8B-B14F-4D97-AF65-F5344CB8AC3E}">
-        <p14:creationId xmlns:p14="http://schemas.microsoft.com/office/powerpoint/2010/main" val="2193161835"/>
+        <p14:creationId xmlns:p14="http://schemas.microsoft.com/office/powerpoint/2010/main" val="2189107864"/>
       </p:ext>
     </p:extLst>
   </p:cSld>
@@ -23187,7 +23476,7 @@
     <mc:Choice Requires="p14">
       <p:transition spd="slow" p14:dur="2000"/>
     </mc:Choice>
-    <mc:Fallback xmlns="" xmlns:p15="http://schemas.microsoft.com/office/powerpoint/2012/main">
+    <mc:Fallback xmlns:p15="http://schemas.microsoft.com/office/powerpoint/2012/main" xmlns="">
       <p:transition spd="slow"/>
     </mc:Fallback>
   </mc:AlternateContent>
@@ -23365,36 +23654,14 @@
               <a:defRPr/>
             </a:pPr>
             <a:r>
-              <a:rPr kumimoji="0" lang="en-US" sz="2400" b="0" i="0" u="none" strike="noStrike" kern="1200" cap="none" spc="0" normalizeH="0" baseline="0" noProof="0" dirty="0" smtClean="0">
-                <a:ln>
-                  <a:noFill/>
-                </a:ln>
+              <a:rPr lang="en-US" sz="2400" dirty="0" smtClean="0">
                 <a:solidFill>
                   <a:prstClr val="white"/>
                 </a:solidFill>
-                <a:effectLst/>
-                <a:uLnTx/>
-                <a:uFillTx/>
                 <a:latin typeface="Times New Roman" panose="02020603050405020304" pitchFamily="18" charset="0"/>
                 <a:cs typeface="Times New Roman" panose="02020603050405020304" pitchFamily="18" charset="0"/>
               </a:rPr>
-              <a:t>Quản</a:t>
-            </a:r>
-            <a:r>
-              <a:rPr kumimoji="0" lang="en-US" sz="2400" b="0" i="0" u="none" strike="noStrike" kern="1200" cap="none" spc="0" normalizeH="0" noProof="0" dirty="0" smtClean="0">
-                <a:ln>
-                  <a:noFill/>
-                </a:ln>
-                <a:solidFill>
-                  <a:prstClr val="white"/>
-                </a:solidFill>
-                <a:effectLst/>
-                <a:uLnTx/>
-                <a:uFillTx/>
-                <a:latin typeface="Times New Roman" panose="02020603050405020304" pitchFamily="18" charset="0"/>
-                <a:cs typeface="Times New Roman" panose="02020603050405020304" pitchFamily="18" charset="0"/>
-              </a:rPr>
-              <a:t> lí tài khoản</a:t>
+              <a:t>Quản lí tài khoản</a:t>
             </a:r>
             <a:endParaRPr kumimoji="0" lang="en-US" sz="2400" b="0" i="0" u="none" strike="noStrike" kern="1200" cap="none" spc="0" normalizeH="0" baseline="0" noProof="0" dirty="0">
               <a:ln>
@@ -23421,7 +23688,7 @@
         <p:spPr>
           <a:xfrm>
             <a:off x="1405364" y="1903564"/>
-            <a:ext cx="3961766" cy="677108"/>
+            <a:ext cx="2172723" cy="677108"/>
           </a:xfrm>
           <a:prstGeom prst="rect">
             <a:avLst/>
@@ -23468,7 +23735,7 @@
               <a:t>- </a:t>
             </a:r>
             <a:r>
-              <a:rPr kumimoji="0" lang="en-US" sz="2000" b="0" i="0" u="none" strike="noStrike" kern="1200" cap="none" spc="0" normalizeH="0" baseline="0" noProof="0" dirty="0" smtClean="0">
+              <a:rPr kumimoji="0" lang="en-US" sz="2000" b="0" i="0" u="none" strike="noStrike" kern="1200" cap="none" spc="0" normalizeH="0" baseline="0" noProof="0" dirty="0">
                 <a:ln>
                   <a:noFill/>
                 </a:ln>
@@ -23481,21 +23748,24 @@
                 <a:latin typeface="Times New Roman" panose="02020603050405020304" pitchFamily="18" charset="0"/>
                 <a:cs typeface="Times New Roman" panose="02020603050405020304" pitchFamily="18" charset="0"/>
               </a:rPr>
-              <a:t>Biểu đồ lớp phân tích</a:t>
-            </a:r>
-            <a:endParaRPr kumimoji="0" lang="en-US" sz="1800" b="0" i="0" u="none" strike="noStrike" kern="1200" cap="none" spc="0" normalizeH="0" baseline="0" noProof="0" dirty="0">
-              <a:ln>
-                <a:noFill/>
-              </a:ln>
-              <a:solidFill>
-                <a:prstClr val="white"/>
-              </a:solidFill>
-              <a:effectLst/>
-              <a:uLnTx/>
-              <a:uFillTx/>
-              <a:latin typeface="Times New Roman" panose="02020603050405020304" pitchFamily="18" charset="0"/>
-              <a:cs typeface="Times New Roman" panose="02020603050405020304" pitchFamily="18" charset="0"/>
-            </a:endParaRPr>
+              <a:t>Biểu</a:t>
+            </a:r>
+            <a:r>
+              <a:rPr kumimoji="0" lang="en-US" sz="1800" b="0" i="0" u="none" strike="noStrike" kern="1200" cap="none" spc="0" normalizeH="0" baseline="0" noProof="0" dirty="0">
+                <a:ln>
+                  <a:noFill/>
+                </a:ln>
+                <a:solidFill>
+                  <a:prstClr val="white"/>
+                </a:solidFill>
+                <a:effectLst/>
+                <a:uLnTx/>
+                <a:uFillTx/>
+                <a:latin typeface="Times New Roman" panose="02020603050405020304" pitchFamily="18" charset="0"/>
+                <a:cs typeface="Times New Roman" panose="02020603050405020304" pitchFamily="18" charset="0"/>
+              </a:rPr>
+              <a:t> đồ trình tự</a:t>
+            </a:r>
           </a:p>
           <a:p>
             <a:pPr marL="0" marR="0" lvl="0" indent="0" algn="l" defTabSz="914400" rtl="0" eaLnBrk="1" fontAlgn="auto" latinLnBrk="0" hangingPunct="1">
@@ -23532,7 +23802,7 @@
       </p:sp>
       <p:pic>
         <p:nvPicPr>
-          <p:cNvPr id="5" name="Picture 4"/>
+          <p:cNvPr id="4" name="Picture 3"/>
           <p:cNvPicPr>
             <a:picLocks noChangeAspect="1"/>
           </p:cNvPicPr>
@@ -23546,8 +23816,8 @@
         </p:blipFill>
         <p:spPr>
           <a:xfrm>
-            <a:off x="1919287" y="2339420"/>
-            <a:ext cx="8353425" cy="3690319"/>
+            <a:off x="2009775" y="2365229"/>
+            <a:ext cx="8172450" cy="3598249"/>
           </a:xfrm>
           <a:prstGeom prst="rect">
             <a:avLst/>
@@ -23557,7 +23827,7 @@
     </p:spTree>
     <p:extLst>
       <p:ext uri="{BB962C8B-B14F-4D97-AF65-F5344CB8AC3E}">
-        <p14:creationId xmlns:p14="http://schemas.microsoft.com/office/powerpoint/2010/main" val="754682409"/>
+        <p14:creationId xmlns:p14="http://schemas.microsoft.com/office/powerpoint/2010/main" val="3427094805"/>
       </p:ext>
     </p:extLst>
   </p:cSld>
@@ -23568,7 +23838,7 @@
     <mc:Choice Requires="p14">
       <p:transition spd="slow" p14:dur="2000"/>
     </mc:Choice>
-    <mc:Fallback xmlns="" xmlns:p15="http://schemas.microsoft.com/office/powerpoint/2012/main">
+    <mc:Fallback xmlns:p15="http://schemas.microsoft.com/office/powerpoint/2012/main" xmlns="">
       <p:transition spd="slow"/>
     </mc:Fallback>
   </mc:AlternateContent>
@@ -23753,7 +24023,7 @@
                 <a:latin typeface="Times New Roman" panose="02020603050405020304" pitchFamily="18" charset="0"/>
                 <a:cs typeface="Times New Roman" panose="02020603050405020304" pitchFamily="18" charset="0"/>
               </a:rPr>
-              <a:t>Phân quyền người dùng</a:t>
+              <a:t>Quản lí tài khoản</a:t>
             </a:r>
             <a:endParaRPr kumimoji="0" lang="en-US" sz="2400" b="0" i="0" u="none" strike="noStrike" kern="1200" cap="none" spc="0" normalizeH="0" baseline="0" noProof="0" dirty="0">
               <a:ln>
@@ -23894,7 +24164,7 @@
       </p:sp>
       <p:pic>
         <p:nvPicPr>
-          <p:cNvPr id="5" name="Picture 4"/>
+          <p:cNvPr id="6" name="Picture 5"/>
           <p:cNvPicPr>
             <a:picLocks noChangeAspect="1"/>
           </p:cNvPicPr>
@@ -23908,8 +24178,8 @@
         </p:blipFill>
         <p:spPr>
           <a:xfrm>
-            <a:off x="1866900" y="2399521"/>
-            <a:ext cx="8458200" cy="3524201"/>
+            <a:off x="2147887" y="2365229"/>
+            <a:ext cx="7896225" cy="3691014"/>
           </a:xfrm>
           <a:prstGeom prst="rect">
             <a:avLst/>
@@ -23919,7 +24189,7 @@
     </p:spTree>
     <p:extLst>
       <p:ext uri="{BB962C8B-B14F-4D97-AF65-F5344CB8AC3E}">
-        <p14:creationId xmlns:p14="http://schemas.microsoft.com/office/powerpoint/2010/main" val="2796769390"/>
+        <p14:creationId xmlns:p14="http://schemas.microsoft.com/office/powerpoint/2010/main" val="295273485"/>
       </p:ext>
     </p:extLst>
   </p:cSld>
@@ -23930,7 +24200,7 @@
     <mc:Choice Requires="p14">
       <p:transition spd="slow" p14:dur="2000"/>
     </mc:Choice>
-    <mc:Fallback xmlns="" xmlns:p15="http://schemas.microsoft.com/office/powerpoint/2012/main">
+    <mc:Fallback xmlns:p15="http://schemas.microsoft.com/office/powerpoint/2012/main" xmlns="">
       <p:transition spd="slow"/>
     </mc:Fallback>
   </mc:AlternateContent>
@@ -24115,7 +24385,7 @@
                 <a:latin typeface="Times New Roman" panose="02020603050405020304" pitchFamily="18" charset="0"/>
                 <a:cs typeface="Times New Roman" panose="02020603050405020304" pitchFamily="18" charset="0"/>
               </a:rPr>
-              <a:t>Phân quyền người dùng</a:t>
+              <a:t>Quản lí tài khoản</a:t>
             </a:r>
             <a:endParaRPr kumimoji="0" lang="en-US" sz="2400" b="0" i="0" u="none" strike="noStrike" kern="1200" cap="none" spc="0" normalizeH="0" baseline="0" noProof="0" dirty="0">
               <a:ln>
@@ -24270,8 +24540,8 @@
         </p:blipFill>
         <p:spPr>
           <a:xfrm>
-            <a:off x="1795462" y="2399521"/>
-            <a:ext cx="8601075" cy="3550705"/>
+            <a:off x="1948070" y="2252870"/>
+            <a:ext cx="8547652" cy="3869633"/>
           </a:xfrm>
           <a:prstGeom prst="rect">
             <a:avLst/>
@@ -24281,7 +24551,7 @@
     </p:spTree>
     <p:extLst>
       <p:ext uri="{BB962C8B-B14F-4D97-AF65-F5344CB8AC3E}">
-        <p14:creationId xmlns:p14="http://schemas.microsoft.com/office/powerpoint/2010/main" val="2285801574"/>
+        <p14:creationId xmlns:p14="http://schemas.microsoft.com/office/powerpoint/2010/main" val="2193161835"/>
       </p:ext>
     </p:extLst>
   </p:cSld>
@@ -24292,7 +24562,7 @@
     <mc:Choice Requires="p14">
       <p:transition spd="slow" p14:dur="2000"/>
     </mc:Choice>
-    <mc:Fallback xmlns="" xmlns:p15="http://schemas.microsoft.com/office/powerpoint/2012/main">
+    <mc:Fallback xmlns:p15="http://schemas.microsoft.com/office/powerpoint/2012/main" xmlns="">
       <p:transition spd="slow"/>
     </mc:Fallback>
   </mc:AlternateContent>
@@ -24470,14 +24740,36 @@
               <a:defRPr/>
             </a:pPr>
             <a:r>
-              <a:rPr lang="en-US" sz="2400" dirty="0" smtClean="0">
+              <a:rPr kumimoji="0" lang="en-US" sz="2400" b="0" i="0" u="none" strike="noStrike" kern="1200" cap="none" spc="0" normalizeH="0" baseline="0" noProof="0" dirty="0" smtClean="0">
+                <a:ln>
+                  <a:noFill/>
+                </a:ln>
                 <a:solidFill>
                   <a:prstClr val="white"/>
                 </a:solidFill>
+                <a:effectLst/>
+                <a:uLnTx/>
+                <a:uFillTx/>
                 <a:latin typeface="Times New Roman" panose="02020603050405020304" pitchFamily="18" charset="0"/>
                 <a:cs typeface="Times New Roman" panose="02020603050405020304" pitchFamily="18" charset="0"/>
               </a:rPr>
-              <a:t>Phân quyền người dùng</a:t>
+              <a:t>Quản</a:t>
+            </a:r>
+            <a:r>
+              <a:rPr kumimoji="0" lang="en-US" sz="2400" b="0" i="0" u="none" strike="noStrike" kern="1200" cap="none" spc="0" normalizeH="0" noProof="0" dirty="0" smtClean="0">
+                <a:ln>
+                  <a:noFill/>
+                </a:ln>
+                <a:solidFill>
+                  <a:prstClr val="white"/>
+                </a:solidFill>
+                <a:effectLst/>
+                <a:uLnTx/>
+                <a:uFillTx/>
+                <a:latin typeface="Times New Roman" panose="02020603050405020304" pitchFamily="18" charset="0"/>
+                <a:cs typeface="Times New Roman" panose="02020603050405020304" pitchFamily="18" charset="0"/>
+              </a:rPr>
+              <a:t> lí tài khoản</a:t>
             </a:r>
             <a:endParaRPr kumimoji="0" lang="en-US" sz="2400" b="0" i="0" u="none" strike="noStrike" kern="1200" cap="none" spc="0" normalizeH="0" baseline="0" noProof="0" dirty="0">
               <a:ln>
@@ -24504,7 +24796,7 @@
         <p:spPr>
           <a:xfrm>
             <a:off x="1405364" y="1903564"/>
-            <a:ext cx="2172723" cy="677108"/>
+            <a:ext cx="3961766" cy="677108"/>
           </a:xfrm>
           <a:prstGeom prst="rect">
             <a:avLst/>
@@ -24551,7 +24843,7 @@
               <a:t>- </a:t>
             </a:r>
             <a:r>
-              <a:rPr kumimoji="0" lang="en-US" sz="2000" b="0" i="0" u="none" strike="noStrike" kern="1200" cap="none" spc="0" normalizeH="0" baseline="0" noProof="0" dirty="0">
+              <a:rPr kumimoji="0" lang="en-US" sz="2000" b="0" i="0" u="none" strike="noStrike" kern="1200" cap="none" spc="0" normalizeH="0" baseline="0" noProof="0" dirty="0" smtClean="0">
                 <a:ln>
                   <a:noFill/>
                 </a:ln>
@@ -24564,24 +24856,21 @@
                 <a:latin typeface="Times New Roman" panose="02020603050405020304" pitchFamily="18" charset="0"/>
                 <a:cs typeface="Times New Roman" panose="02020603050405020304" pitchFamily="18" charset="0"/>
               </a:rPr>
-              <a:t>Biểu</a:t>
-            </a:r>
-            <a:r>
-              <a:rPr kumimoji="0" lang="en-US" sz="1800" b="0" i="0" u="none" strike="noStrike" kern="1200" cap="none" spc="0" normalizeH="0" baseline="0" noProof="0" dirty="0">
-                <a:ln>
-                  <a:noFill/>
-                </a:ln>
-                <a:solidFill>
-                  <a:prstClr val="white"/>
-                </a:solidFill>
-                <a:effectLst/>
-                <a:uLnTx/>
-                <a:uFillTx/>
-                <a:latin typeface="Times New Roman" panose="02020603050405020304" pitchFamily="18" charset="0"/>
-                <a:cs typeface="Times New Roman" panose="02020603050405020304" pitchFamily="18" charset="0"/>
-              </a:rPr>
-              <a:t> đồ trình tự</a:t>
-            </a:r>
+              <a:t>Biểu đồ lớp phân tích</a:t>
+            </a:r>
+            <a:endParaRPr kumimoji="0" lang="en-US" sz="1800" b="0" i="0" u="none" strike="noStrike" kern="1200" cap="none" spc="0" normalizeH="0" baseline="0" noProof="0" dirty="0">
+              <a:ln>
+                <a:noFill/>
+              </a:ln>
+              <a:solidFill>
+                <a:prstClr val="white"/>
+              </a:solidFill>
+              <a:effectLst/>
+              <a:uLnTx/>
+              <a:uFillTx/>
+              <a:latin typeface="Times New Roman" panose="02020603050405020304" pitchFamily="18" charset="0"/>
+              <a:cs typeface="Times New Roman" panose="02020603050405020304" pitchFamily="18" charset="0"/>
+            </a:endParaRPr>
           </a:p>
           <a:p>
             <a:pPr marL="0" marR="0" lvl="0" indent="0" algn="l" defTabSz="914400" rtl="0" eaLnBrk="1" fontAlgn="auto" latinLnBrk="0" hangingPunct="1">
@@ -24632,8 +24921,8 @@
         </p:blipFill>
         <p:spPr>
           <a:xfrm>
-            <a:off x="1900237" y="2365229"/>
-            <a:ext cx="8391525" cy="3683146"/>
+            <a:off x="1919287" y="2339420"/>
+            <a:ext cx="8353425" cy="3690319"/>
           </a:xfrm>
           <a:prstGeom prst="rect">
             <a:avLst/>
@@ -24643,7 +24932,7 @@
     </p:spTree>
     <p:extLst>
       <p:ext uri="{BB962C8B-B14F-4D97-AF65-F5344CB8AC3E}">
-        <p14:creationId xmlns:p14="http://schemas.microsoft.com/office/powerpoint/2010/main" val="4270855926"/>
+        <p14:creationId xmlns:p14="http://schemas.microsoft.com/office/powerpoint/2010/main" val="754682409"/>
       </p:ext>
     </p:extLst>
   </p:cSld>
@@ -24654,7 +24943,7 @@
     <mc:Choice Requires="p14">
       <p:transition spd="slow" p14:dur="2000"/>
     </mc:Choice>
-    <mc:Fallback xmlns="" xmlns:p15="http://schemas.microsoft.com/office/powerpoint/2012/main">
+    <mc:Fallback xmlns:p15="http://schemas.microsoft.com/office/powerpoint/2012/main" xmlns="">
       <p:transition spd="slow"/>
     </mc:Fallback>
   </mc:AlternateContent>
@@ -24832,36 +25121,14 @@
               <a:defRPr/>
             </a:pPr>
             <a:r>
-              <a:rPr kumimoji="0" lang="en-US" sz="2400" b="0" i="0" u="none" strike="noStrike" kern="1200" cap="none" spc="0" normalizeH="0" baseline="0" noProof="0" dirty="0" smtClean="0">
-                <a:ln>
-                  <a:noFill/>
-                </a:ln>
+              <a:rPr lang="en-US" sz="2400" dirty="0" smtClean="0">
                 <a:solidFill>
                   <a:prstClr val="white"/>
                 </a:solidFill>
-                <a:effectLst/>
-                <a:uLnTx/>
-                <a:uFillTx/>
                 <a:latin typeface="Times New Roman" panose="02020603050405020304" pitchFamily="18" charset="0"/>
                 <a:cs typeface="Times New Roman" panose="02020603050405020304" pitchFamily="18" charset="0"/>
               </a:rPr>
-              <a:t>Quản</a:t>
-            </a:r>
-            <a:r>
-              <a:rPr kumimoji="0" lang="en-US" sz="2400" b="0" i="0" u="none" strike="noStrike" kern="1200" cap="none" spc="0" normalizeH="0" noProof="0" dirty="0" smtClean="0">
-                <a:ln>
-                  <a:noFill/>
-                </a:ln>
-                <a:solidFill>
-                  <a:prstClr val="white"/>
-                </a:solidFill>
-                <a:effectLst/>
-                <a:uLnTx/>
-                <a:uFillTx/>
-                <a:latin typeface="Times New Roman" panose="02020603050405020304" pitchFamily="18" charset="0"/>
-                <a:cs typeface="Times New Roman" panose="02020603050405020304" pitchFamily="18" charset="0"/>
-              </a:rPr>
-              <a:t> lí tài khoản</a:t>
+              <a:t>Phân quyền người dùng</a:t>
             </a:r>
             <a:endParaRPr kumimoji="0" lang="en-US" sz="2400" b="0" i="0" u="none" strike="noStrike" kern="1200" cap="none" spc="0" normalizeH="0" baseline="0" noProof="0" dirty="0">
               <a:ln>
@@ -24888,7 +25155,7 @@
         <p:spPr>
           <a:xfrm>
             <a:off x="1405364" y="1903564"/>
-            <a:ext cx="3961766" cy="677108"/>
+            <a:ext cx="2172723" cy="677108"/>
           </a:xfrm>
           <a:prstGeom prst="rect">
             <a:avLst/>
@@ -24935,7 +25202,7 @@
               <a:t>- </a:t>
             </a:r>
             <a:r>
-              <a:rPr kumimoji="0" lang="en-US" sz="2000" b="0" i="0" u="none" strike="noStrike" kern="1200" cap="none" spc="0" normalizeH="0" baseline="0" noProof="0" dirty="0" smtClean="0">
+              <a:rPr kumimoji="0" lang="en-US" sz="2000" b="0" i="0" u="none" strike="noStrike" kern="1200" cap="none" spc="0" normalizeH="0" baseline="0" noProof="0" dirty="0">
                 <a:ln>
                   <a:noFill/>
                 </a:ln>
@@ -24948,21 +25215,24 @@
                 <a:latin typeface="Times New Roman" panose="02020603050405020304" pitchFamily="18" charset="0"/>
                 <a:cs typeface="Times New Roman" panose="02020603050405020304" pitchFamily="18" charset="0"/>
               </a:rPr>
-              <a:t>Biểu đồ lớp phân tích</a:t>
-            </a:r>
-            <a:endParaRPr kumimoji="0" lang="en-US" sz="1800" b="0" i="0" u="none" strike="noStrike" kern="1200" cap="none" spc="0" normalizeH="0" baseline="0" noProof="0" dirty="0">
-              <a:ln>
-                <a:noFill/>
-              </a:ln>
-              <a:solidFill>
-                <a:prstClr val="white"/>
-              </a:solidFill>
-              <a:effectLst/>
-              <a:uLnTx/>
-              <a:uFillTx/>
-              <a:latin typeface="Times New Roman" panose="02020603050405020304" pitchFamily="18" charset="0"/>
-              <a:cs typeface="Times New Roman" panose="02020603050405020304" pitchFamily="18" charset="0"/>
-            </a:endParaRPr>
+              <a:t>Biểu</a:t>
+            </a:r>
+            <a:r>
+              <a:rPr kumimoji="0" lang="en-US" sz="1800" b="0" i="0" u="none" strike="noStrike" kern="1200" cap="none" spc="0" normalizeH="0" baseline="0" noProof="0" dirty="0">
+                <a:ln>
+                  <a:noFill/>
+                </a:ln>
+                <a:solidFill>
+                  <a:prstClr val="white"/>
+                </a:solidFill>
+                <a:effectLst/>
+                <a:uLnTx/>
+                <a:uFillTx/>
+                <a:latin typeface="Times New Roman" panose="02020603050405020304" pitchFamily="18" charset="0"/>
+                <a:cs typeface="Times New Roman" panose="02020603050405020304" pitchFamily="18" charset="0"/>
+              </a:rPr>
+              <a:t> đồ trình tự</a:t>
+            </a:r>
           </a:p>
           <a:p>
             <a:pPr marL="0" marR="0" lvl="0" indent="0" algn="l" defTabSz="914400" rtl="0" eaLnBrk="1" fontAlgn="auto" latinLnBrk="0" hangingPunct="1">
@@ -24999,7 +25269,7 @@
       </p:sp>
       <p:pic>
         <p:nvPicPr>
-          <p:cNvPr id="4" name="Picture 3"/>
+          <p:cNvPr id="5" name="Picture 4"/>
           <p:cNvPicPr>
             <a:picLocks noChangeAspect="1"/>
           </p:cNvPicPr>
@@ -25013,8 +25283,8 @@
         </p:blipFill>
         <p:spPr>
           <a:xfrm>
-            <a:off x="2009775" y="2399520"/>
-            <a:ext cx="8172450" cy="3616967"/>
+            <a:off x="1866900" y="2399521"/>
+            <a:ext cx="8458200" cy="3524201"/>
           </a:xfrm>
           <a:prstGeom prst="rect">
             <a:avLst/>
@@ -25024,7 +25294,7 @@
     </p:spTree>
     <p:extLst>
       <p:ext uri="{BB962C8B-B14F-4D97-AF65-F5344CB8AC3E}">
-        <p14:creationId xmlns:p14="http://schemas.microsoft.com/office/powerpoint/2010/main" val="3809264540"/>
+        <p14:creationId xmlns:p14="http://schemas.microsoft.com/office/powerpoint/2010/main" val="2796769390"/>
       </p:ext>
     </p:extLst>
   </p:cSld>
@@ -25035,7 +25305,7 @@
     <mc:Choice Requires="p14">
       <p:transition spd="slow" p14:dur="2000"/>
     </mc:Choice>
-    <mc:Fallback xmlns="" xmlns:p15="http://schemas.microsoft.com/office/powerpoint/2012/main">
+    <mc:Fallback xmlns:p15="http://schemas.microsoft.com/office/powerpoint/2012/main" xmlns="">
       <p:transition spd="slow"/>
     </mc:Fallback>
   </mc:AlternateContent>
@@ -25068,7 +25338,7 @@
       </p:grpSpPr>
       <p:pic>
         <p:nvPicPr>
-          <p:cNvPr id="292" name="Content Placeholder 4"/>
+          <p:cNvPr id="156" name="Content Placeholder 4"/>
           <p:cNvPicPr/>
           <p:nvPr/>
         </p:nvPicPr>
@@ -25091,14 +25361,14 @@
       </p:pic>
       <p:sp>
         <p:nvSpPr>
-          <p:cNvPr id="293" name="CustomShape 1"/>
+          <p:cNvPr id="158" name="CustomShape 2"/>
           <p:cNvSpPr/>
           <p:nvPr/>
         </p:nvSpPr>
         <p:spPr>
           <a:xfrm>
-            <a:off x="1794240" y="2705760"/>
-            <a:ext cx="8602920" cy="1431000"/>
+            <a:off x="4313696" y="945942"/>
+            <a:ext cx="3564607" cy="521766"/>
           </a:xfrm>
           <a:prstGeom prst="rect">
             <a:avLst/>
@@ -25126,27 +25396,269 @@
           </a:bodyPr>
           <a:lstStyle/>
           <a:p>
-            <a:pPr>
+            <a:pPr marL="0" marR="0" lvl="0" indent="0" algn="l" defTabSz="914400" rtl="0" eaLnBrk="1" fontAlgn="auto" latinLnBrk="0" hangingPunct="1">
               <a:lnSpc>
                 <a:spcPct val="100000"/>
               </a:lnSpc>
-            </a:pPr>
-            <a:r>
-              <a:rPr lang="vi-VN" sz="8800" b="1" strike="noStrike" spc="-1">
+              <a:spcBef>
+                <a:spcPts val="0"/>
+              </a:spcBef>
+              <a:spcAft>
+                <a:spcPts val="0"/>
+              </a:spcAft>
+              <a:buClrTx/>
+              <a:buSzTx/>
+              <a:buFontTx/>
+              <a:buNone/>
+              <a:tabLst/>
+              <a:defRPr/>
+            </a:pPr>
+            <a:r>
+              <a:rPr kumimoji="0" lang="en-US" sz="2800" b="1" i="0" u="none" strike="noStrike" kern="1200" cap="none" spc="-1" normalizeH="0" baseline="0" noProof="0" dirty="0" smtClean="0">
+                <a:ln>
+                  <a:noFill/>
+                </a:ln>
                 <a:solidFill>
                   <a:srgbClr val="FFFFFF"/>
                 </a:solidFill>
-                <a:latin typeface="Brush Script MT"/>
-              </a:rPr>
-              <a:t>Thank You !!!</a:t>
-            </a:r>
-            <a:endParaRPr lang="vi-VN" sz="8800" b="0" strike="noStrike" spc="-1">
+                <a:effectLst/>
+                <a:uLnTx/>
+                <a:uFillTx/>
+                <a:latin typeface="Times New Roman"/>
+              </a:rPr>
+              <a:t>1.1 Mô hình phân tích</a:t>
+            </a:r>
+            <a:endParaRPr kumimoji="0" lang="vi-VN" sz="2800" b="1" i="0" u="none" strike="noStrike" kern="1200" cap="none" spc="-1" normalizeH="0" baseline="0" noProof="0" dirty="0">
+              <a:ln>
+                <a:noFill/>
+              </a:ln>
+              <a:solidFill>
+                <a:prstClr val="black"/>
+              </a:solidFill>
+              <a:effectLst/>
+              <a:uLnTx/>
+              <a:uFillTx/>
               <a:latin typeface="Arial"/>
             </a:endParaRPr>
           </a:p>
         </p:txBody>
       </p:sp>
+      <p:sp>
+        <p:nvSpPr>
+          <p:cNvPr id="2" name="TextBox 1"/>
+          <p:cNvSpPr txBox="1"/>
+          <p:nvPr/>
+        </p:nvSpPr>
+        <p:spPr>
+          <a:xfrm>
+            <a:off x="1033670" y="1441899"/>
+            <a:ext cx="5645426" cy="461665"/>
+          </a:xfrm>
+          <a:prstGeom prst="rect">
+            <a:avLst/>
+          </a:prstGeom>
+          <a:noFill/>
+        </p:spPr>
+        <p:txBody>
+          <a:bodyPr wrap="square" rtlCol="0">
+            <a:spAutoFit/>
+          </a:bodyPr>
+          <a:lstStyle/>
+          <a:p>
+            <a:pPr marL="0" marR="0" lvl="0" indent="0" algn="l" defTabSz="914400" rtl="0" eaLnBrk="1" fontAlgn="auto" latinLnBrk="0" hangingPunct="1">
+              <a:lnSpc>
+                <a:spcPct val="100000"/>
+              </a:lnSpc>
+              <a:spcBef>
+                <a:spcPts val="0"/>
+              </a:spcBef>
+              <a:spcAft>
+                <a:spcPts val="0"/>
+              </a:spcAft>
+              <a:buClrTx/>
+              <a:buSzTx/>
+              <a:buFontTx/>
+              <a:buNone/>
+              <a:tabLst/>
+              <a:defRPr/>
+            </a:pPr>
+            <a:r>
+              <a:rPr lang="en-US" sz="2400" dirty="0" smtClean="0">
+                <a:solidFill>
+                  <a:prstClr val="white"/>
+                </a:solidFill>
+                <a:latin typeface="Times New Roman" panose="02020603050405020304" pitchFamily="18" charset="0"/>
+                <a:cs typeface="Times New Roman" panose="02020603050405020304" pitchFamily="18" charset="0"/>
+              </a:rPr>
+              <a:t>Phân quyền người dùng</a:t>
+            </a:r>
+            <a:endParaRPr kumimoji="0" lang="en-US" sz="2400" b="0" i="0" u="none" strike="noStrike" kern="1200" cap="none" spc="0" normalizeH="0" baseline="0" noProof="0" dirty="0">
+              <a:ln>
+                <a:noFill/>
+              </a:ln>
+              <a:solidFill>
+                <a:prstClr val="white"/>
+              </a:solidFill>
+              <a:effectLst/>
+              <a:uLnTx/>
+              <a:uFillTx/>
+              <a:latin typeface="Times New Roman" panose="02020603050405020304" pitchFamily="18" charset="0"/>
+              <a:cs typeface="Times New Roman" panose="02020603050405020304" pitchFamily="18" charset="0"/>
+            </a:endParaRPr>
+          </a:p>
+        </p:txBody>
+      </p:sp>
+      <p:sp>
+        <p:nvSpPr>
+          <p:cNvPr id="3" name="TextBox 2"/>
+          <p:cNvSpPr txBox="1"/>
+          <p:nvPr/>
+        </p:nvSpPr>
+        <p:spPr>
+          <a:xfrm>
+            <a:off x="1405364" y="1903564"/>
+            <a:ext cx="2172723" cy="677108"/>
+          </a:xfrm>
+          <a:prstGeom prst="rect">
+            <a:avLst/>
+          </a:prstGeom>
+          <a:noFill/>
+        </p:spPr>
+        <p:txBody>
+          <a:bodyPr wrap="square" rtlCol="0">
+            <a:spAutoFit/>
+          </a:bodyPr>
+          <a:lstStyle/>
+          <a:p>
+            <a:pPr marL="0" marR="0" lvl="0" indent="0" algn="l" defTabSz="914400" rtl="0" eaLnBrk="1" fontAlgn="auto" latinLnBrk="0" hangingPunct="1">
+              <a:lnSpc>
+                <a:spcPct val="100000"/>
+              </a:lnSpc>
+              <a:spcBef>
+                <a:spcPts val="0"/>
+              </a:spcBef>
+              <a:spcAft>
+                <a:spcPts val="0"/>
+              </a:spcAft>
+              <a:buClrTx/>
+              <a:buSzTx/>
+              <a:buFontTx/>
+              <a:buNone/>
+              <a:tabLst/>
+              <a:defRPr/>
+            </a:pPr>
+            <a:r>
+              <a:rPr kumimoji="0" lang="en-US" sz="1800" b="0" i="0" u="none" strike="noStrike" kern="1200" cap="none" spc="0" normalizeH="0" baseline="0" noProof="0" dirty="0">
+                <a:ln>
+                  <a:noFill/>
+                </a:ln>
+                <a:solidFill>
+                  <a:prstClr val="white"/>
+                </a:solidFill>
+                <a:effectLst/>
+                <a:uLnTx/>
+                <a:uFillTx/>
+                <a:latin typeface="Times New Roman" panose="02020603050405020304" pitchFamily="18" charset="0"/>
+                <a:cs typeface="Times New Roman" panose="02020603050405020304" pitchFamily="18" charset="0"/>
+              </a:rPr>
+              <a:t>- </a:t>
+            </a:r>
+            <a:r>
+              <a:rPr kumimoji="0" lang="en-US" sz="2000" b="0" i="0" u="none" strike="noStrike" kern="1200" cap="none" spc="0" normalizeH="0" baseline="0" noProof="0" dirty="0">
+                <a:ln>
+                  <a:noFill/>
+                </a:ln>
+                <a:solidFill>
+                  <a:prstClr val="white"/>
+                </a:solidFill>
+                <a:effectLst/>
+                <a:uLnTx/>
+                <a:uFillTx/>
+                <a:latin typeface="Times New Roman" panose="02020603050405020304" pitchFamily="18" charset="0"/>
+                <a:cs typeface="Times New Roman" panose="02020603050405020304" pitchFamily="18" charset="0"/>
+              </a:rPr>
+              <a:t>Biểu</a:t>
+            </a:r>
+            <a:r>
+              <a:rPr kumimoji="0" lang="en-US" sz="1800" b="0" i="0" u="none" strike="noStrike" kern="1200" cap="none" spc="0" normalizeH="0" baseline="0" noProof="0" dirty="0">
+                <a:ln>
+                  <a:noFill/>
+                </a:ln>
+                <a:solidFill>
+                  <a:prstClr val="white"/>
+                </a:solidFill>
+                <a:effectLst/>
+                <a:uLnTx/>
+                <a:uFillTx/>
+                <a:latin typeface="Times New Roman" panose="02020603050405020304" pitchFamily="18" charset="0"/>
+                <a:cs typeface="Times New Roman" panose="02020603050405020304" pitchFamily="18" charset="0"/>
+              </a:rPr>
+              <a:t> đồ trình tự</a:t>
+            </a:r>
+          </a:p>
+          <a:p>
+            <a:pPr marL="0" marR="0" lvl="0" indent="0" algn="l" defTabSz="914400" rtl="0" eaLnBrk="1" fontAlgn="auto" latinLnBrk="0" hangingPunct="1">
+              <a:lnSpc>
+                <a:spcPct val="100000"/>
+              </a:lnSpc>
+              <a:spcBef>
+                <a:spcPts val="0"/>
+              </a:spcBef>
+              <a:spcAft>
+                <a:spcPts val="0"/>
+              </a:spcAft>
+              <a:buClrTx/>
+              <a:buSzTx/>
+              <a:buFontTx/>
+              <a:buNone/>
+              <a:tabLst/>
+              <a:defRPr/>
+            </a:pPr>
+            <a:endParaRPr kumimoji="0" lang="en-US" sz="1800" b="0" i="0" u="none" strike="noStrike" kern="1200" cap="none" spc="0" normalizeH="0" baseline="0" noProof="0" dirty="0">
+              <a:ln>
+                <a:noFill/>
+              </a:ln>
+              <a:solidFill>
+                <a:prstClr val="black"/>
+              </a:solidFill>
+              <a:effectLst/>
+              <a:uLnTx/>
+              <a:uFillTx/>
+              <a:latin typeface="Arial"/>
+            </a:endParaRPr>
+          </a:p>
+        </p:txBody>
+      </p:sp>
+      <p:pic>
+        <p:nvPicPr>
+          <p:cNvPr id="4" name="Picture 3"/>
+          <p:cNvPicPr>
+            <a:picLocks noChangeAspect="1"/>
+          </p:cNvPicPr>
+          <p:nvPr/>
+        </p:nvPicPr>
+        <p:blipFill>
+          <a:blip r:embed="rId3"/>
+          <a:stretch>
+            <a:fillRect/>
+          </a:stretch>
+        </p:blipFill>
+        <p:spPr>
+          <a:xfrm>
+            <a:off x="1795462" y="2399521"/>
+            <a:ext cx="8601075" cy="3550705"/>
+          </a:xfrm>
+          <a:prstGeom prst="rect">
+            <a:avLst/>
+          </a:prstGeom>
+        </p:spPr>
+      </p:pic>
     </p:spTree>
+    <p:extLst>
+      <p:ext uri="{BB962C8B-B14F-4D97-AF65-F5344CB8AC3E}">
+        <p14:creationId xmlns:p14="http://schemas.microsoft.com/office/powerpoint/2010/main" val="2285801574"/>
+      </p:ext>
+    </p:extLst>
   </p:cSld>
   <p:clrMapOvr>
     <a:masterClrMapping/>
@@ -25155,7 +25667,750 @@
     <mc:Choice Requires="p14">
       <p:transition spd="slow" p14:dur="2000"/>
     </mc:Choice>
-    <mc:Fallback xmlns="" xmlns:p15="http://schemas.microsoft.com/office/powerpoint/2012/main">
+    <mc:Fallback xmlns:p15="http://schemas.microsoft.com/office/powerpoint/2012/main" xmlns="">
+      <p:transition spd="slow"/>
+    </mc:Fallback>
+  </mc:AlternateContent>
+  <p:timing>
+    <p:tnLst>
+      <p:par>
+        <p:cTn id="1" dur="indefinite" restart="never" nodeType="tmRoot"/>
+      </p:par>
+    </p:tnLst>
+  </p:timing>
+</p:sld>
+</file>
+
+<file path=ppt/slides/slide58.xml><?xml version="1.0" encoding="utf-8"?>
+<p:sld xmlns:a="http://schemas.openxmlformats.org/drawingml/2006/main" xmlns:r="http://schemas.openxmlformats.org/officeDocument/2006/relationships" xmlns:p="http://schemas.openxmlformats.org/presentationml/2006/main">
+  <p:cSld>
+    <p:spTree>
+      <p:nvGrpSpPr>
+        <p:cNvPr id="1" name=""/>
+        <p:cNvGrpSpPr/>
+        <p:nvPr/>
+      </p:nvGrpSpPr>
+      <p:grpSpPr>
+        <a:xfrm>
+          <a:off x="0" y="0"/>
+          <a:ext cx="0" cy="0"/>
+          <a:chOff x="0" y="0"/>
+          <a:chExt cx="0" cy="0"/>
+        </a:xfrm>
+      </p:grpSpPr>
+      <p:pic>
+        <p:nvPicPr>
+          <p:cNvPr id="156" name="Content Placeholder 4"/>
+          <p:cNvPicPr/>
+          <p:nvPr/>
+        </p:nvPicPr>
+        <p:blipFill>
+          <a:blip r:embed="rId2"/>
+          <a:stretch/>
+        </p:blipFill>
+        <p:spPr>
+          <a:xfrm>
+            <a:off x="11379240" y="60480"/>
+            <a:ext cx="700920" cy="700920"/>
+          </a:xfrm>
+          <a:prstGeom prst="rect">
+            <a:avLst/>
+          </a:prstGeom>
+          <a:ln>
+            <a:noFill/>
+          </a:ln>
+        </p:spPr>
+      </p:pic>
+      <p:sp>
+        <p:nvSpPr>
+          <p:cNvPr id="158" name="CustomShape 2"/>
+          <p:cNvSpPr/>
+          <p:nvPr/>
+        </p:nvSpPr>
+        <p:spPr>
+          <a:xfrm>
+            <a:off x="4313696" y="945942"/>
+            <a:ext cx="3564607" cy="521766"/>
+          </a:xfrm>
+          <a:prstGeom prst="rect">
+            <a:avLst/>
+          </a:prstGeom>
+          <a:noFill/>
+          <a:ln>
+            <a:noFill/>
+          </a:ln>
+        </p:spPr>
+        <p:style>
+          <a:lnRef idx="0">
+            <a:scrgbClr r="0" g="0" b="0"/>
+          </a:lnRef>
+          <a:fillRef idx="0">
+            <a:scrgbClr r="0" g="0" b="0"/>
+          </a:fillRef>
+          <a:effectRef idx="0">
+            <a:scrgbClr r="0" g="0" b="0"/>
+          </a:effectRef>
+          <a:fontRef idx="minor"/>
+        </p:style>
+        <p:txBody>
+          <a:bodyPr wrap="none" lIns="90000" tIns="45000" rIns="90000" bIns="45000">
+            <a:spAutoFit/>
+          </a:bodyPr>
+          <a:lstStyle/>
+          <a:p>
+            <a:pPr marL="0" marR="0" lvl="0" indent="0" algn="l" defTabSz="914400" rtl="0" eaLnBrk="1" fontAlgn="auto" latinLnBrk="0" hangingPunct="1">
+              <a:lnSpc>
+                <a:spcPct val="100000"/>
+              </a:lnSpc>
+              <a:spcBef>
+                <a:spcPts val="0"/>
+              </a:spcBef>
+              <a:spcAft>
+                <a:spcPts val="0"/>
+              </a:spcAft>
+              <a:buClrTx/>
+              <a:buSzTx/>
+              <a:buFontTx/>
+              <a:buNone/>
+              <a:tabLst/>
+              <a:defRPr/>
+            </a:pPr>
+            <a:r>
+              <a:rPr kumimoji="0" lang="en-US" sz="2800" b="1" i="0" u="none" strike="noStrike" kern="1200" cap="none" spc="-1" normalizeH="0" baseline="0" noProof="0" dirty="0" smtClean="0">
+                <a:ln>
+                  <a:noFill/>
+                </a:ln>
+                <a:solidFill>
+                  <a:srgbClr val="FFFFFF"/>
+                </a:solidFill>
+                <a:effectLst/>
+                <a:uLnTx/>
+                <a:uFillTx/>
+                <a:latin typeface="Times New Roman"/>
+              </a:rPr>
+              <a:t>1.1 Mô hình phân tích</a:t>
+            </a:r>
+            <a:endParaRPr kumimoji="0" lang="vi-VN" sz="2800" b="1" i="0" u="none" strike="noStrike" kern="1200" cap="none" spc="-1" normalizeH="0" baseline="0" noProof="0" dirty="0">
+              <a:ln>
+                <a:noFill/>
+              </a:ln>
+              <a:solidFill>
+                <a:prstClr val="black"/>
+              </a:solidFill>
+              <a:effectLst/>
+              <a:uLnTx/>
+              <a:uFillTx/>
+              <a:latin typeface="Arial"/>
+            </a:endParaRPr>
+          </a:p>
+        </p:txBody>
+      </p:sp>
+      <p:sp>
+        <p:nvSpPr>
+          <p:cNvPr id="2" name="TextBox 1"/>
+          <p:cNvSpPr txBox="1"/>
+          <p:nvPr/>
+        </p:nvSpPr>
+        <p:spPr>
+          <a:xfrm>
+            <a:off x="1033670" y="1441899"/>
+            <a:ext cx="5645426" cy="461665"/>
+          </a:xfrm>
+          <a:prstGeom prst="rect">
+            <a:avLst/>
+          </a:prstGeom>
+          <a:noFill/>
+        </p:spPr>
+        <p:txBody>
+          <a:bodyPr wrap="square" rtlCol="0">
+            <a:spAutoFit/>
+          </a:bodyPr>
+          <a:lstStyle/>
+          <a:p>
+            <a:pPr marL="0" marR="0" lvl="0" indent="0" algn="l" defTabSz="914400" rtl="0" eaLnBrk="1" fontAlgn="auto" latinLnBrk="0" hangingPunct="1">
+              <a:lnSpc>
+                <a:spcPct val="100000"/>
+              </a:lnSpc>
+              <a:spcBef>
+                <a:spcPts val="0"/>
+              </a:spcBef>
+              <a:spcAft>
+                <a:spcPts val="0"/>
+              </a:spcAft>
+              <a:buClrTx/>
+              <a:buSzTx/>
+              <a:buFontTx/>
+              <a:buNone/>
+              <a:tabLst/>
+              <a:defRPr/>
+            </a:pPr>
+            <a:r>
+              <a:rPr lang="en-US" sz="2400" dirty="0" smtClean="0">
+                <a:solidFill>
+                  <a:prstClr val="white"/>
+                </a:solidFill>
+                <a:latin typeface="Times New Roman" panose="02020603050405020304" pitchFamily="18" charset="0"/>
+                <a:cs typeface="Times New Roman" panose="02020603050405020304" pitchFamily="18" charset="0"/>
+              </a:rPr>
+              <a:t>Phân quyền người dùng</a:t>
+            </a:r>
+            <a:endParaRPr kumimoji="0" lang="en-US" sz="2400" b="0" i="0" u="none" strike="noStrike" kern="1200" cap="none" spc="0" normalizeH="0" baseline="0" noProof="0" dirty="0">
+              <a:ln>
+                <a:noFill/>
+              </a:ln>
+              <a:solidFill>
+                <a:prstClr val="white"/>
+              </a:solidFill>
+              <a:effectLst/>
+              <a:uLnTx/>
+              <a:uFillTx/>
+              <a:latin typeface="Times New Roman" panose="02020603050405020304" pitchFamily="18" charset="0"/>
+              <a:cs typeface="Times New Roman" panose="02020603050405020304" pitchFamily="18" charset="0"/>
+            </a:endParaRPr>
+          </a:p>
+        </p:txBody>
+      </p:sp>
+      <p:sp>
+        <p:nvSpPr>
+          <p:cNvPr id="3" name="TextBox 2"/>
+          <p:cNvSpPr txBox="1"/>
+          <p:nvPr/>
+        </p:nvSpPr>
+        <p:spPr>
+          <a:xfrm>
+            <a:off x="1405364" y="1903564"/>
+            <a:ext cx="2172723" cy="677108"/>
+          </a:xfrm>
+          <a:prstGeom prst="rect">
+            <a:avLst/>
+          </a:prstGeom>
+          <a:noFill/>
+        </p:spPr>
+        <p:txBody>
+          <a:bodyPr wrap="square" rtlCol="0">
+            <a:spAutoFit/>
+          </a:bodyPr>
+          <a:lstStyle/>
+          <a:p>
+            <a:pPr marL="0" marR="0" lvl="0" indent="0" algn="l" defTabSz="914400" rtl="0" eaLnBrk="1" fontAlgn="auto" latinLnBrk="0" hangingPunct="1">
+              <a:lnSpc>
+                <a:spcPct val="100000"/>
+              </a:lnSpc>
+              <a:spcBef>
+                <a:spcPts val="0"/>
+              </a:spcBef>
+              <a:spcAft>
+                <a:spcPts val="0"/>
+              </a:spcAft>
+              <a:buClrTx/>
+              <a:buSzTx/>
+              <a:buFontTx/>
+              <a:buNone/>
+              <a:tabLst/>
+              <a:defRPr/>
+            </a:pPr>
+            <a:r>
+              <a:rPr kumimoji="0" lang="en-US" sz="1800" b="0" i="0" u="none" strike="noStrike" kern="1200" cap="none" spc="0" normalizeH="0" baseline="0" noProof="0" dirty="0">
+                <a:ln>
+                  <a:noFill/>
+                </a:ln>
+                <a:solidFill>
+                  <a:prstClr val="white"/>
+                </a:solidFill>
+                <a:effectLst/>
+                <a:uLnTx/>
+                <a:uFillTx/>
+                <a:latin typeface="Times New Roman" panose="02020603050405020304" pitchFamily="18" charset="0"/>
+                <a:cs typeface="Times New Roman" panose="02020603050405020304" pitchFamily="18" charset="0"/>
+              </a:rPr>
+              <a:t>- </a:t>
+            </a:r>
+            <a:r>
+              <a:rPr kumimoji="0" lang="en-US" sz="2000" b="0" i="0" u="none" strike="noStrike" kern="1200" cap="none" spc="0" normalizeH="0" baseline="0" noProof="0" dirty="0">
+                <a:ln>
+                  <a:noFill/>
+                </a:ln>
+                <a:solidFill>
+                  <a:prstClr val="white"/>
+                </a:solidFill>
+                <a:effectLst/>
+                <a:uLnTx/>
+                <a:uFillTx/>
+                <a:latin typeface="Times New Roman" panose="02020603050405020304" pitchFamily="18" charset="0"/>
+                <a:cs typeface="Times New Roman" panose="02020603050405020304" pitchFamily="18" charset="0"/>
+              </a:rPr>
+              <a:t>Biểu</a:t>
+            </a:r>
+            <a:r>
+              <a:rPr kumimoji="0" lang="en-US" sz="1800" b="0" i="0" u="none" strike="noStrike" kern="1200" cap="none" spc="0" normalizeH="0" baseline="0" noProof="0" dirty="0">
+                <a:ln>
+                  <a:noFill/>
+                </a:ln>
+                <a:solidFill>
+                  <a:prstClr val="white"/>
+                </a:solidFill>
+                <a:effectLst/>
+                <a:uLnTx/>
+                <a:uFillTx/>
+                <a:latin typeface="Times New Roman" panose="02020603050405020304" pitchFamily="18" charset="0"/>
+                <a:cs typeface="Times New Roman" panose="02020603050405020304" pitchFamily="18" charset="0"/>
+              </a:rPr>
+              <a:t> đồ trình tự</a:t>
+            </a:r>
+          </a:p>
+          <a:p>
+            <a:pPr marL="0" marR="0" lvl="0" indent="0" algn="l" defTabSz="914400" rtl="0" eaLnBrk="1" fontAlgn="auto" latinLnBrk="0" hangingPunct="1">
+              <a:lnSpc>
+                <a:spcPct val="100000"/>
+              </a:lnSpc>
+              <a:spcBef>
+                <a:spcPts val="0"/>
+              </a:spcBef>
+              <a:spcAft>
+                <a:spcPts val="0"/>
+              </a:spcAft>
+              <a:buClrTx/>
+              <a:buSzTx/>
+              <a:buFontTx/>
+              <a:buNone/>
+              <a:tabLst/>
+              <a:defRPr/>
+            </a:pPr>
+            <a:endParaRPr kumimoji="0" lang="en-US" sz="1800" b="0" i="0" u="none" strike="noStrike" kern="1200" cap="none" spc="0" normalizeH="0" baseline="0" noProof="0" dirty="0">
+              <a:ln>
+                <a:noFill/>
+              </a:ln>
+              <a:solidFill>
+                <a:prstClr val="black"/>
+              </a:solidFill>
+              <a:effectLst/>
+              <a:uLnTx/>
+              <a:uFillTx/>
+              <a:latin typeface="Arial"/>
+            </a:endParaRPr>
+          </a:p>
+        </p:txBody>
+      </p:sp>
+      <p:pic>
+        <p:nvPicPr>
+          <p:cNvPr id="5" name="Picture 4"/>
+          <p:cNvPicPr>
+            <a:picLocks noChangeAspect="1"/>
+          </p:cNvPicPr>
+          <p:nvPr/>
+        </p:nvPicPr>
+        <p:blipFill>
+          <a:blip r:embed="rId3"/>
+          <a:stretch>
+            <a:fillRect/>
+          </a:stretch>
+        </p:blipFill>
+        <p:spPr>
+          <a:xfrm>
+            <a:off x="1900237" y="2365229"/>
+            <a:ext cx="8391525" cy="3683146"/>
+          </a:xfrm>
+          <a:prstGeom prst="rect">
+            <a:avLst/>
+          </a:prstGeom>
+        </p:spPr>
+      </p:pic>
+    </p:spTree>
+    <p:extLst>
+      <p:ext uri="{BB962C8B-B14F-4D97-AF65-F5344CB8AC3E}">
+        <p14:creationId xmlns:p14="http://schemas.microsoft.com/office/powerpoint/2010/main" val="4270855926"/>
+      </p:ext>
+    </p:extLst>
+  </p:cSld>
+  <p:clrMapOvr>
+    <a:masterClrMapping/>
+  </p:clrMapOvr>
+  <mc:AlternateContent xmlns:mc="http://schemas.openxmlformats.org/markup-compatibility/2006" xmlns:p14="http://schemas.microsoft.com/office/powerpoint/2010/main">
+    <mc:Choice Requires="p14">
+      <p:transition spd="slow" p14:dur="2000"/>
+    </mc:Choice>
+    <mc:Fallback xmlns:p15="http://schemas.microsoft.com/office/powerpoint/2012/main" xmlns="">
+      <p:transition spd="slow"/>
+    </mc:Fallback>
+  </mc:AlternateContent>
+  <p:timing>
+    <p:tnLst>
+      <p:par>
+        <p:cTn id="1" dur="indefinite" restart="never" nodeType="tmRoot"/>
+      </p:par>
+    </p:tnLst>
+  </p:timing>
+</p:sld>
+</file>
+
+<file path=ppt/slides/slide59.xml><?xml version="1.0" encoding="utf-8"?>
+<p:sld xmlns:a="http://schemas.openxmlformats.org/drawingml/2006/main" xmlns:r="http://schemas.openxmlformats.org/officeDocument/2006/relationships" xmlns:p="http://schemas.openxmlformats.org/presentationml/2006/main">
+  <p:cSld>
+    <p:spTree>
+      <p:nvGrpSpPr>
+        <p:cNvPr id="1" name=""/>
+        <p:cNvGrpSpPr/>
+        <p:nvPr/>
+      </p:nvGrpSpPr>
+      <p:grpSpPr>
+        <a:xfrm>
+          <a:off x="0" y="0"/>
+          <a:ext cx="0" cy="0"/>
+          <a:chOff x="0" y="0"/>
+          <a:chExt cx="0" cy="0"/>
+        </a:xfrm>
+      </p:grpSpPr>
+      <p:pic>
+        <p:nvPicPr>
+          <p:cNvPr id="156" name="Content Placeholder 4"/>
+          <p:cNvPicPr/>
+          <p:nvPr/>
+        </p:nvPicPr>
+        <p:blipFill>
+          <a:blip r:embed="rId2"/>
+          <a:stretch/>
+        </p:blipFill>
+        <p:spPr>
+          <a:xfrm>
+            <a:off x="11379240" y="60480"/>
+            <a:ext cx="700920" cy="700920"/>
+          </a:xfrm>
+          <a:prstGeom prst="rect">
+            <a:avLst/>
+          </a:prstGeom>
+          <a:ln>
+            <a:noFill/>
+          </a:ln>
+        </p:spPr>
+      </p:pic>
+      <p:sp>
+        <p:nvSpPr>
+          <p:cNvPr id="158" name="CustomShape 2"/>
+          <p:cNvSpPr/>
+          <p:nvPr/>
+        </p:nvSpPr>
+        <p:spPr>
+          <a:xfrm>
+            <a:off x="4313696" y="945942"/>
+            <a:ext cx="3564607" cy="521766"/>
+          </a:xfrm>
+          <a:prstGeom prst="rect">
+            <a:avLst/>
+          </a:prstGeom>
+          <a:noFill/>
+          <a:ln>
+            <a:noFill/>
+          </a:ln>
+        </p:spPr>
+        <p:style>
+          <a:lnRef idx="0">
+            <a:scrgbClr r="0" g="0" b="0"/>
+          </a:lnRef>
+          <a:fillRef idx="0">
+            <a:scrgbClr r="0" g="0" b="0"/>
+          </a:fillRef>
+          <a:effectRef idx="0">
+            <a:scrgbClr r="0" g="0" b="0"/>
+          </a:effectRef>
+          <a:fontRef idx="minor"/>
+        </p:style>
+        <p:txBody>
+          <a:bodyPr wrap="none" lIns="90000" tIns="45000" rIns="90000" bIns="45000">
+            <a:spAutoFit/>
+          </a:bodyPr>
+          <a:lstStyle/>
+          <a:p>
+            <a:pPr marL="0" marR="0" lvl="0" indent="0" algn="l" defTabSz="914400" rtl="0" eaLnBrk="1" fontAlgn="auto" latinLnBrk="0" hangingPunct="1">
+              <a:lnSpc>
+                <a:spcPct val="100000"/>
+              </a:lnSpc>
+              <a:spcBef>
+                <a:spcPts val="0"/>
+              </a:spcBef>
+              <a:spcAft>
+                <a:spcPts val="0"/>
+              </a:spcAft>
+              <a:buClrTx/>
+              <a:buSzTx/>
+              <a:buFontTx/>
+              <a:buNone/>
+              <a:tabLst/>
+              <a:defRPr/>
+            </a:pPr>
+            <a:r>
+              <a:rPr kumimoji="0" lang="en-US" sz="2800" b="1" i="0" u="none" strike="noStrike" kern="1200" cap="none" spc="-1" normalizeH="0" baseline="0" noProof="0" dirty="0" smtClean="0">
+                <a:ln>
+                  <a:noFill/>
+                </a:ln>
+                <a:solidFill>
+                  <a:srgbClr val="FFFFFF"/>
+                </a:solidFill>
+                <a:effectLst/>
+                <a:uLnTx/>
+                <a:uFillTx/>
+                <a:latin typeface="Times New Roman"/>
+              </a:rPr>
+              <a:t>1.1 Mô hình phân tích</a:t>
+            </a:r>
+            <a:endParaRPr kumimoji="0" lang="vi-VN" sz="2800" b="1" i="0" u="none" strike="noStrike" kern="1200" cap="none" spc="-1" normalizeH="0" baseline="0" noProof="0" dirty="0">
+              <a:ln>
+                <a:noFill/>
+              </a:ln>
+              <a:solidFill>
+                <a:prstClr val="black"/>
+              </a:solidFill>
+              <a:effectLst/>
+              <a:uLnTx/>
+              <a:uFillTx/>
+              <a:latin typeface="Arial"/>
+            </a:endParaRPr>
+          </a:p>
+        </p:txBody>
+      </p:sp>
+      <p:sp>
+        <p:nvSpPr>
+          <p:cNvPr id="2" name="TextBox 1"/>
+          <p:cNvSpPr txBox="1"/>
+          <p:nvPr/>
+        </p:nvSpPr>
+        <p:spPr>
+          <a:xfrm>
+            <a:off x="1033670" y="1441899"/>
+            <a:ext cx="5645426" cy="461665"/>
+          </a:xfrm>
+          <a:prstGeom prst="rect">
+            <a:avLst/>
+          </a:prstGeom>
+          <a:noFill/>
+        </p:spPr>
+        <p:txBody>
+          <a:bodyPr wrap="square" rtlCol="0">
+            <a:spAutoFit/>
+          </a:bodyPr>
+          <a:lstStyle/>
+          <a:p>
+            <a:pPr marL="0" marR="0" lvl="0" indent="0" algn="l" defTabSz="914400" rtl="0" eaLnBrk="1" fontAlgn="auto" latinLnBrk="0" hangingPunct="1">
+              <a:lnSpc>
+                <a:spcPct val="100000"/>
+              </a:lnSpc>
+              <a:spcBef>
+                <a:spcPts val="0"/>
+              </a:spcBef>
+              <a:spcAft>
+                <a:spcPts val="0"/>
+              </a:spcAft>
+              <a:buClrTx/>
+              <a:buSzTx/>
+              <a:buFontTx/>
+              <a:buNone/>
+              <a:tabLst/>
+              <a:defRPr/>
+            </a:pPr>
+            <a:r>
+              <a:rPr kumimoji="0" lang="en-US" sz="2400" b="0" i="0" u="none" strike="noStrike" kern="1200" cap="none" spc="0" normalizeH="0" baseline="0" noProof="0" dirty="0" smtClean="0">
+                <a:ln>
+                  <a:noFill/>
+                </a:ln>
+                <a:solidFill>
+                  <a:prstClr val="white"/>
+                </a:solidFill>
+                <a:effectLst/>
+                <a:uLnTx/>
+                <a:uFillTx/>
+                <a:latin typeface="Times New Roman" panose="02020603050405020304" pitchFamily="18" charset="0"/>
+                <a:cs typeface="Times New Roman" panose="02020603050405020304" pitchFamily="18" charset="0"/>
+              </a:rPr>
+              <a:t>Quản</a:t>
+            </a:r>
+            <a:r>
+              <a:rPr kumimoji="0" lang="en-US" sz="2400" b="0" i="0" u="none" strike="noStrike" kern="1200" cap="none" spc="0" normalizeH="0" noProof="0" dirty="0" smtClean="0">
+                <a:ln>
+                  <a:noFill/>
+                </a:ln>
+                <a:solidFill>
+                  <a:prstClr val="white"/>
+                </a:solidFill>
+                <a:effectLst/>
+                <a:uLnTx/>
+                <a:uFillTx/>
+                <a:latin typeface="Times New Roman" panose="02020603050405020304" pitchFamily="18" charset="0"/>
+                <a:cs typeface="Times New Roman" panose="02020603050405020304" pitchFamily="18" charset="0"/>
+              </a:rPr>
+              <a:t> lí tài khoản</a:t>
+            </a:r>
+            <a:endParaRPr kumimoji="0" lang="en-US" sz="2400" b="0" i="0" u="none" strike="noStrike" kern="1200" cap="none" spc="0" normalizeH="0" baseline="0" noProof="0" dirty="0">
+              <a:ln>
+                <a:noFill/>
+              </a:ln>
+              <a:solidFill>
+                <a:prstClr val="white"/>
+              </a:solidFill>
+              <a:effectLst/>
+              <a:uLnTx/>
+              <a:uFillTx/>
+              <a:latin typeface="Times New Roman" panose="02020603050405020304" pitchFamily="18" charset="0"/>
+              <a:cs typeface="Times New Roman" panose="02020603050405020304" pitchFamily="18" charset="0"/>
+            </a:endParaRPr>
+          </a:p>
+        </p:txBody>
+      </p:sp>
+      <p:sp>
+        <p:nvSpPr>
+          <p:cNvPr id="3" name="TextBox 2"/>
+          <p:cNvSpPr txBox="1"/>
+          <p:nvPr/>
+        </p:nvSpPr>
+        <p:spPr>
+          <a:xfrm>
+            <a:off x="1405364" y="1903564"/>
+            <a:ext cx="3961766" cy="677108"/>
+          </a:xfrm>
+          <a:prstGeom prst="rect">
+            <a:avLst/>
+          </a:prstGeom>
+          <a:noFill/>
+        </p:spPr>
+        <p:txBody>
+          <a:bodyPr wrap="square" rtlCol="0">
+            <a:spAutoFit/>
+          </a:bodyPr>
+          <a:lstStyle/>
+          <a:p>
+            <a:pPr marL="0" marR="0" lvl="0" indent="0" algn="l" defTabSz="914400" rtl="0" eaLnBrk="1" fontAlgn="auto" latinLnBrk="0" hangingPunct="1">
+              <a:lnSpc>
+                <a:spcPct val="100000"/>
+              </a:lnSpc>
+              <a:spcBef>
+                <a:spcPts val="0"/>
+              </a:spcBef>
+              <a:spcAft>
+                <a:spcPts val="0"/>
+              </a:spcAft>
+              <a:buClrTx/>
+              <a:buSzTx/>
+              <a:buFontTx/>
+              <a:buNone/>
+              <a:tabLst/>
+              <a:defRPr/>
+            </a:pPr>
+            <a:r>
+              <a:rPr kumimoji="0" lang="en-US" sz="1800" b="0" i="0" u="none" strike="noStrike" kern="1200" cap="none" spc="0" normalizeH="0" baseline="0" noProof="0" dirty="0">
+                <a:ln>
+                  <a:noFill/>
+                </a:ln>
+                <a:solidFill>
+                  <a:prstClr val="white"/>
+                </a:solidFill>
+                <a:effectLst/>
+                <a:uLnTx/>
+                <a:uFillTx/>
+                <a:latin typeface="Times New Roman" panose="02020603050405020304" pitchFamily="18" charset="0"/>
+                <a:cs typeface="Times New Roman" panose="02020603050405020304" pitchFamily="18" charset="0"/>
+              </a:rPr>
+              <a:t>- </a:t>
+            </a:r>
+            <a:r>
+              <a:rPr kumimoji="0" lang="en-US" sz="2000" b="0" i="0" u="none" strike="noStrike" kern="1200" cap="none" spc="0" normalizeH="0" baseline="0" noProof="0" dirty="0" smtClean="0">
+                <a:ln>
+                  <a:noFill/>
+                </a:ln>
+                <a:solidFill>
+                  <a:prstClr val="white"/>
+                </a:solidFill>
+                <a:effectLst/>
+                <a:uLnTx/>
+                <a:uFillTx/>
+                <a:latin typeface="Times New Roman" panose="02020603050405020304" pitchFamily="18" charset="0"/>
+                <a:cs typeface="Times New Roman" panose="02020603050405020304" pitchFamily="18" charset="0"/>
+              </a:rPr>
+              <a:t>Biểu đồ lớp phân tích</a:t>
+            </a:r>
+            <a:endParaRPr kumimoji="0" lang="en-US" sz="1800" b="0" i="0" u="none" strike="noStrike" kern="1200" cap="none" spc="0" normalizeH="0" baseline="0" noProof="0" dirty="0">
+              <a:ln>
+                <a:noFill/>
+              </a:ln>
+              <a:solidFill>
+                <a:prstClr val="white"/>
+              </a:solidFill>
+              <a:effectLst/>
+              <a:uLnTx/>
+              <a:uFillTx/>
+              <a:latin typeface="Times New Roman" panose="02020603050405020304" pitchFamily="18" charset="0"/>
+              <a:cs typeface="Times New Roman" panose="02020603050405020304" pitchFamily="18" charset="0"/>
+            </a:endParaRPr>
+          </a:p>
+          <a:p>
+            <a:pPr marL="0" marR="0" lvl="0" indent="0" algn="l" defTabSz="914400" rtl="0" eaLnBrk="1" fontAlgn="auto" latinLnBrk="0" hangingPunct="1">
+              <a:lnSpc>
+                <a:spcPct val="100000"/>
+              </a:lnSpc>
+              <a:spcBef>
+                <a:spcPts val="0"/>
+              </a:spcBef>
+              <a:spcAft>
+                <a:spcPts val="0"/>
+              </a:spcAft>
+              <a:buClrTx/>
+              <a:buSzTx/>
+              <a:buFontTx/>
+              <a:buNone/>
+              <a:tabLst/>
+              <a:defRPr/>
+            </a:pPr>
+            <a:endParaRPr kumimoji="0" lang="en-US" sz="1800" b="0" i="0" u="none" strike="noStrike" kern="1200" cap="none" spc="0" normalizeH="0" baseline="0" noProof="0" dirty="0">
+              <a:ln>
+                <a:noFill/>
+              </a:ln>
+              <a:solidFill>
+                <a:prstClr val="black"/>
+              </a:solidFill>
+              <a:effectLst/>
+              <a:uLnTx/>
+              <a:uFillTx/>
+              <a:latin typeface="Arial"/>
+            </a:endParaRPr>
+          </a:p>
+        </p:txBody>
+      </p:sp>
+      <p:pic>
+        <p:nvPicPr>
+          <p:cNvPr id="4" name="Picture 3"/>
+          <p:cNvPicPr>
+            <a:picLocks noChangeAspect="1"/>
+          </p:cNvPicPr>
+          <p:nvPr/>
+        </p:nvPicPr>
+        <p:blipFill>
+          <a:blip r:embed="rId3"/>
+          <a:stretch>
+            <a:fillRect/>
+          </a:stretch>
+        </p:blipFill>
+        <p:spPr>
+          <a:xfrm>
+            <a:off x="2009775" y="2399520"/>
+            <a:ext cx="8172450" cy="3616967"/>
+          </a:xfrm>
+          <a:prstGeom prst="rect">
+            <a:avLst/>
+          </a:prstGeom>
+        </p:spPr>
+      </p:pic>
+    </p:spTree>
+    <p:extLst>
+      <p:ext uri="{BB962C8B-B14F-4D97-AF65-F5344CB8AC3E}">
+        <p14:creationId xmlns:p14="http://schemas.microsoft.com/office/powerpoint/2010/main" val="3809264540"/>
+      </p:ext>
+    </p:extLst>
+  </p:cSld>
+  <p:clrMapOvr>
+    <a:masterClrMapping/>
+  </p:clrMapOvr>
+  <mc:AlternateContent xmlns:mc="http://schemas.openxmlformats.org/markup-compatibility/2006" xmlns:p14="http://schemas.microsoft.com/office/powerpoint/2010/main">
+    <mc:Choice Requires="p14">
+      <p:transition spd="slow" p14:dur="2000"/>
+    </mc:Choice>
+    <mc:Fallback xmlns:p15="http://schemas.microsoft.com/office/powerpoint/2012/main" xmlns="">
       <p:transition spd="slow"/>
     </mc:Fallback>
   </mc:AlternateContent>
@@ -25481,7 +26736,127 @@
     <mc:Choice Requires="p14">
       <p:transition spd="slow" p14:dur="2000"/>
     </mc:Choice>
-    <mc:Fallback xmlns="" xmlns:p15="http://schemas.microsoft.com/office/powerpoint/2012/main">
+    <mc:Fallback xmlns:p15="http://schemas.microsoft.com/office/powerpoint/2012/main" xmlns="">
+      <p:transition spd="slow"/>
+    </mc:Fallback>
+  </mc:AlternateContent>
+  <p:timing>
+    <p:tnLst>
+      <p:par>
+        <p:cTn id="1" dur="indefinite" restart="never" nodeType="tmRoot"/>
+      </p:par>
+    </p:tnLst>
+  </p:timing>
+</p:sld>
+</file>
+
+<file path=ppt/slides/slide60.xml><?xml version="1.0" encoding="utf-8"?>
+<p:sld xmlns:a="http://schemas.openxmlformats.org/drawingml/2006/main" xmlns:r="http://schemas.openxmlformats.org/officeDocument/2006/relationships" xmlns:p="http://schemas.openxmlformats.org/presentationml/2006/main">
+  <p:cSld>
+    <p:spTree>
+      <p:nvGrpSpPr>
+        <p:cNvPr id="1" name=""/>
+        <p:cNvGrpSpPr/>
+        <p:nvPr/>
+      </p:nvGrpSpPr>
+      <p:grpSpPr>
+        <a:xfrm>
+          <a:off x="0" y="0"/>
+          <a:ext cx="0" cy="0"/>
+          <a:chOff x="0" y="0"/>
+          <a:chExt cx="0" cy="0"/>
+        </a:xfrm>
+      </p:grpSpPr>
+      <p:pic>
+        <p:nvPicPr>
+          <p:cNvPr id="292" name="Content Placeholder 4"/>
+          <p:cNvPicPr/>
+          <p:nvPr/>
+        </p:nvPicPr>
+        <p:blipFill>
+          <a:blip r:embed="rId2"/>
+          <a:stretch/>
+        </p:blipFill>
+        <p:spPr>
+          <a:xfrm>
+            <a:off x="11379240" y="60480"/>
+            <a:ext cx="700920" cy="700920"/>
+          </a:xfrm>
+          <a:prstGeom prst="rect">
+            <a:avLst/>
+          </a:prstGeom>
+          <a:ln>
+            <a:noFill/>
+          </a:ln>
+        </p:spPr>
+      </p:pic>
+      <p:sp>
+        <p:nvSpPr>
+          <p:cNvPr id="293" name="CustomShape 1"/>
+          <p:cNvSpPr/>
+          <p:nvPr/>
+        </p:nvSpPr>
+        <p:spPr>
+          <a:xfrm>
+            <a:off x="1794240" y="2705760"/>
+            <a:ext cx="8602920" cy="1431000"/>
+          </a:xfrm>
+          <a:prstGeom prst="rect">
+            <a:avLst/>
+          </a:prstGeom>
+          <a:noFill/>
+          <a:ln>
+            <a:noFill/>
+          </a:ln>
+        </p:spPr>
+        <p:style>
+          <a:lnRef idx="0">
+            <a:scrgbClr r="0" g="0" b="0"/>
+          </a:lnRef>
+          <a:fillRef idx="0">
+            <a:scrgbClr r="0" g="0" b="0"/>
+          </a:fillRef>
+          <a:effectRef idx="0">
+            <a:scrgbClr r="0" g="0" b="0"/>
+          </a:effectRef>
+          <a:fontRef idx="minor"/>
+        </p:style>
+        <p:txBody>
+          <a:bodyPr wrap="none" lIns="90000" tIns="45000" rIns="90000" bIns="45000">
+            <a:spAutoFit/>
+          </a:bodyPr>
+          <a:lstStyle/>
+          <a:p>
+            <a:pPr>
+              <a:lnSpc>
+                <a:spcPct val="100000"/>
+              </a:lnSpc>
+            </a:pPr>
+            <a:r>
+              <a:rPr lang="vi-VN" sz="8800" b="1" strike="noStrike" spc="-1">
+                <a:solidFill>
+                  <a:srgbClr val="FFFFFF"/>
+                </a:solidFill>
+                <a:latin typeface="Brush Script MT"/>
+              </a:rPr>
+              <a:t>Thank You !!!</a:t>
+            </a:r>
+            <a:endParaRPr lang="vi-VN" sz="8800" b="0" strike="noStrike" spc="-1">
+              <a:latin typeface="Arial"/>
+            </a:endParaRPr>
+          </a:p>
+        </p:txBody>
+      </p:sp>
+    </p:spTree>
+  </p:cSld>
+  <p:clrMapOvr>
+    <a:masterClrMapping/>
+  </p:clrMapOvr>
+  <mc:AlternateContent xmlns:mc="http://schemas.openxmlformats.org/markup-compatibility/2006" xmlns:p14="http://schemas.microsoft.com/office/powerpoint/2010/main">
+    <mc:Choice Requires="p14">
+      <p:transition spd="slow" p14:dur="2000"/>
+    </mc:Choice>
+    <mc:Fallback xmlns:p15="http://schemas.microsoft.com/office/powerpoint/2012/main" xmlns="">
       <p:transition spd="slow"/>
     </mc:Fallback>
   </mc:AlternateContent>
@@ -25753,7 +27128,7 @@
     <mc:Choice Requires="p14">
       <p:transition spd="slow" p14:dur="2000"/>
     </mc:Choice>
-    <mc:Fallback xmlns="" xmlns:p15="http://schemas.microsoft.com/office/powerpoint/2012/main">
+    <mc:Fallback xmlns:p15="http://schemas.microsoft.com/office/powerpoint/2012/main" xmlns="">
       <p:transition spd="slow"/>
     </mc:Fallback>
   </mc:AlternateContent>
@@ -26111,7 +27486,7 @@
     <mc:Choice Requires="p14">
       <p:transition spd="slow" p14:dur="2000"/>
     </mc:Choice>
-    <mc:Fallback xmlns="" xmlns:p15="http://schemas.microsoft.com/office/powerpoint/2012/main">
+    <mc:Fallback xmlns:p15="http://schemas.microsoft.com/office/powerpoint/2012/main" xmlns="">
       <p:transition spd="slow"/>
     </mc:Fallback>
   </mc:AlternateContent>
@@ -26423,7 +27798,7 @@
     <mc:Choice Requires="p14">
       <p:transition spd="slow" p14:dur="2000"/>
     </mc:Choice>
-    <mc:Fallback xmlns="" xmlns:p15="http://schemas.microsoft.com/office/powerpoint/2012/main">
+    <mc:Fallback xmlns:p15="http://schemas.microsoft.com/office/powerpoint/2012/main" xmlns="">
       <p:transition spd="slow"/>
     </mc:Fallback>
   </mc:AlternateContent>
